--- a/textbook/파이썬6-1교시.pptx
+++ b/textbook/파이썬6-1교시.pptx
@@ -12,7 +12,9 @@
     <p:sldId id="273" r:id="rId6"/>
     <p:sldId id="271" r:id="rId7"/>
     <p:sldId id="274" r:id="rId8"/>
-    <p:sldId id="266" r:id="rId9"/>
+    <p:sldId id="276" r:id="rId9"/>
+    <p:sldId id="277" r:id="rId10"/>
+    <p:sldId id="266" r:id="rId11"/>
   </p:sldIdLst>
   <p:sldSz cx="9144000" cy="6858000" type="screen4x3"/>
   <p:notesSz cx="6858000" cy="9144000"/>
@@ -318,7 +320,7 @@
           <a:p>
             <a:fld id="{3575F28B-E03B-4F00-AA56-A8AF97DAF43F}" type="datetimeFigureOut">
               <a:rPr lang="ko-KR" altLang="en-US" smtClean="0"/>
-              <a:t>2021-07-25</a:t>
+              <a:t>2021-07-27</a:t>
             </a:fld>
             <a:endParaRPr lang="ko-KR" altLang="en-US"/>
           </a:p>
@@ -650,7 +652,7 @@
           <a:p>
             <a:fld id="{3575F28B-E03B-4F00-AA56-A8AF97DAF43F}" type="datetimeFigureOut">
               <a:rPr lang="ko-KR" altLang="en-US" smtClean="0"/>
-              <a:t>2021-07-25</a:t>
+              <a:t>2021-07-27</a:t>
             </a:fld>
             <a:endParaRPr lang="ko-KR" altLang="en-US"/>
           </a:p>
@@ -1049,7 +1051,7 @@
           <a:p>
             <a:fld id="{3575F28B-E03B-4F00-AA56-A8AF97DAF43F}" type="datetimeFigureOut">
               <a:rPr lang="ko-KR" altLang="en-US" smtClean="0"/>
-              <a:t>2021-07-25</a:t>
+              <a:t>2021-07-27</a:t>
             </a:fld>
             <a:endParaRPr lang="ko-KR" altLang="en-US"/>
           </a:p>
@@ -1383,7 +1385,7 @@
           <a:p>
             <a:fld id="{3575F28B-E03B-4F00-AA56-A8AF97DAF43F}" type="datetimeFigureOut">
               <a:rPr lang="ko-KR" altLang="en-US" smtClean="0"/>
-              <a:t>2021-07-25</a:t>
+              <a:t>2021-07-27</a:t>
             </a:fld>
             <a:endParaRPr lang="ko-KR" altLang="en-US"/>
           </a:p>
@@ -1701,7 +1703,7 @@
           <a:p>
             <a:fld id="{3575F28B-E03B-4F00-AA56-A8AF97DAF43F}" type="datetimeFigureOut">
               <a:rPr lang="ko-KR" altLang="en-US" smtClean="0"/>
-              <a:t>2021-07-25</a:t>
+              <a:t>2021-07-27</a:t>
             </a:fld>
             <a:endParaRPr lang="ko-KR" altLang="en-US"/>
           </a:p>
@@ -2095,7 +2097,7 @@
           <a:p>
             <a:fld id="{3575F28B-E03B-4F00-AA56-A8AF97DAF43F}" type="datetimeFigureOut">
               <a:rPr lang="ko-KR" altLang="en-US" smtClean="0"/>
-              <a:t>2021-07-25</a:t>
+              <a:t>2021-07-27</a:t>
             </a:fld>
             <a:endParaRPr lang="ko-KR" altLang="en-US"/>
           </a:p>
@@ -2350,7 +2352,7 @@
           <a:p>
             <a:fld id="{3575F28B-E03B-4F00-AA56-A8AF97DAF43F}" type="datetimeFigureOut">
               <a:rPr lang="ko-KR" altLang="en-US" smtClean="0"/>
-              <a:t>2021-07-25</a:t>
+              <a:t>2021-07-27</a:t>
             </a:fld>
             <a:endParaRPr lang="ko-KR" altLang="en-US"/>
           </a:p>
@@ -2610,7 +2612,7 @@
           <a:p>
             <a:fld id="{3575F28B-E03B-4F00-AA56-A8AF97DAF43F}" type="datetimeFigureOut">
               <a:rPr lang="ko-KR" altLang="en-US" smtClean="0"/>
-              <a:t>2021-07-25</a:t>
+              <a:t>2021-07-27</a:t>
             </a:fld>
             <a:endParaRPr lang="ko-KR" altLang="en-US"/>
           </a:p>
@@ -2870,7 +2872,7 @@
           <a:p>
             <a:fld id="{3575F28B-E03B-4F00-AA56-A8AF97DAF43F}" type="datetimeFigureOut">
               <a:rPr lang="ko-KR" altLang="en-US" smtClean="0"/>
-              <a:t>2021-07-25</a:t>
+              <a:t>2021-07-27</a:t>
             </a:fld>
             <a:endParaRPr lang="ko-KR" altLang="en-US"/>
           </a:p>
@@ -3197,7 +3199,7 @@
           <a:p>
             <a:fld id="{3575F28B-E03B-4F00-AA56-A8AF97DAF43F}" type="datetimeFigureOut">
               <a:rPr lang="ko-KR" altLang="en-US" smtClean="0"/>
-              <a:t>2021-07-25</a:t>
+              <a:t>2021-07-27</a:t>
             </a:fld>
             <a:endParaRPr lang="ko-KR" altLang="en-US"/>
           </a:p>
@@ -3518,7 +3520,7 @@
           <a:p>
             <a:fld id="{3575F28B-E03B-4F00-AA56-A8AF97DAF43F}" type="datetimeFigureOut">
               <a:rPr lang="ko-KR" altLang="en-US" smtClean="0"/>
-              <a:t>2021-07-25</a:t>
+              <a:t>2021-07-27</a:t>
             </a:fld>
             <a:endParaRPr lang="ko-KR" altLang="en-US"/>
           </a:p>
@@ -3973,7 +3975,7 @@
           <a:p>
             <a:fld id="{3575F28B-E03B-4F00-AA56-A8AF97DAF43F}" type="datetimeFigureOut">
               <a:rPr lang="ko-KR" altLang="en-US" smtClean="0"/>
-              <a:t>2021-07-25</a:t>
+              <a:t>2021-07-27</a:t>
             </a:fld>
             <a:endParaRPr lang="ko-KR" altLang="en-US"/>
           </a:p>
@@ -4181,7 +4183,7 @@
           <a:p>
             <a:fld id="{3575F28B-E03B-4F00-AA56-A8AF97DAF43F}" type="datetimeFigureOut">
               <a:rPr lang="ko-KR" altLang="en-US" smtClean="0"/>
-              <a:t>2021-07-25</a:t>
+              <a:t>2021-07-27</a:t>
             </a:fld>
             <a:endParaRPr lang="ko-KR" altLang="en-US"/>
           </a:p>
@@ -4356,7 +4358,7 @@
           <a:p>
             <a:fld id="{3575F28B-E03B-4F00-AA56-A8AF97DAF43F}" type="datetimeFigureOut">
               <a:rPr lang="ko-KR" altLang="en-US" smtClean="0"/>
-              <a:t>2021-07-25</a:t>
+              <a:t>2021-07-27</a:t>
             </a:fld>
             <a:endParaRPr lang="ko-KR" altLang="en-US"/>
           </a:p>
@@ -4687,7 +4689,7 @@
           <a:p>
             <a:fld id="{3575F28B-E03B-4F00-AA56-A8AF97DAF43F}" type="datetimeFigureOut">
               <a:rPr lang="ko-KR" altLang="en-US" smtClean="0"/>
-              <a:t>2021-07-25</a:t>
+              <a:t>2021-07-27</a:t>
             </a:fld>
             <a:endParaRPr lang="ko-KR" altLang="en-US"/>
           </a:p>
@@ -5030,7 +5032,7 @@
           <a:p>
             <a:fld id="{3575F28B-E03B-4F00-AA56-A8AF97DAF43F}" type="datetimeFigureOut">
               <a:rPr lang="ko-KR" altLang="en-US" smtClean="0"/>
-              <a:t>2021-07-25</a:t>
+              <a:t>2021-07-27</a:t>
             </a:fld>
             <a:endParaRPr lang="ko-KR" altLang="en-US"/>
           </a:p>
@@ -7145,7 +7147,7 @@
           <a:p>
             <a:fld id="{3575F28B-E03B-4F00-AA56-A8AF97DAF43F}" type="datetimeFigureOut">
               <a:rPr lang="ko-KR" altLang="en-US" smtClean="0"/>
-              <a:t>2021-07-25</a:t>
+              <a:t>2021-07-27</a:t>
             </a:fld>
             <a:endParaRPr lang="ko-KR" altLang="en-US"/>
           </a:p>
@@ -7742,6 +7744,134 @@
 </p:sld>
 </file>
 
+<file path=ppt/slides/slide10.xml><?xml version="1.0" encoding="utf-8"?>
+<p:sld xmlns:a="http://schemas.openxmlformats.org/drawingml/2006/main" xmlns:r="http://schemas.openxmlformats.org/officeDocument/2006/relationships" xmlns:p="http://schemas.openxmlformats.org/presentationml/2006/main">
+  <p:cSld>
+    <p:spTree>
+      <p:nvGrpSpPr>
+        <p:cNvPr id="1" name=""/>
+        <p:cNvGrpSpPr/>
+        <p:nvPr/>
+      </p:nvGrpSpPr>
+      <p:grpSpPr>
+        <a:xfrm>
+          <a:off x="0" y="0"/>
+          <a:ext cx="0" cy="0"/>
+          <a:chOff x="0" y="0"/>
+          <a:chExt cx="0" cy="0"/>
+        </a:xfrm>
+      </p:grpSpPr>
+      <p:sp>
+        <p:nvSpPr>
+          <p:cNvPr id="2" name="제목 1"/>
+          <p:cNvSpPr>
+            <a:spLocks noGrp="1"/>
+          </p:cNvSpPr>
+          <p:nvPr>
+            <p:ph type="title"/>
+          </p:nvPr>
+        </p:nvSpPr>
+        <p:spPr/>
+        <p:txBody>
+          <a:bodyPr/>
+          <a:lstStyle/>
+          <a:p>
+            <a:pPr lvl="0">
+              <a:defRPr/>
+            </a:pPr>
+            <a:r>
+              <a:rPr lang="ko-KR" altLang="en-US" dirty="0"/>
+              <a:t>미션</a:t>
+            </a:r>
+            <a:r>
+              <a:rPr lang="en-US" altLang="ko-KR" dirty="0"/>
+              <a:t>!</a:t>
+            </a:r>
+            <a:endParaRPr lang="ko-KR" altLang="en-US" dirty="0"/>
+          </a:p>
+        </p:txBody>
+      </p:sp>
+      <p:sp>
+        <p:nvSpPr>
+          <p:cNvPr id="3" name="내용 개체 틀 2"/>
+          <p:cNvSpPr>
+            <a:spLocks noGrp="1"/>
+          </p:cNvSpPr>
+          <p:nvPr>
+            <p:ph idx="1"/>
+          </p:nvPr>
+        </p:nvSpPr>
+        <p:spPr>
+          <a:xfrm>
+            <a:off x="1443490" y="2132856"/>
+            <a:ext cx="6571343" cy="3349352"/>
+          </a:xfrm>
+        </p:spPr>
+        <p:txBody>
+          <a:bodyPr>
+            <a:normAutofit/>
+          </a:bodyPr>
+          <a:lstStyle/>
+          <a:p>
+            <a:pPr marL="400050" lvl="1" indent="0">
+              <a:buNone/>
+              <a:defRPr/>
+            </a:pPr>
+            <a:r>
+              <a:rPr lang="ko-KR" altLang="en-US" dirty="0"/>
+              <a:t>나만의 게임을 만들어 보세요</a:t>
+            </a:r>
+            <a:r>
+              <a:rPr lang="en-US" altLang="ko-KR" dirty="0"/>
+              <a:t>.</a:t>
+            </a:r>
+          </a:p>
+        </p:txBody>
+      </p:sp>
+      <p:sp>
+        <p:nvSpPr>
+          <p:cNvPr id="4" name="TextBox 3"/>
+          <p:cNvSpPr txBox="1"/>
+          <p:nvPr/>
+        </p:nvSpPr>
+        <p:spPr>
+          <a:xfrm>
+            <a:off x="323528" y="5085184"/>
+            <a:ext cx="8064896" cy="1200329"/>
+          </a:xfrm>
+          <a:prstGeom prst="rect">
+            <a:avLst/>
+          </a:prstGeom>
+          <a:noFill/>
+        </p:spPr>
+        <p:txBody>
+          <a:bodyPr wrap="square" rtlCol="0">
+            <a:spAutoFit/>
+          </a:bodyPr>
+          <a:lstStyle/>
+          <a:p>
+            <a:endParaRPr lang="en-US" altLang="ko-KR" dirty="0"/>
+          </a:p>
+          <a:p>
+            <a:endParaRPr lang="en-US" altLang="ko-KR" dirty="0"/>
+          </a:p>
+          <a:p>
+            <a:endParaRPr lang="en-US" altLang="ko-KR" dirty="0"/>
+          </a:p>
+          <a:p>
+            <a:endParaRPr lang="ko-KR" altLang="en-US" dirty="0"/>
+          </a:p>
+        </p:txBody>
+      </p:sp>
+    </p:spTree>
+  </p:cSld>
+  <p:clrMapOvr>
+    <a:masterClrMapping/>
+  </p:clrMapOvr>
+  <p:transition/>
+</p:sld>
+</file>
+
 <file path=ppt/slides/slide2.xml><?xml version="1.0" encoding="utf-8"?>
 <p:sld xmlns:a="http://schemas.openxmlformats.org/drawingml/2006/main" xmlns:r="http://schemas.openxmlformats.org/officeDocument/2006/relationships" xmlns:p="http://schemas.openxmlformats.org/presentationml/2006/main">
   <p:cSld>
@@ -9893,7 +10023,13 @@
       </p:grpSpPr>
       <p:sp>
         <p:nvSpPr>
-          <p:cNvPr id="2" name="제목 1"/>
+          <p:cNvPr id="2" name="제목 1">
+            <a:extLst>
+              <a:ext uri="{FF2B5EF4-FFF2-40B4-BE49-F238E27FC236}">
+                <a16:creationId xmlns:a16="http://schemas.microsoft.com/office/drawing/2014/main" id="{E9A64DEE-34F6-495A-9591-B9C091D24A46}"/>
+              </a:ext>
+            </a:extLst>
+          </p:cNvPr>
           <p:cNvSpPr>
             <a:spLocks noGrp="1"/>
           </p:cNvSpPr>
@@ -9906,16 +10042,21 @@
           <a:bodyPr/>
           <a:lstStyle/>
           <a:p>
-            <a:pPr lvl="0">
-              <a:defRPr/>
-            </a:pPr>
             <a:r>
               <a:rPr lang="ko-KR" altLang="en-US" dirty="0"/>
-              <a:t>미션</a:t>
+              <a:t>실습</a:t>
             </a:r>
             <a:r>
               <a:rPr lang="en-US" altLang="ko-KR" dirty="0"/>
-              <a:t>!</a:t>
+              <a:t>( </a:t>
+            </a:r>
+            <a:r>
+              <a:rPr lang="ko-KR" altLang="en-US" dirty="0"/>
+              <a:t>기본 게임 코드에 사각형 만들기</a:t>
+            </a:r>
+            <a:r>
+              <a:rPr lang="en-US" altLang="ko-KR" dirty="0"/>
+              <a:t>)</a:t>
             </a:r>
             <a:endParaRPr lang="ko-KR" altLang="en-US" dirty="0"/>
           </a:p>
@@ -9923,7 +10064,13 @@
       </p:sp>
       <p:sp>
         <p:nvSpPr>
-          <p:cNvPr id="3" name="내용 개체 틀 2"/>
+          <p:cNvPr id="3" name="내용 개체 틀 2">
+            <a:extLst>
+              <a:ext uri="{FF2B5EF4-FFF2-40B4-BE49-F238E27FC236}">
+                <a16:creationId xmlns:a16="http://schemas.microsoft.com/office/drawing/2014/main" id="{B0267871-DFE0-4959-B684-0B9BF9FCA3D9}"/>
+              </a:ext>
+            </a:extLst>
+          </p:cNvPr>
           <p:cNvSpPr>
             <a:spLocks noGrp="1"/>
           </p:cNvSpPr>
@@ -9931,74 +10078,4866 @@
             <p:ph idx="1"/>
           </p:nvPr>
         </p:nvSpPr>
-        <p:spPr>
-          <a:xfrm>
-            <a:off x="1443490" y="2132856"/>
-            <a:ext cx="6571343" cy="3349352"/>
-          </a:xfrm>
-        </p:spPr>
+        <p:spPr/>
         <p:txBody>
-          <a:bodyPr>
-            <a:normAutofit/>
-          </a:bodyPr>
+          <a:bodyPr/>
           <a:lstStyle/>
           <a:p>
-            <a:pPr marL="400050" lvl="1" indent="0">
-              <a:buNone/>
-              <a:defRPr/>
-            </a:pPr>
-            <a:r>
-              <a:rPr lang="ko-KR" altLang="en-US" dirty="0"/>
-              <a:t>나만의 게임을 만들어 보세요</a:t>
-            </a:r>
-            <a:r>
-              <a:rPr lang="en-US" altLang="ko-KR" dirty="0"/>
-              <a:t>.</a:t>
-            </a:r>
+            <a:endParaRPr lang="ko-KR" altLang="en-US"/>
           </a:p>
         </p:txBody>
       </p:sp>
       <p:sp>
         <p:nvSpPr>
-          <p:cNvPr id="4" name="TextBox 3"/>
-          <p:cNvSpPr txBox="1"/>
+          <p:cNvPr id="4" name="Rectangle 1">
+            <a:extLst>
+              <a:ext uri="{FF2B5EF4-FFF2-40B4-BE49-F238E27FC236}">
+                <a16:creationId xmlns:a16="http://schemas.microsoft.com/office/drawing/2014/main" id="{076888FF-0C7B-4A9D-A05D-9E5803BA672D}"/>
+              </a:ext>
+            </a:extLst>
+          </p:cNvPr>
+          <p:cNvSpPr>
+            <a:spLocks noChangeArrowheads="1"/>
+          </p:cNvSpPr>
           <p:nvPr/>
         </p:nvSpPr>
-        <p:spPr>
+        <p:spPr bwMode="auto">
           <a:xfrm>
-            <a:off x="323528" y="5085184"/>
-            <a:ext cx="8064896" cy="1200329"/>
+            <a:off x="1835696" y="1917758"/>
+            <a:ext cx="6300192" cy="4339650"/>
           </a:xfrm>
           <a:prstGeom prst="rect">
             <a:avLst/>
           </a:prstGeom>
-          <a:noFill/>
+          <a:solidFill>
+            <a:srgbClr val="2B2B2B"/>
+          </a:solidFill>
+          <a:ln>
+            <a:noFill/>
+          </a:ln>
+          <a:effectLst/>
+          <a:extLst>
+            <a:ext uri="{91240B29-F687-4F45-9708-019B960494DF}">
+              <a14:hiddenLine xmlns:a14="http://schemas.microsoft.com/office/drawing/2010/main" w="9525">
+                <a:solidFill>
+                  <a:schemeClr val="tx1"/>
+                </a:solidFill>
+                <a:miter lim="800000"/>
+                <a:headEnd/>
+                <a:tailEnd/>
+              </a14:hiddenLine>
+            </a:ext>
+            <a:ext uri="{AF507438-7753-43E0-B8FC-AC1667EBCBE1}">
+              <a14:hiddenEffects xmlns:a14="http://schemas.microsoft.com/office/drawing/2010/main">
+                <a:effectLst>
+                  <a:outerShdw dist="35921" dir="2700000" algn="ctr" rotWithShape="0">
+                    <a:schemeClr val="bg2"/>
+                  </a:outerShdw>
+                </a:effectLst>
+              </a14:hiddenEffects>
+            </a:ext>
+          </a:extLst>
         </p:spPr>
         <p:txBody>
-          <a:bodyPr wrap="square" rtlCol="0">
+          <a:bodyPr vert="horz" wrap="square" lIns="91440" tIns="45720" rIns="91440" bIns="45720" numCol="1" anchor="ctr" anchorCtr="0" compatLnSpc="1">
+            <a:prstTxWarp prst="textNoShape">
+              <a:avLst/>
+            </a:prstTxWarp>
             <a:spAutoFit/>
           </a:bodyPr>
           <a:lstStyle/>
           <a:p>
-            <a:endParaRPr lang="en-US" altLang="ko-KR" dirty="0"/>
-          </a:p>
-          <a:p>
-            <a:endParaRPr lang="en-US" altLang="ko-KR" dirty="0"/>
-          </a:p>
-          <a:p>
-            <a:endParaRPr lang="en-US" altLang="ko-KR" dirty="0"/>
-          </a:p>
-          <a:p>
-            <a:endParaRPr lang="ko-KR" altLang="en-US" dirty="0"/>
+            <a:pPr marL="0" marR="0" lvl="0" indent="0" algn="l" defTabSz="914400" rtl="0" eaLnBrk="0" fontAlgn="base" latinLnBrk="0" hangingPunct="0">
+              <a:lnSpc>
+                <a:spcPct val="100000"/>
+              </a:lnSpc>
+              <a:spcBef>
+                <a:spcPct val="0"/>
+              </a:spcBef>
+              <a:spcAft>
+                <a:spcPct val="0"/>
+              </a:spcAft>
+              <a:buClrTx/>
+              <a:buSzTx/>
+              <a:buFontTx/>
+              <a:buNone/>
+              <a:tabLst/>
+            </a:pPr>
+            <a:r>
+              <a:rPr kumimoji="0" lang="ko-KR" altLang="ko-KR" sz="1200" b="0" i="0" u="none" strike="noStrike" cap="none" normalizeH="0" baseline="0">
+                <a:ln>
+                  <a:noFill/>
+                </a:ln>
+                <a:solidFill>
+                  <a:srgbClr val="CC7832"/>
+                </a:solidFill>
+                <a:effectLst/>
+                <a:latin typeface="Courier New" panose="02070309020205020404" pitchFamily="49" charset="0"/>
+                <a:cs typeface="Courier New" panose="02070309020205020404" pitchFamily="49" charset="0"/>
+              </a:rPr>
+              <a:t>import </a:t>
+            </a:r>
+            <a:r>
+              <a:rPr kumimoji="0" lang="ko-KR" altLang="ko-KR" sz="1200" b="0" i="0" u="none" strike="noStrike" cap="none" normalizeH="0" baseline="0">
+                <a:ln>
+                  <a:noFill/>
+                </a:ln>
+                <a:solidFill>
+                  <a:srgbClr val="A9B7C6"/>
+                </a:solidFill>
+                <a:effectLst/>
+                <a:latin typeface="Courier New" panose="02070309020205020404" pitchFamily="49" charset="0"/>
+                <a:cs typeface="Courier New" panose="02070309020205020404" pitchFamily="49" charset="0"/>
+              </a:rPr>
+              <a:t>pygame</a:t>
+            </a:r>
+            <a:br>
+              <a:rPr kumimoji="0" lang="ko-KR" altLang="ko-KR" sz="1200" b="0" i="0" u="none" strike="noStrike" cap="none" normalizeH="0" baseline="0">
+                <a:ln>
+                  <a:noFill/>
+                </a:ln>
+                <a:solidFill>
+                  <a:srgbClr val="A9B7C6"/>
+                </a:solidFill>
+                <a:effectLst/>
+                <a:latin typeface="Courier New" panose="02070309020205020404" pitchFamily="49" charset="0"/>
+                <a:cs typeface="Courier New" panose="02070309020205020404" pitchFamily="49" charset="0"/>
+              </a:rPr>
+            </a:br>
+            <a:r>
+              <a:rPr kumimoji="0" lang="ko-KR" altLang="ko-KR" sz="1200" b="0" i="0" u="none" strike="noStrike" cap="none" normalizeH="0" baseline="0">
+                <a:ln>
+                  <a:noFill/>
+                </a:ln>
+                <a:solidFill>
+                  <a:srgbClr val="CC7832"/>
+                </a:solidFill>
+                <a:effectLst/>
+                <a:latin typeface="Courier New" panose="02070309020205020404" pitchFamily="49" charset="0"/>
+                <a:cs typeface="Courier New" panose="02070309020205020404" pitchFamily="49" charset="0"/>
+              </a:rPr>
+              <a:t>import </a:t>
+            </a:r>
+            <a:r>
+              <a:rPr kumimoji="0" lang="ko-KR" altLang="ko-KR" sz="1200" b="0" i="0" u="none" strike="noStrike" cap="none" normalizeH="0" baseline="0">
+                <a:ln>
+                  <a:noFill/>
+                </a:ln>
+                <a:solidFill>
+                  <a:srgbClr val="A9B7C6"/>
+                </a:solidFill>
+                <a:effectLst/>
+                <a:latin typeface="Courier New" panose="02070309020205020404" pitchFamily="49" charset="0"/>
+                <a:cs typeface="Courier New" panose="02070309020205020404" pitchFamily="49" charset="0"/>
+              </a:rPr>
+              <a:t>random</a:t>
+            </a:r>
+            <a:br>
+              <a:rPr kumimoji="0" lang="ko-KR" altLang="ko-KR" sz="1200" b="0" i="0" u="none" strike="noStrike" cap="none" normalizeH="0" baseline="0">
+                <a:ln>
+                  <a:noFill/>
+                </a:ln>
+                <a:solidFill>
+                  <a:srgbClr val="A9B7C6"/>
+                </a:solidFill>
+                <a:effectLst/>
+                <a:latin typeface="Courier New" panose="02070309020205020404" pitchFamily="49" charset="0"/>
+                <a:cs typeface="Courier New" panose="02070309020205020404" pitchFamily="49" charset="0"/>
+              </a:rPr>
+            </a:br>
+            <a:br>
+              <a:rPr kumimoji="0" lang="ko-KR" altLang="ko-KR" sz="1200" b="0" i="0" u="none" strike="noStrike" cap="none" normalizeH="0" baseline="0">
+                <a:ln>
+                  <a:noFill/>
+                </a:ln>
+                <a:solidFill>
+                  <a:srgbClr val="A9B7C6"/>
+                </a:solidFill>
+                <a:effectLst/>
+                <a:latin typeface="Courier New" panose="02070309020205020404" pitchFamily="49" charset="0"/>
+                <a:cs typeface="Courier New" panose="02070309020205020404" pitchFamily="49" charset="0"/>
+              </a:rPr>
+            </a:br>
+            <a:r>
+              <a:rPr kumimoji="0" lang="ko-KR" altLang="ko-KR" sz="1200" b="0" i="0" u="none" strike="noStrike" cap="none" normalizeH="0" baseline="0">
+                <a:ln>
+                  <a:noFill/>
+                </a:ln>
+                <a:solidFill>
+                  <a:srgbClr val="A9B7C6"/>
+                </a:solidFill>
+                <a:effectLst/>
+                <a:latin typeface="Courier New" panose="02070309020205020404" pitchFamily="49" charset="0"/>
+                <a:cs typeface="Courier New" panose="02070309020205020404" pitchFamily="49" charset="0"/>
+              </a:rPr>
+              <a:t>vec = pygame.math.Vector2</a:t>
+            </a:r>
+            <a:br>
+              <a:rPr kumimoji="0" lang="ko-KR" altLang="ko-KR" sz="1200" b="0" i="0" u="none" strike="noStrike" cap="none" normalizeH="0" baseline="0">
+                <a:ln>
+                  <a:noFill/>
+                </a:ln>
+                <a:solidFill>
+                  <a:srgbClr val="A9B7C6"/>
+                </a:solidFill>
+                <a:effectLst/>
+                <a:latin typeface="Courier New" panose="02070309020205020404" pitchFamily="49" charset="0"/>
+                <a:cs typeface="Courier New" panose="02070309020205020404" pitchFamily="49" charset="0"/>
+              </a:rPr>
+            </a:br>
+            <a:br>
+              <a:rPr kumimoji="0" lang="ko-KR" altLang="ko-KR" sz="1200" b="0" i="0" u="none" strike="noStrike" cap="none" normalizeH="0" baseline="0">
+                <a:ln>
+                  <a:noFill/>
+                </a:ln>
+                <a:solidFill>
+                  <a:srgbClr val="A9B7C6"/>
+                </a:solidFill>
+                <a:effectLst/>
+                <a:latin typeface="Courier New" panose="02070309020205020404" pitchFamily="49" charset="0"/>
+                <a:cs typeface="Courier New" panose="02070309020205020404" pitchFamily="49" charset="0"/>
+              </a:rPr>
+            </a:br>
+            <a:r>
+              <a:rPr kumimoji="0" lang="ko-KR" altLang="ko-KR" sz="1200" b="0" i="0" u="none" strike="noStrike" cap="none" normalizeH="0" baseline="0">
+                <a:ln>
+                  <a:noFill/>
+                </a:ln>
+                <a:solidFill>
+                  <a:srgbClr val="808080"/>
+                </a:solidFill>
+                <a:effectLst/>
+                <a:latin typeface="Courier New" panose="02070309020205020404" pitchFamily="49" charset="0"/>
+                <a:cs typeface="Courier New" panose="02070309020205020404" pitchFamily="49" charset="0"/>
+              </a:rPr>
+              <a:t># </a:t>
+            </a:r>
+            <a:r>
+              <a:rPr kumimoji="0" lang="ko-KR" altLang="ko-KR" sz="1200" b="0" i="0" u="none" strike="noStrike" cap="none" normalizeH="0" baseline="0">
+                <a:ln>
+                  <a:noFill/>
+                </a:ln>
+                <a:solidFill>
+                  <a:srgbClr val="808080"/>
+                </a:solidFill>
+                <a:effectLst/>
+                <a:latin typeface="맑은 고딕" panose="020B0503020000020004" pitchFamily="50" charset="-127"/>
+                <a:ea typeface="맑은 고딕" panose="020B0503020000020004" pitchFamily="50" charset="-127"/>
+                <a:cs typeface="Courier New" panose="02070309020205020404" pitchFamily="49" charset="0"/>
+              </a:rPr>
+              <a:t>전역상수</a:t>
+            </a:r>
+            <a:br>
+              <a:rPr kumimoji="0" lang="ko-KR" altLang="ko-KR" sz="1200" b="0" i="0" u="none" strike="noStrike" cap="none" normalizeH="0" baseline="0">
+                <a:ln>
+                  <a:noFill/>
+                </a:ln>
+                <a:solidFill>
+                  <a:srgbClr val="808080"/>
+                </a:solidFill>
+                <a:effectLst/>
+                <a:latin typeface="맑은 고딕" panose="020B0503020000020004" pitchFamily="50" charset="-127"/>
+                <a:ea typeface="맑은 고딕" panose="020B0503020000020004" pitchFamily="50" charset="-127"/>
+                <a:cs typeface="Courier New" panose="02070309020205020404" pitchFamily="49" charset="0"/>
+              </a:rPr>
+            </a:br>
+            <a:r>
+              <a:rPr kumimoji="0" lang="ko-KR" altLang="ko-KR" sz="1200" b="0" i="0" u="none" strike="noStrike" cap="none" normalizeH="0" baseline="0">
+                <a:ln>
+                  <a:noFill/>
+                </a:ln>
+                <a:solidFill>
+                  <a:srgbClr val="A9B7C6"/>
+                </a:solidFill>
+                <a:effectLst/>
+                <a:latin typeface="Courier New" panose="02070309020205020404" pitchFamily="49" charset="0"/>
+                <a:cs typeface="Courier New" panose="02070309020205020404" pitchFamily="49" charset="0"/>
+              </a:rPr>
+              <a:t>SCREEN_X = </a:t>
+            </a:r>
+            <a:r>
+              <a:rPr kumimoji="0" lang="ko-KR" altLang="ko-KR" sz="1200" b="0" i="0" u="none" strike="noStrike" cap="none" normalizeH="0" baseline="0">
+                <a:ln>
+                  <a:noFill/>
+                </a:ln>
+                <a:solidFill>
+                  <a:srgbClr val="6897BB"/>
+                </a:solidFill>
+                <a:effectLst/>
+                <a:latin typeface="Courier New" panose="02070309020205020404" pitchFamily="49" charset="0"/>
+                <a:cs typeface="Courier New" panose="02070309020205020404" pitchFamily="49" charset="0"/>
+              </a:rPr>
+              <a:t>640 </a:t>
+            </a:r>
+            <a:r>
+              <a:rPr kumimoji="0" lang="ko-KR" altLang="ko-KR" sz="1200" b="0" i="0" u="none" strike="noStrike" cap="none" normalizeH="0" baseline="0">
+                <a:ln>
+                  <a:noFill/>
+                </a:ln>
+                <a:solidFill>
+                  <a:srgbClr val="A9B7C6"/>
+                </a:solidFill>
+                <a:effectLst/>
+                <a:latin typeface="Courier New" panose="02070309020205020404" pitchFamily="49" charset="0"/>
+                <a:cs typeface="Courier New" panose="02070309020205020404" pitchFamily="49" charset="0"/>
+              </a:rPr>
+              <a:t>* </a:t>
+            </a:r>
+            <a:r>
+              <a:rPr kumimoji="0" lang="ko-KR" altLang="ko-KR" sz="1200" b="0" i="0" u="none" strike="noStrike" cap="none" normalizeH="0" baseline="0">
+                <a:ln>
+                  <a:noFill/>
+                </a:ln>
+                <a:solidFill>
+                  <a:srgbClr val="6897BB"/>
+                </a:solidFill>
+                <a:effectLst/>
+                <a:latin typeface="Courier New" panose="02070309020205020404" pitchFamily="49" charset="0"/>
+                <a:cs typeface="Courier New" panose="02070309020205020404" pitchFamily="49" charset="0"/>
+              </a:rPr>
+              <a:t>2  </a:t>
+            </a:r>
+            <a:r>
+              <a:rPr kumimoji="0" lang="ko-KR" altLang="ko-KR" sz="1200" b="0" i="0" u="none" strike="noStrike" cap="none" normalizeH="0" baseline="0">
+                <a:ln>
+                  <a:noFill/>
+                </a:ln>
+                <a:solidFill>
+                  <a:srgbClr val="808080"/>
+                </a:solidFill>
+                <a:effectLst/>
+                <a:latin typeface="Courier New" panose="02070309020205020404" pitchFamily="49" charset="0"/>
+                <a:cs typeface="Courier New" panose="02070309020205020404" pitchFamily="49" charset="0"/>
+              </a:rPr>
+              <a:t># </a:t>
+            </a:r>
+            <a:r>
+              <a:rPr kumimoji="0" lang="ko-KR" altLang="ko-KR" sz="1200" b="0" i="0" u="none" strike="noStrike" cap="none" normalizeH="0" baseline="0">
+                <a:ln>
+                  <a:noFill/>
+                </a:ln>
+                <a:solidFill>
+                  <a:srgbClr val="808080"/>
+                </a:solidFill>
+                <a:effectLst/>
+                <a:latin typeface="맑은 고딕" panose="020B0503020000020004" pitchFamily="50" charset="-127"/>
+                <a:ea typeface="맑은 고딕" panose="020B0503020000020004" pitchFamily="50" charset="-127"/>
+                <a:cs typeface="Courier New" panose="02070309020205020404" pitchFamily="49" charset="0"/>
+              </a:rPr>
+              <a:t>화면 넓이</a:t>
+            </a:r>
+            <a:br>
+              <a:rPr kumimoji="0" lang="ko-KR" altLang="ko-KR" sz="1200" b="0" i="0" u="none" strike="noStrike" cap="none" normalizeH="0" baseline="0">
+                <a:ln>
+                  <a:noFill/>
+                </a:ln>
+                <a:solidFill>
+                  <a:srgbClr val="808080"/>
+                </a:solidFill>
+                <a:effectLst/>
+                <a:latin typeface="맑은 고딕" panose="020B0503020000020004" pitchFamily="50" charset="-127"/>
+                <a:ea typeface="맑은 고딕" panose="020B0503020000020004" pitchFamily="50" charset="-127"/>
+                <a:cs typeface="Courier New" panose="02070309020205020404" pitchFamily="49" charset="0"/>
+              </a:rPr>
+            </a:br>
+            <a:r>
+              <a:rPr kumimoji="0" lang="ko-KR" altLang="ko-KR" sz="1200" b="0" i="0" u="none" strike="noStrike" cap="none" normalizeH="0" baseline="0">
+                <a:ln>
+                  <a:noFill/>
+                </a:ln>
+                <a:solidFill>
+                  <a:srgbClr val="A9B7C6"/>
+                </a:solidFill>
+                <a:effectLst/>
+                <a:latin typeface="Courier New" panose="02070309020205020404" pitchFamily="49" charset="0"/>
+                <a:cs typeface="Courier New" panose="02070309020205020404" pitchFamily="49" charset="0"/>
+              </a:rPr>
+              <a:t>SCREEN_Y = </a:t>
+            </a:r>
+            <a:r>
+              <a:rPr kumimoji="0" lang="ko-KR" altLang="ko-KR" sz="1200" b="0" i="0" u="none" strike="noStrike" cap="none" normalizeH="0" baseline="0">
+                <a:ln>
+                  <a:noFill/>
+                </a:ln>
+                <a:solidFill>
+                  <a:srgbClr val="6897BB"/>
+                </a:solidFill>
+                <a:effectLst/>
+                <a:latin typeface="Courier New" panose="02070309020205020404" pitchFamily="49" charset="0"/>
+                <a:cs typeface="Courier New" panose="02070309020205020404" pitchFamily="49" charset="0"/>
+              </a:rPr>
+              <a:t>480 </a:t>
+            </a:r>
+            <a:r>
+              <a:rPr kumimoji="0" lang="ko-KR" altLang="ko-KR" sz="1200" b="0" i="0" u="none" strike="noStrike" cap="none" normalizeH="0" baseline="0">
+                <a:ln>
+                  <a:noFill/>
+                </a:ln>
+                <a:solidFill>
+                  <a:srgbClr val="A9B7C6"/>
+                </a:solidFill>
+                <a:effectLst/>
+                <a:latin typeface="Courier New" panose="02070309020205020404" pitchFamily="49" charset="0"/>
+                <a:cs typeface="Courier New" panose="02070309020205020404" pitchFamily="49" charset="0"/>
+              </a:rPr>
+              <a:t>* </a:t>
+            </a:r>
+            <a:r>
+              <a:rPr kumimoji="0" lang="ko-KR" altLang="ko-KR" sz="1200" b="0" i="0" u="none" strike="noStrike" cap="none" normalizeH="0" baseline="0">
+                <a:ln>
+                  <a:noFill/>
+                </a:ln>
+                <a:solidFill>
+                  <a:srgbClr val="6897BB"/>
+                </a:solidFill>
+                <a:effectLst/>
+                <a:latin typeface="Courier New" panose="02070309020205020404" pitchFamily="49" charset="0"/>
+                <a:cs typeface="Courier New" panose="02070309020205020404" pitchFamily="49" charset="0"/>
+              </a:rPr>
+              <a:t>2  </a:t>
+            </a:r>
+            <a:r>
+              <a:rPr kumimoji="0" lang="ko-KR" altLang="ko-KR" sz="1200" b="0" i="0" u="none" strike="noStrike" cap="none" normalizeH="0" baseline="0">
+                <a:ln>
+                  <a:noFill/>
+                </a:ln>
+                <a:solidFill>
+                  <a:srgbClr val="808080"/>
+                </a:solidFill>
+                <a:effectLst/>
+                <a:latin typeface="Courier New" panose="02070309020205020404" pitchFamily="49" charset="0"/>
+                <a:cs typeface="Courier New" panose="02070309020205020404" pitchFamily="49" charset="0"/>
+              </a:rPr>
+              <a:t># </a:t>
+            </a:r>
+            <a:r>
+              <a:rPr kumimoji="0" lang="ko-KR" altLang="ko-KR" sz="1200" b="0" i="0" u="none" strike="noStrike" cap="none" normalizeH="0" baseline="0">
+                <a:ln>
+                  <a:noFill/>
+                </a:ln>
+                <a:solidFill>
+                  <a:srgbClr val="808080"/>
+                </a:solidFill>
+                <a:effectLst/>
+                <a:latin typeface="맑은 고딕" panose="020B0503020000020004" pitchFamily="50" charset="-127"/>
+                <a:ea typeface="맑은 고딕" panose="020B0503020000020004" pitchFamily="50" charset="-127"/>
+                <a:cs typeface="Courier New" panose="02070309020205020404" pitchFamily="49" charset="0"/>
+              </a:rPr>
+              <a:t>화면 높이</a:t>
+            </a:r>
+            <a:br>
+              <a:rPr kumimoji="0" lang="ko-KR" altLang="ko-KR" sz="1200" b="0" i="0" u="none" strike="noStrike" cap="none" normalizeH="0" baseline="0">
+                <a:ln>
+                  <a:noFill/>
+                </a:ln>
+                <a:solidFill>
+                  <a:srgbClr val="808080"/>
+                </a:solidFill>
+                <a:effectLst/>
+                <a:latin typeface="맑은 고딕" panose="020B0503020000020004" pitchFamily="50" charset="-127"/>
+                <a:ea typeface="맑은 고딕" panose="020B0503020000020004" pitchFamily="50" charset="-127"/>
+                <a:cs typeface="Courier New" panose="02070309020205020404" pitchFamily="49" charset="0"/>
+              </a:rPr>
+            </a:br>
+            <a:r>
+              <a:rPr kumimoji="0" lang="ko-KR" altLang="ko-KR" sz="1200" b="0" i="0" u="none" strike="noStrike" cap="none" normalizeH="0" baseline="0">
+                <a:ln>
+                  <a:noFill/>
+                </a:ln>
+                <a:solidFill>
+                  <a:srgbClr val="A9B7C6"/>
+                </a:solidFill>
+                <a:effectLst/>
+                <a:latin typeface="Courier New" panose="02070309020205020404" pitchFamily="49" charset="0"/>
+                <a:cs typeface="Courier New" panose="02070309020205020404" pitchFamily="49" charset="0"/>
+              </a:rPr>
+              <a:t>FPS = </a:t>
+            </a:r>
+            <a:r>
+              <a:rPr kumimoji="0" lang="ko-KR" altLang="ko-KR" sz="1200" b="0" i="0" u="none" strike="noStrike" cap="none" normalizeH="0" baseline="0">
+                <a:ln>
+                  <a:noFill/>
+                </a:ln>
+                <a:solidFill>
+                  <a:srgbClr val="6897BB"/>
+                </a:solidFill>
+                <a:effectLst/>
+                <a:latin typeface="Courier New" panose="02070309020205020404" pitchFamily="49" charset="0"/>
+                <a:cs typeface="Courier New" panose="02070309020205020404" pitchFamily="49" charset="0"/>
+              </a:rPr>
+              <a:t>60</a:t>
+            </a:r>
+            <a:br>
+              <a:rPr kumimoji="0" lang="ko-KR" altLang="ko-KR" sz="1200" b="0" i="0" u="none" strike="noStrike" cap="none" normalizeH="0" baseline="0">
+                <a:ln>
+                  <a:noFill/>
+                </a:ln>
+                <a:solidFill>
+                  <a:srgbClr val="6897BB"/>
+                </a:solidFill>
+                <a:effectLst/>
+                <a:latin typeface="Courier New" panose="02070309020205020404" pitchFamily="49" charset="0"/>
+                <a:cs typeface="Courier New" panose="02070309020205020404" pitchFamily="49" charset="0"/>
+              </a:rPr>
+            </a:br>
+            <a:br>
+              <a:rPr kumimoji="0" lang="ko-KR" altLang="ko-KR" sz="1200" b="0" i="0" u="none" strike="noStrike" cap="none" normalizeH="0" baseline="0">
+                <a:ln>
+                  <a:noFill/>
+                </a:ln>
+                <a:solidFill>
+                  <a:srgbClr val="6897BB"/>
+                </a:solidFill>
+                <a:effectLst/>
+                <a:latin typeface="Courier New" panose="02070309020205020404" pitchFamily="49" charset="0"/>
+                <a:cs typeface="Courier New" panose="02070309020205020404" pitchFamily="49" charset="0"/>
+              </a:rPr>
+            </a:br>
+            <a:r>
+              <a:rPr kumimoji="0" lang="ko-KR" altLang="ko-KR" sz="1200" b="0" i="0" u="none" strike="noStrike" cap="none" normalizeH="0" baseline="0">
+                <a:ln>
+                  <a:noFill/>
+                </a:ln>
+                <a:solidFill>
+                  <a:srgbClr val="CC7832"/>
+                </a:solidFill>
+                <a:effectLst/>
+                <a:latin typeface="Courier New" panose="02070309020205020404" pitchFamily="49" charset="0"/>
+                <a:cs typeface="Courier New" panose="02070309020205020404" pitchFamily="49" charset="0"/>
+              </a:rPr>
+              <a:t>class </a:t>
+            </a:r>
+            <a:r>
+              <a:rPr kumimoji="0" lang="ko-KR" altLang="ko-KR" sz="1200" b="0" i="0" u="none" strike="noStrike" cap="none" normalizeH="0" baseline="0">
+                <a:ln>
+                  <a:noFill/>
+                </a:ln>
+                <a:solidFill>
+                  <a:srgbClr val="A9B7C6"/>
+                </a:solidFill>
+                <a:effectLst/>
+                <a:latin typeface="Courier New" panose="02070309020205020404" pitchFamily="49" charset="0"/>
+                <a:cs typeface="Courier New" panose="02070309020205020404" pitchFamily="49" charset="0"/>
+              </a:rPr>
+              <a:t>Rect1(pygame.sprite.Sprite):</a:t>
+            </a:r>
+            <a:br>
+              <a:rPr kumimoji="0" lang="ko-KR" altLang="ko-KR" sz="1200" b="0" i="0" u="none" strike="noStrike" cap="none" normalizeH="0" baseline="0">
+                <a:ln>
+                  <a:noFill/>
+                </a:ln>
+                <a:solidFill>
+                  <a:srgbClr val="A9B7C6"/>
+                </a:solidFill>
+                <a:effectLst/>
+                <a:latin typeface="Courier New" panose="02070309020205020404" pitchFamily="49" charset="0"/>
+                <a:cs typeface="Courier New" panose="02070309020205020404" pitchFamily="49" charset="0"/>
+              </a:rPr>
+            </a:br>
+            <a:r>
+              <a:rPr kumimoji="0" lang="ko-KR" altLang="ko-KR" sz="1200" b="0" i="0" u="none" strike="noStrike" cap="none" normalizeH="0" baseline="0">
+                <a:ln>
+                  <a:noFill/>
+                </a:ln>
+                <a:solidFill>
+                  <a:srgbClr val="A9B7C6"/>
+                </a:solidFill>
+                <a:effectLst/>
+                <a:latin typeface="Courier New" panose="02070309020205020404" pitchFamily="49" charset="0"/>
+                <a:cs typeface="Courier New" panose="02070309020205020404" pitchFamily="49" charset="0"/>
+              </a:rPr>
+              <a:t>    </a:t>
+            </a:r>
+            <a:r>
+              <a:rPr kumimoji="0" lang="ko-KR" altLang="ko-KR" sz="1200" b="0" i="0" u="none" strike="noStrike" cap="none" normalizeH="0" baseline="0">
+                <a:ln>
+                  <a:noFill/>
+                </a:ln>
+                <a:solidFill>
+                  <a:srgbClr val="CC7832"/>
+                </a:solidFill>
+                <a:effectLst/>
+                <a:latin typeface="Courier New" panose="02070309020205020404" pitchFamily="49" charset="0"/>
+                <a:cs typeface="Courier New" panose="02070309020205020404" pitchFamily="49" charset="0"/>
+              </a:rPr>
+              <a:t>def </a:t>
+            </a:r>
+            <a:r>
+              <a:rPr kumimoji="0" lang="ko-KR" altLang="ko-KR" sz="1200" b="0" i="0" u="none" strike="noStrike" cap="none" normalizeH="0" baseline="0">
+                <a:ln>
+                  <a:noFill/>
+                </a:ln>
+                <a:solidFill>
+                  <a:srgbClr val="B200B2"/>
+                </a:solidFill>
+                <a:effectLst/>
+                <a:latin typeface="Courier New" panose="02070309020205020404" pitchFamily="49" charset="0"/>
+                <a:cs typeface="Courier New" panose="02070309020205020404" pitchFamily="49" charset="0"/>
+              </a:rPr>
+              <a:t>__init__</a:t>
+            </a:r>
+            <a:r>
+              <a:rPr kumimoji="0" lang="ko-KR" altLang="ko-KR" sz="1200" b="0" i="0" u="none" strike="noStrike" cap="none" normalizeH="0" baseline="0">
+                <a:ln>
+                  <a:noFill/>
+                </a:ln>
+                <a:solidFill>
+                  <a:srgbClr val="A9B7C6"/>
+                </a:solidFill>
+                <a:effectLst/>
+                <a:latin typeface="Courier New" panose="02070309020205020404" pitchFamily="49" charset="0"/>
+                <a:cs typeface="Courier New" panose="02070309020205020404" pitchFamily="49" charset="0"/>
+              </a:rPr>
+              <a:t>(</a:t>
+            </a:r>
+            <a:r>
+              <a:rPr kumimoji="0" lang="ko-KR" altLang="ko-KR" sz="1200" b="0" i="0" u="none" strike="noStrike" cap="none" normalizeH="0" baseline="0">
+                <a:ln>
+                  <a:noFill/>
+                </a:ln>
+                <a:solidFill>
+                  <a:srgbClr val="94558D"/>
+                </a:solidFill>
+                <a:effectLst/>
+                <a:latin typeface="Courier New" panose="02070309020205020404" pitchFamily="49" charset="0"/>
+                <a:cs typeface="Courier New" panose="02070309020205020404" pitchFamily="49" charset="0"/>
+              </a:rPr>
+              <a:t>self</a:t>
+            </a:r>
+            <a:r>
+              <a:rPr kumimoji="0" lang="ko-KR" altLang="ko-KR" sz="1200" b="0" i="0" u="none" strike="noStrike" cap="none" normalizeH="0" baseline="0">
+                <a:ln>
+                  <a:noFill/>
+                </a:ln>
+                <a:solidFill>
+                  <a:srgbClr val="CC7832"/>
+                </a:solidFill>
+                <a:effectLst/>
+                <a:latin typeface="Courier New" panose="02070309020205020404" pitchFamily="49" charset="0"/>
+                <a:cs typeface="Courier New" panose="02070309020205020404" pitchFamily="49" charset="0"/>
+              </a:rPr>
+              <a:t>, </a:t>
+            </a:r>
+            <a:r>
+              <a:rPr kumimoji="0" lang="ko-KR" altLang="ko-KR" sz="1200" b="0" i="0" u="none" strike="noStrike" cap="none" normalizeH="0" baseline="0">
+                <a:ln>
+                  <a:noFill/>
+                </a:ln>
+                <a:solidFill>
+                  <a:srgbClr val="A9B7C6"/>
+                </a:solidFill>
+                <a:effectLst/>
+                <a:latin typeface="Courier New" panose="02070309020205020404" pitchFamily="49" charset="0"/>
+                <a:cs typeface="Courier New" panose="02070309020205020404" pitchFamily="49" charset="0"/>
+              </a:rPr>
+              <a:t>root</a:t>
+            </a:r>
+            <a:r>
+              <a:rPr kumimoji="0" lang="ko-KR" altLang="ko-KR" sz="1200" b="0" i="0" u="none" strike="noStrike" cap="none" normalizeH="0" baseline="0">
+                <a:ln>
+                  <a:noFill/>
+                </a:ln>
+                <a:solidFill>
+                  <a:srgbClr val="CC7832"/>
+                </a:solidFill>
+                <a:effectLst/>
+                <a:latin typeface="Courier New" panose="02070309020205020404" pitchFamily="49" charset="0"/>
+                <a:cs typeface="Courier New" panose="02070309020205020404" pitchFamily="49" charset="0"/>
+              </a:rPr>
+              <a:t>, </a:t>
+            </a:r>
+            <a:r>
+              <a:rPr kumimoji="0" lang="ko-KR" altLang="ko-KR" sz="1200" b="0" i="0" u="none" strike="noStrike" cap="none" normalizeH="0" baseline="0">
+                <a:ln>
+                  <a:noFill/>
+                </a:ln>
+                <a:solidFill>
+                  <a:srgbClr val="A9B7C6"/>
+                </a:solidFill>
+                <a:effectLst/>
+                <a:latin typeface="Courier New" panose="02070309020205020404" pitchFamily="49" charset="0"/>
+                <a:cs typeface="Courier New" panose="02070309020205020404" pitchFamily="49" charset="0"/>
+              </a:rPr>
+              <a:t>pos</a:t>
+            </a:r>
+            <a:r>
+              <a:rPr kumimoji="0" lang="ko-KR" altLang="ko-KR" sz="1200" b="0" i="0" u="none" strike="noStrike" cap="none" normalizeH="0" baseline="0">
+                <a:ln>
+                  <a:noFill/>
+                </a:ln>
+                <a:solidFill>
+                  <a:srgbClr val="CC7832"/>
+                </a:solidFill>
+                <a:effectLst/>
+                <a:latin typeface="Courier New" panose="02070309020205020404" pitchFamily="49" charset="0"/>
+                <a:cs typeface="Courier New" panose="02070309020205020404" pitchFamily="49" charset="0"/>
+              </a:rPr>
+              <a:t>, </a:t>
+            </a:r>
+            <a:r>
+              <a:rPr kumimoji="0" lang="ko-KR" altLang="ko-KR" sz="1200" b="0" i="0" u="none" strike="noStrike" cap="none" normalizeH="0" baseline="0">
+                <a:ln>
+                  <a:noFill/>
+                </a:ln>
+                <a:solidFill>
+                  <a:srgbClr val="A9B7C6"/>
+                </a:solidFill>
+                <a:effectLst/>
+                <a:latin typeface="Courier New" panose="02070309020205020404" pitchFamily="49" charset="0"/>
+                <a:cs typeface="Courier New" panose="02070309020205020404" pitchFamily="49" charset="0"/>
+              </a:rPr>
+              <a:t>color</a:t>
+            </a:r>
+            <a:r>
+              <a:rPr kumimoji="0" lang="ko-KR" altLang="ko-KR" sz="1200" b="0" i="0" u="none" strike="noStrike" cap="none" normalizeH="0" baseline="0">
+                <a:ln>
+                  <a:noFill/>
+                </a:ln>
+                <a:solidFill>
+                  <a:srgbClr val="CC7832"/>
+                </a:solidFill>
+                <a:effectLst/>
+                <a:latin typeface="Courier New" panose="02070309020205020404" pitchFamily="49" charset="0"/>
+                <a:cs typeface="Courier New" panose="02070309020205020404" pitchFamily="49" charset="0"/>
+              </a:rPr>
+              <a:t>, </a:t>
+            </a:r>
+            <a:r>
+              <a:rPr kumimoji="0" lang="ko-KR" altLang="ko-KR" sz="1200" b="0" i="0" u="none" strike="noStrike" cap="none" normalizeH="0" baseline="0">
+                <a:ln>
+                  <a:noFill/>
+                </a:ln>
+                <a:solidFill>
+                  <a:srgbClr val="A9B7C6"/>
+                </a:solidFill>
+                <a:effectLst/>
+                <a:latin typeface="Courier New" panose="02070309020205020404" pitchFamily="49" charset="0"/>
+                <a:cs typeface="Courier New" panose="02070309020205020404" pitchFamily="49" charset="0"/>
+              </a:rPr>
+              <a:t>layer):</a:t>
+            </a:r>
+            <a:br>
+              <a:rPr kumimoji="0" lang="ko-KR" altLang="ko-KR" sz="1200" b="0" i="0" u="none" strike="noStrike" cap="none" normalizeH="0" baseline="0">
+                <a:ln>
+                  <a:noFill/>
+                </a:ln>
+                <a:solidFill>
+                  <a:srgbClr val="A9B7C6"/>
+                </a:solidFill>
+                <a:effectLst/>
+                <a:latin typeface="Courier New" panose="02070309020205020404" pitchFamily="49" charset="0"/>
+                <a:cs typeface="Courier New" panose="02070309020205020404" pitchFamily="49" charset="0"/>
+              </a:rPr>
+            </a:br>
+            <a:r>
+              <a:rPr kumimoji="0" lang="ko-KR" altLang="ko-KR" sz="1200" b="0" i="0" u="none" strike="noStrike" cap="none" normalizeH="0" baseline="0">
+                <a:ln>
+                  <a:noFill/>
+                </a:ln>
+                <a:solidFill>
+                  <a:srgbClr val="A9B7C6"/>
+                </a:solidFill>
+                <a:effectLst/>
+                <a:latin typeface="Courier New" panose="02070309020205020404" pitchFamily="49" charset="0"/>
+                <a:cs typeface="Courier New" panose="02070309020205020404" pitchFamily="49" charset="0"/>
+              </a:rPr>
+              <a:t>        </a:t>
+            </a:r>
+            <a:r>
+              <a:rPr kumimoji="0" lang="ko-KR" altLang="ko-KR" sz="1200" b="0" i="0" u="none" strike="noStrike" cap="none" normalizeH="0" baseline="0">
+                <a:ln>
+                  <a:noFill/>
+                </a:ln>
+                <a:solidFill>
+                  <a:srgbClr val="94558D"/>
+                </a:solidFill>
+                <a:effectLst/>
+                <a:latin typeface="Courier New" panose="02070309020205020404" pitchFamily="49" charset="0"/>
+                <a:cs typeface="Courier New" panose="02070309020205020404" pitchFamily="49" charset="0"/>
+              </a:rPr>
+              <a:t>self</a:t>
+            </a:r>
+            <a:r>
+              <a:rPr kumimoji="0" lang="ko-KR" altLang="ko-KR" sz="1200" b="0" i="0" u="none" strike="noStrike" cap="none" normalizeH="0" baseline="0">
+                <a:ln>
+                  <a:noFill/>
+                </a:ln>
+                <a:solidFill>
+                  <a:srgbClr val="A9B7C6"/>
+                </a:solidFill>
+                <a:effectLst/>
+                <a:latin typeface="Courier New" panose="02070309020205020404" pitchFamily="49" charset="0"/>
+                <a:cs typeface="Courier New" panose="02070309020205020404" pitchFamily="49" charset="0"/>
+              </a:rPr>
+              <a:t>.game = root</a:t>
+            </a:r>
+            <a:br>
+              <a:rPr kumimoji="0" lang="ko-KR" altLang="ko-KR" sz="1200" b="0" i="0" u="none" strike="noStrike" cap="none" normalizeH="0" baseline="0">
+                <a:ln>
+                  <a:noFill/>
+                </a:ln>
+                <a:solidFill>
+                  <a:srgbClr val="A9B7C6"/>
+                </a:solidFill>
+                <a:effectLst/>
+                <a:latin typeface="Courier New" panose="02070309020205020404" pitchFamily="49" charset="0"/>
+                <a:cs typeface="Courier New" panose="02070309020205020404" pitchFamily="49" charset="0"/>
+              </a:rPr>
+            </a:br>
+            <a:r>
+              <a:rPr kumimoji="0" lang="ko-KR" altLang="ko-KR" sz="1200" b="0" i="0" u="none" strike="noStrike" cap="none" normalizeH="0" baseline="0">
+                <a:ln>
+                  <a:noFill/>
+                </a:ln>
+                <a:solidFill>
+                  <a:srgbClr val="A9B7C6"/>
+                </a:solidFill>
+                <a:effectLst/>
+                <a:latin typeface="Courier New" panose="02070309020205020404" pitchFamily="49" charset="0"/>
+                <a:cs typeface="Courier New" panose="02070309020205020404" pitchFamily="49" charset="0"/>
+              </a:rPr>
+              <a:t>        </a:t>
+            </a:r>
+            <a:r>
+              <a:rPr kumimoji="0" lang="ko-KR" altLang="ko-KR" sz="1200" b="0" i="0" u="none" strike="noStrike" cap="none" normalizeH="0" baseline="0">
+                <a:ln>
+                  <a:noFill/>
+                </a:ln>
+                <a:solidFill>
+                  <a:srgbClr val="94558D"/>
+                </a:solidFill>
+                <a:effectLst/>
+                <a:latin typeface="Courier New" panose="02070309020205020404" pitchFamily="49" charset="0"/>
+                <a:cs typeface="Courier New" panose="02070309020205020404" pitchFamily="49" charset="0"/>
+              </a:rPr>
+              <a:t>self</a:t>
+            </a:r>
+            <a:r>
+              <a:rPr kumimoji="0" lang="ko-KR" altLang="ko-KR" sz="1200" b="0" i="0" u="none" strike="noStrike" cap="none" normalizeH="0" baseline="0">
+                <a:ln>
+                  <a:noFill/>
+                </a:ln>
+                <a:solidFill>
+                  <a:srgbClr val="A9B7C6"/>
+                </a:solidFill>
+                <a:effectLst/>
+                <a:latin typeface="Courier New" panose="02070309020205020404" pitchFamily="49" charset="0"/>
+                <a:cs typeface="Courier New" panose="02070309020205020404" pitchFamily="49" charset="0"/>
+              </a:rPr>
+              <a:t>.groups = </a:t>
+            </a:r>
+            <a:r>
+              <a:rPr kumimoji="0" lang="ko-KR" altLang="ko-KR" sz="1200" b="0" i="0" u="none" strike="noStrike" cap="none" normalizeH="0" baseline="0">
+                <a:ln>
+                  <a:noFill/>
+                </a:ln>
+                <a:solidFill>
+                  <a:srgbClr val="94558D"/>
+                </a:solidFill>
+                <a:effectLst/>
+                <a:latin typeface="Courier New" panose="02070309020205020404" pitchFamily="49" charset="0"/>
+                <a:cs typeface="Courier New" panose="02070309020205020404" pitchFamily="49" charset="0"/>
+              </a:rPr>
+              <a:t>self</a:t>
+            </a:r>
+            <a:r>
+              <a:rPr kumimoji="0" lang="ko-KR" altLang="ko-KR" sz="1200" b="0" i="0" u="none" strike="noStrike" cap="none" normalizeH="0" baseline="0">
+                <a:ln>
+                  <a:noFill/>
+                </a:ln>
+                <a:solidFill>
+                  <a:srgbClr val="A9B7C6"/>
+                </a:solidFill>
+                <a:effectLst/>
+                <a:latin typeface="Courier New" panose="02070309020205020404" pitchFamily="49" charset="0"/>
+                <a:cs typeface="Courier New" panose="02070309020205020404" pitchFamily="49" charset="0"/>
+              </a:rPr>
+              <a:t>.game.all_sprites</a:t>
+            </a:r>
+            <a:br>
+              <a:rPr kumimoji="0" lang="ko-KR" altLang="ko-KR" sz="1200" b="0" i="0" u="none" strike="noStrike" cap="none" normalizeH="0" baseline="0">
+                <a:ln>
+                  <a:noFill/>
+                </a:ln>
+                <a:solidFill>
+                  <a:srgbClr val="A9B7C6"/>
+                </a:solidFill>
+                <a:effectLst/>
+                <a:latin typeface="Courier New" panose="02070309020205020404" pitchFamily="49" charset="0"/>
+                <a:cs typeface="Courier New" panose="02070309020205020404" pitchFamily="49" charset="0"/>
+              </a:rPr>
+            </a:br>
+            <a:r>
+              <a:rPr kumimoji="0" lang="ko-KR" altLang="ko-KR" sz="1200" b="0" i="0" u="none" strike="noStrike" cap="none" normalizeH="0" baseline="0">
+                <a:ln>
+                  <a:noFill/>
+                </a:ln>
+                <a:solidFill>
+                  <a:srgbClr val="A9B7C6"/>
+                </a:solidFill>
+                <a:effectLst/>
+                <a:latin typeface="Courier New" panose="02070309020205020404" pitchFamily="49" charset="0"/>
+                <a:cs typeface="Courier New" panose="02070309020205020404" pitchFamily="49" charset="0"/>
+              </a:rPr>
+              <a:t>        </a:t>
+            </a:r>
+            <a:r>
+              <a:rPr kumimoji="0" lang="ko-KR" altLang="ko-KR" sz="1200" b="0" i="0" u="none" strike="noStrike" cap="none" normalizeH="0" baseline="0">
+                <a:ln>
+                  <a:noFill/>
+                </a:ln>
+                <a:solidFill>
+                  <a:srgbClr val="94558D"/>
+                </a:solidFill>
+                <a:effectLst/>
+                <a:latin typeface="Courier New" panose="02070309020205020404" pitchFamily="49" charset="0"/>
+                <a:cs typeface="Courier New" panose="02070309020205020404" pitchFamily="49" charset="0"/>
+              </a:rPr>
+              <a:t>self</a:t>
+            </a:r>
+            <a:r>
+              <a:rPr kumimoji="0" lang="ko-KR" altLang="ko-KR" sz="1200" b="0" i="0" u="none" strike="noStrike" cap="none" normalizeH="0" baseline="0">
+                <a:ln>
+                  <a:noFill/>
+                </a:ln>
+                <a:solidFill>
+                  <a:srgbClr val="A9B7C6"/>
+                </a:solidFill>
+                <a:effectLst/>
+                <a:latin typeface="Courier New" panose="02070309020205020404" pitchFamily="49" charset="0"/>
+                <a:cs typeface="Courier New" panose="02070309020205020404" pitchFamily="49" charset="0"/>
+              </a:rPr>
+              <a:t>.image = pygame.Surface((</a:t>
+            </a:r>
+            <a:r>
+              <a:rPr kumimoji="0" lang="ko-KR" altLang="ko-KR" sz="1200" b="0" i="0" u="none" strike="noStrike" cap="none" normalizeH="0" baseline="0">
+                <a:ln>
+                  <a:noFill/>
+                </a:ln>
+                <a:solidFill>
+                  <a:srgbClr val="6897BB"/>
+                </a:solidFill>
+                <a:effectLst/>
+                <a:latin typeface="Courier New" panose="02070309020205020404" pitchFamily="49" charset="0"/>
+                <a:cs typeface="Courier New" panose="02070309020205020404" pitchFamily="49" charset="0"/>
+              </a:rPr>
+              <a:t>20</a:t>
+            </a:r>
+            <a:r>
+              <a:rPr kumimoji="0" lang="ko-KR" altLang="ko-KR" sz="1200" b="0" i="0" u="none" strike="noStrike" cap="none" normalizeH="0" baseline="0">
+                <a:ln>
+                  <a:noFill/>
+                </a:ln>
+                <a:solidFill>
+                  <a:srgbClr val="CC7832"/>
+                </a:solidFill>
+                <a:effectLst/>
+                <a:latin typeface="Courier New" panose="02070309020205020404" pitchFamily="49" charset="0"/>
+                <a:cs typeface="Courier New" panose="02070309020205020404" pitchFamily="49" charset="0"/>
+              </a:rPr>
+              <a:t>, </a:t>
+            </a:r>
+            <a:r>
+              <a:rPr kumimoji="0" lang="ko-KR" altLang="ko-KR" sz="1200" b="0" i="0" u="none" strike="noStrike" cap="none" normalizeH="0" baseline="0">
+                <a:ln>
+                  <a:noFill/>
+                </a:ln>
+                <a:solidFill>
+                  <a:srgbClr val="6897BB"/>
+                </a:solidFill>
+                <a:effectLst/>
+                <a:latin typeface="Courier New" panose="02070309020205020404" pitchFamily="49" charset="0"/>
+                <a:cs typeface="Courier New" panose="02070309020205020404" pitchFamily="49" charset="0"/>
+              </a:rPr>
+              <a:t>20</a:t>
+            </a:r>
+            <a:r>
+              <a:rPr kumimoji="0" lang="ko-KR" altLang="ko-KR" sz="1200" b="0" i="0" u="none" strike="noStrike" cap="none" normalizeH="0" baseline="0">
+                <a:ln>
+                  <a:noFill/>
+                </a:ln>
+                <a:solidFill>
+                  <a:srgbClr val="A9B7C6"/>
+                </a:solidFill>
+                <a:effectLst/>
+                <a:latin typeface="Courier New" panose="02070309020205020404" pitchFamily="49" charset="0"/>
+                <a:cs typeface="Courier New" panose="02070309020205020404" pitchFamily="49" charset="0"/>
+              </a:rPr>
+              <a:t>))</a:t>
+            </a:r>
+            <a:br>
+              <a:rPr kumimoji="0" lang="ko-KR" altLang="ko-KR" sz="1200" b="0" i="0" u="none" strike="noStrike" cap="none" normalizeH="0" baseline="0">
+                <a:ln>
+                  <a:noFill/>
+                </a:ln>
+                <a:solidFill>
+                  <a:srgbClr val="A9B7C6"/>
+                </a:solidFill>
+                <a:effectLst/>
+                <a:latin typeface="Courier New" panose="02070309020205020404" pitchFamily="49" charset="0"/>
+                <a:cs typeface="Courier New" panose="02070309020205020404" pitchFamily="49" charset="0"/>
+              </a:rPr>
+            </a:br>
+            <a:r>
+              <a:rPr kumimoji="0" lang="ko-KR" altLang="ko-KR" sz="1200" b="0" i="0" u="none" strike="noStrike" cap="none" normalizeH="0" baseline="0">
+                <a:ln>
+                  <a:noFill/>
+                </a:ln>
+                <a:solidFill>
+                  <a:srgbClr val="A9B7C6"/>
+                </a:solidFill>
+                <a:effectLst/>
+                <a:latin typeface="Courier New" panose="02070309020205020404" pitchFamily="49" charset="0"/>
+                <a:cs typeface="Courier New" panose="02070309020205020404" pitchFamily="49" charset="0"/>
+              </a:rPr>
+              <a:t>        </a:t>
+            </a:r>
+            <a:r>
+              <a:rPr kumimoji="0" lang="ko-KR" altLang="ko-KR" sz="1200" b="0" i="0" u="none" strike="noStrike" cap="none" normalizeH="0" baseline="0">
+                <a:ln>
+                  <a:noFill/>
+                </a:ln>
+                <a:solidFill>
+                  <a:srgbClr val="94558D"/>
+                </a:solidFill>
+                <a:effectLst/>
+                <a:latin typeface="Courier New" panose="02070309020205020404" pitchFamily="49" charset="0"/>
+                <a:cs typeface="Courier New" panose="02070309020205020404" pitchFamily="49" charset="0"/>
+              </a:rPr>
+              <a:t>self</a:t>
+            </a:r>
+            <a:r>
+              <a:rPr kumimoji="0" lang="ko-KR" altLang="ko-KR" sz="1200" b="0" i="0" u="none" strike="noStrike" cap="none" normalizeH="0" baseline="0">
+                <a:ln>
+                  <a:noFill/>
+                </a:ln>
+                <a:solidFill>
+                  <a:srgbClr val="A9B7C6"/>
+                </a:solidFill>
+                <a:effectLst/>
+                <a:latin typeface="Courier New" panose="02070309020205020404" pitchFamily="49" charset="0"/>
+                <a:cs typeface="Courier New" panose="02070309020205020404" pitchFamily="49" charset="0"/>
+              </a:rPr>
+              <a:t>.image.fill(color)</a:t>
+            </a:r>
+            <a:br>
+              <a:rPr kumimoji="0" lang="ko-KR" altLang="ko-KR" sz="1200" b="0" i="0" u="none" strike="noStrike" cap="none" normalizeH="0" baseline="0">
+                <a:ln>
+                  <a:noFill/>
+                </a:ln>
+                <a:solidFill>
+                  <a:srgbClr val="A9B7C6"/>
+                </a:solidFill>
+                <a:effectLst/>
+                <a:latin typeface="Courier New" panose="02070309020205020404" pitchFamily="49" charset="0"/>
+                <a:cs typeface="Courier New" panose="02070309020205020404" pitchFamily="49" charset="0"/>
+              </a:rPr>
+            </a:br>
+            <a:r>
+              <a:rPr kumimoji="0" lang="ko-KR" altLang="ko-KR" sz="1200" b="0" i="0" u="none" strike="noStrike" cap="none" normalizeH="0" baseline="0">
+                <a:ln>
+                  <a:noFill/>
+                </a:ln>
+                <a:solidFill>
+                  <a:srgbClr val="A9B7C6"/>
+                </a:solidFill>
+                <a:effectLst/>
+                <a:latin typeface="Courier New" panose="02070309020205020404" pitchFamily="49" charset="0"/>
+                <a:cs typeface="Courier New" panose="02070309020205020404" pitchFamily="49" charset="0"/>
+              </a:rPr>
+              <a:t>        </a:t>
+            </a:r>
+            <a:r>
+              <a:rPr kumimoji="0" lang="ko-KR" altLang="ko-KR" sz="1200" b="0" i="0" u="none" strike="noStrike" cap="none" normalizeH="0" baseline="0">
+                <a:ln>
+                  <a:noFill/>
+                </a:ln>
+                <a:solidFill>
+                  <a:srgbClr val="94558D"/>
+                </a:solidFill>
+                <a:effectLst/>
+                <a:latin typeface="Courier New" panose="02070309020205020404" pitchFamily="49" charset="0"/>
+                <a:cs typeface="Courier New" panose="02070309020205020404" pitchFamily="49" charset="0"/>
+              </a:rPr>
+              <a:t>self</a:t>
+            </a:r>
+            <a:r>
+              <a:rPr kumimoji="0" lang="ko-KR" altLang="ko-KR" sz="1200" b="0" i="0" u="none" strike="noStrike" cap="none" normalizeH="0" baseline="0">
+                <a:ln>
+                  <a:noFill/>
+                </a:ln>
+                <a:solidFill>
+                  <a:srgbClr val="A9B7C6"/>
+                </a:solidFill>
+                <a:effectLst/>
+                <a:latin typeface="Courier New" panose="02070309020205020404" pitchFamily="49" charset="0"/>
+                <a:cs typeface="Courier New" panose="02070309020205020404" pitchFamily="49" charset="0"/>
+              </a:rPr>
+              <a:t>.pos = pos</a:t>
+            </a:r>
+            <a:br>
+              <a:rPr kumimoji="0" lang="ko-KR" altLang="ko-KR" sz="1200" b="0" i="0" u="none" strike="noStrike" cap="none" normalizeH="0" baseline="0">
+                <a:ln>
+                  <a:noFill/>
+                </a:ln>
+                <a:solidFill>
+                  <a:srgbClr val="A9B7C6"/>
+                </a:solidFill>
+                <a:effectLst/>
+                <a:latin typeface="Courier New" panose="02070309020205020404" pitchFamily="49" charset="0"/>
+                <a:cs typeface="Courier New" panose="02070309020205020404" pitchFamily="49" charset="0"/>
+              </a:rPr>
+            </a:br>
+            <a:r>
+              <a:rPr kumimoji="0" lang="ko-KR" altLang="ko-KR" sz="1200" b="0" i="0" u="none" strike="noStrike" cap="none" normalizeH="0" baseline="0">
+                <a:ln>
+                  <a:noFill/>
+                </a:ln>
+                <a:solidFill>
+                  <a:srgbClr val="A9B7C6"/>
+                </a:solidFill>
+                <a:effectLst/>
+                <a:latin typeface="Courier New" panose="02070309020205020404" pitchFamily="49" charset="0"/>
+                <a:cs typeface="Courier New" panose="02070309020205020404" pitchFamily="49" charset="0"/>
+              </a:rPr>
+              <a:t>        </a:t>
+            </a:r>
+            <a:r>
+              <a:rPr kumimoji="0" lang="ko-KR" altLang="ko-KR" sz="1200" b="0" i="0" u="none" strike="noStrike" cap="none" normalizeH="0" baseline="0">
+                <a:ln>
+                  <a:noFill/>
+                </a:ln>
+                <a:solidFill>
+                  <a:srgbClr val="94558D"/>
+                </a:solidFill>
+                <a:effectLst/>
+                <a:latin typeface="Courier New" panose="02070309020205020404" pitchFamily="49" charset="0"/>
+                <a:cs typeface="Courier New" panose="02070309020205020404" pitchFamily="49" charset="0"/>
+              </a:rPr>
+              <a:t>self</a:t>
+            </a:r>
+            <a:r>
+              <a:rPr kumimoji="0" lang="ko-KR" altLang="ko-KR" sz="1200" b="0" i="0" u="none" strike="noStrike" cap="none" normalizeH="0" baseline="0">
+                <a:ln>
+                  <a:noFill/>
+                </a:ln>
+                <a:solidFill>
+                  <a:srgbClr val="A9B7C6"/>
+                </a:solidFill>
+                <a:effectLst/>
+                <a:latin typeface="Courier New" panose="02070309020205020404" pitchFamily="49" charset="0"/>
+                <a:cs typeface="Courier New" panose="02070309020205020404" pitchFamily="49" charset="0"/>
+              </a:rPr>
+              <a:t>.dir = vec(random.random()</a:t>
+            </a:r>
+            <a:r>
+              <a:rPr kumimoji="0" lang="ko-KR" altLang="ko-KR" sz="1200" b="0" i="0" u="none" strike="noStrike" cap="none" normalizeH="0" baseline="0">
+                <a:ln>
+                  <a:noFill/>
+                </a:ln>
+                <a:solidFill>
+                  <a:srgbClr val="CC7832"/>
+                </a:solidFill>
+                <a:effectLst/>
+                <a:latin typeface="Courier New" panose="02070309020205020404" pitchFamily="49" charset="0"/>
+                <a:cs typeface="Courier New" panose="02070309020205020404" pitchFamily="49" charset="0"/>
+              </a:rPr>
+              <a:t>, </a:t>
+            </a:r>
+            <a:r>
+              <a:rPr kumimoji="0" lang="ko-KR" altLang="ko-KR" sz="1200" b="0" i="0" u="none" strike="noStrike" cap="none" normalizeH="0" baseline="0">
+                <a:ln>
+                  <a:noFill/>
+                </a:ln>
+                <a:solidFill>
+                  <a:srgbClr val="A9B7C6"/>
+                </a:solidFill>
+                <a:effectLst/>
+                <a:latin typeface="Courier New" panose="02070309020205020404" pitchFamily="49" charset="0"/>
+                <a:cs typeface="Courier New" panose="02070309020205020404" pitchFamily="49" charset="0"/>
+              </a:rPr>
+              <a:t>random.random()).normalize()</a:t>
+            </a:r>
+            <a:br>
+              <a:rPr kumimoji="0" lang="ko-KR" altLang="ko-KR" sz="1200" b="0" i="0" u="none" strike="noStrike" cap="none" normalizeH="0" baseline="0">
+                <a:ln>
+                  <a:noFill/>
+                </a:ln>
+                <a:solidFill>
+                  <a:srgbClr val="A9B7C6"/>
+                </a:solidFill>
+                <a:effectLst/>
+                <a:latin typeface="Courier New" panose="02070309020205020404" pitchFamily="49" charset="0"/>
+                <a:cs typeface="Courier New" panose="02070309020205020404" pitchFamily="49" charset="0"/>
+              </a:rPr>
+            </a:br>
+            <a:r>
+              <a:rPr kumimoji="0" lang="ko-KR" altLang="ko-KR" sz="1200" b="0" i="0" u="none" strike="noStrike" cap="none" normalizeH="0" baseline="0">
+                <a:ln>
+                  <a:noFill/>
+                </a:ln>
+                <a:solidFill>
+                  <a:srgbClr val="A9B7C6"/>
+                </a:solidFill>
+                <a:effectLst/>
+                <a:latin typeface="Courier New" panose="02070309020205020404" pitchFamily="49" charset="0"/>
+                <a:cs typeface="Courier New" panose="02070309020205020404" pitchFamily="49" charset="0"/>
+              </a:rPr>
+              <a:t>        </a:t>
+            </a:r>
+            <a:r>
+              <a:rPr kumimoji="0" lang="ko-KR" altLang="ko-KR" sz="1200" b="0" i="0" u="none" strike="noStrike" cap="none" normalizeH="0" baseline="0">
+                <a:ln>
+                  <a:noFill/>
+                </a:ln>
+                <a:solidFill>
+                  <a:srgbClr val="94558D"/>
+                </a:solidFill>
+                <a:effectLst/>
+                <a:latin typeface="Courier New" panose="02070309020205020404" pitchFamily="49" charset="0"/>
+                <a:cs typeface="Courier New" panose="02070309020205020404" pitchFamily="49" charset="0"/>
+              </a:rPr>
+              <a:t>self</a:t>
+            </a:r>
+            <a:r>
+              <a:rPr kumimoji="0" lang="ko-KR" altLang="ko-KR" sz="1200" b="0" i="0" u="none" strike="noStrike" cap="none" normalizeH="0" baseline="0">
+                <a:ln>
+                  <a:noFill/>
+                </a:ln>
+                <a:solidFill>
+                  <a:srgbClr val="A9B7C6"/>
+                </a:solidFill>
+                <a:effectLst/>
+                <a:latin typeface="Courier New" panose="02070309020205020404" pitchFamily="49" charset="0"/>
+                <a:cs typeface="Courier New" panose="02070309020205020404" pitchFamily="49" charset="0"/>
+              </a:rPr>
+              <a:t>.speed = </a:t>
+            </a:r>
+            <a:r>
+              <a:rPr kumimoji="0" lang="ko-KR" altLang="ko-KR" sz="1200" b="0" i="0" u="none" strike="noStrike" cap="none" normalizeH="0" baseline="0">
+                <a:ln>
+                  <a:noFill/>
+                </a:ln>
+                <a:solidFill>
+                  <a:srgbClr val="6897BB"/>
+                </a:solidFill>
+                <a:effectLst/>
+                <a:latin typeface="Courier New" panose="02070309020205020404" pitchFamily="49" charset="0"/>
+                <a:cs typeface="Courier New" panose="02070309020205020404" pitchFamily="49" charset="0"/>
+              </a:rPr>
+              <a:t>3</a:t>
+            </a:r>
+            <a:br>
+              <a:rPr kumimoji="0" lang="ko-KR" altLang="ko-KR" sz="1200" b="0" i="0" u="none" strike="noStrike" cap="none" normalizeH="0" baseline="0">
+                <a:ln>
+                  <a:noFill/>
+                </a:ln>
+                <a:solidFill>
+                  <a:srgbClr val="6897BB"/>
+                </a:solidFill>
+                <a:effectLst/>
+                <a:latin typeface="Courier New" panose="02070309020205020404" pitchFamily="49" charset="0"/>
+                <a:cs typeface="Courier New" panose="02070309020205020404" pitchFamily="49" charset="0"/>
+              </a:rPr>
+            </a:br>
+            <a:r>
+              <a:rPr kumimoji="0" lang="ko-KR" altLang="ko-KR" sz="1200" b="0" i="0" u="none" strike="noStrike" cap="none" normalizeH="0" baseline="0">
+                <a:ln>
+                  <a:noFill/>
+                </a:ln>
+                <a:solidFill>
+                  <a:srgbClr val="6897BB"/>
+                </a:solidFill>
+                <a:effectLst/>
+                <a:latin typeface="Courier New" panose="02070309020205020404" pitchFamily="49" charset="0"/>
+                <a:cs typeface="Courier New" panose="02070309020205020404" pitchFamily="49" charset="0"/>
+              </a:rPr>
+              <a:t>        </a:t>
+            </a:r>
+            <a:r>
+              <a:rPr kumimoji="0" lang="ko-KR" altLang="ko-KR" sz="1200" b="0" i="0" u="none" strike="noStrike" cap="none" normalizeH="0" baseline="0">
+                <a:ln>
+                  <a:noFill/>
+                </a:ln>
+                <a:solidFill>
+                  <a:srgbClr val="94558D"/>
+                </a:solidFill>
+                <a:effectLst/>
+                <a:latin typeface="Courier New" panose="02070309020205020404" pitchFamily="49" charset="0"/>
+                <a:cs typeface="Courier New" panose="02070309020205020404" pitchFamily="49" charset="0"/>
+              </a:rPr>
+              <a:t>self</a:t>
+            </a:r>
+            <a:r>
+              <a:rPr kumimoji="0" lang="ko-KR" altLang="ko-KR" sz="1200" b="0" i="0" u="none" strike="noStrike" cap="none" normalizeH="0" baseline="0">
+                <a:ln>
+                  <a:noFill/>
+                </a:ln>
+                <a:solidFill>
+                  <a:srgbClr val="A9B7C6"/>
+                </a:solidFill>
+                <a:effectLst/>
+                <a:latin typeface="Courier New" panose="02070309020205020404" pitchFamily="49" charset="0"/>
+                <a:cs typeface="Courier New" panose="02070309020205020404" pitchFamily="49" charset="0"/>
+              </a:rPr>
+              <a:t>.rect = </a:t>
+            </a:r>
+            <a:r>
+              <a:rPr kumimoji="0" lang="ko-KR" altLang="ko-KR" sz="1200" b="0" i="0" u="none" strike="noStrike" cap="none" normalizeH="0" baseline="0">
+                <a:ln>
+                  <a:noFill/>
+                </a:ln>
+                <a:solidFill>
+                  <a:srgbClr val="94558D"/>
+                </a:solidFill>
+                <a:effectLst/>
+                <a:latin typeface="Courier New" panose="02070309020205020404" pitchFamily="49" charset="0"/>
+                <a:cs typeface="Courier New" panose="02070309020205020404" pitchFamily="49" charset="0"/>
+              </a:rPr>
+              <a:t>self</a:t>
+            </a:r>
+            <a:r>
+              <a:rPr kumimoji="0" lang="ko-KR" altLang="ko-KR" sz="1200" b="0" i="0" u="none" strike="noStrike" cap="none" normalizeH="0" baseline="0">
+                <a:ln>
+                  <a:noFill/>
+                </a:ln>
+                <a:solidFill>
+                  <a:srgbClr val="A9B7C6"/>
+                </a:solidFill>
+                <a:effectLst/>
+                <a:latin typeface="Courier New" panose="02070309020205020404" pitchFamily="49" charset="0"/>
+                <a:cs typeface="Courier New" panose="02070309020205020404" pitchFamily="49" charset="0"/>
+              </a:rPr>
+              <a:t>.image.get_rect(</a:t>
+            </a:r>
+            <a:r>
+              <a:rPr kumimoji="0" lang="ko-KR" altLang="ko-KR" sz="1200" b="0" i="0" u="none" strike="noStrike" cap="none" normalizeH="0" baseline="0">
+                <a:ln>
+                  <a:noFill/>
+                </a:ln>
+                <a:solidFill>
+                  <a:srgbClr val="AA4926"/>
+                </a:solidFill>
+                <a:effectLst/>
+                <a:latin typeface="Courier New" panose="02070309020205020404" pitchFamily="49" charset="0"/>
+                <a:cs typeface="Courier New" panose="02070309020205020404" pitchFamily="49" charset="0"/>
+              </a:rPr>
+              <a:t>topleft</a:t>
+            </a:r>
+            <a:r>
+              <a:rPr kumimoji="0" lang="ko-KR" altLang="ko-KR" sz="1200" b="0" i="0" u="none" strike="noStrike" cap="none" normalizeH="0" baseline="0">
+                <a:ln>
+                  <a:noFill/>
+                </a:ln>
+                <a:solidFill>
+                  <a:srgbClr val="A9B7C6"/>
+                </a:solidFill>
+                <a:effectLst/>
+                <a:latin typeface="Courier New" panose="02070309020205020404" pitchFamily="49" charset="0"/>
+                <a:cs typeface="Courier New" panose="02070309020205020404" pitchFamily="49" charset="0"/>
+              </a:rPr>
+              <a:t>=pos)</a:t>
+            </a:r>
+            <a:br>
+              <a:rPr kumimoji="0" lang="ko-KR" altLang="ko-KR" sz="1200" b="0" i="0" u="none" strike="noStrike" cap="none" normalizeH="0" baseline="0">
+                <a:ln>
+                  <a:noFill/>
+                </a:ln>
+                <a:solidFill>
+                  <a:srgbClr val="A9B7C6"/>
+                </a:solidFill>
+                <a:effectLst/>
+                <a:latin typeface="Courier New" panose="02070309020205020404" pitchFamily="49" charset="0"/>
+                <a:cs typeface="Courier New" panose="02070309020205020404" pitchFamily="49" charset="0"/>
+              </a:rPr>
+            </a:br>
+            <a:r>
+              <a:rPr kumimoji="0" lang="ko-KR" altLang="ko-KR" sz="1200" b="0" i="0" u="none" strike="noStrike" cap="none" normalizeH="0" baseline="0">
+                <a:ln>
+                  <a:noFill/>
+                </a:ln>
+                <a:solidFill>
+                  <a:srgbClr val="A9B7C6"/>
+                </a:solidFill>
+                <a:effectLst/>
+                <a:latin typeface="Courier New" panose="02070309020205020404" pitchFamily="49" charset="0"/>
+                <a:cs typeface="Courier New" panose="02070309020205020404" pitchFamily="49" charset="0"/>
+              </a:rPr>
+              <a:t>        </a:t>
+            </a:r>
+            <a:r>
+              <a:rPr kumimoji="0" lang="ko-KR" altLang="ko-KR" sz="1200" b="0" i="0" u="none" strike="noStrike" cap="none" normalizeH="0" baseline="0">
+                <a:ln>
+                  <a:noFill/>
+                </a:ln>
+                <a:solidFill>
+                  <a:srgbClr val="94558D"/>
+                </a:solidFill>
+                <a:effectLst/>
+                <a:latin typeface="Courier New" panose="02070309020205020404" pitchFamily="49" charset="0"/>
+                <a:cs typeface="Courier New" panose="02070309020205020404" pitchFamily="49" charset="0"/>
+              </a:rPr>
+              <a:t>self</a:t>
+            </a:r>
+            <a:r>
+              <a:rPr kumimoji="0" lang="ko-KR" altLang="ko-KR" sz="1200" b="0" i="0" u="none" strike="noStrike" cap="none" normalizeH="0" baseline="0">
+                <a:ln>
+                  <a:noFill/>
+                </a:ln>
+                <a:solidFill>
+                  <a:srgbClr val="A9B7C6"/>
+                </a:solidFill>
+                <a:effectLst/>
+                <a:latin typeface="Courier New" panose="02070309020205020404" pitchFamily="49" charset="0"/>
+                <a:cs typeface="Courier New" panose="02070309020205020404" pitchFamily="49" charset="0"/>
+              </a:rPr>
+              <a:t>._layer = layer</a:t>
+            </a:r>
+            <a:br>
+              <a:rPr kumimoji="0" lang="ko-KR" altLang="ko-KR" sz="1200" b="0" i="0" u="none" strike="noStrike" cap="none" normalizeH="0" baseline="0">
+                <a:ln>
+                  <a:noFill/>
+                </a:ln>
+                <a:solidFill>
+                  <a:srgbClr val="A9B7C6"/>
+                </a:solidFill>
+                <a:effectLst/>
+                <a:latin typeface="Courier New" panose="02070309020205020404" pitchFamily="49" charset="0"/>
+                <a:cs typeface="Courier New" panose="02070309020205020404" pitchFamily="49" charset="0"/>
+              </a:rPr>
+            </a:br>
+            <a:r>
+              <a:rPr kumimoji="0" lang="ko-KR" altLang="ko-KR" sz="1200" b="0" i="0" u="none" strike="noStrike" cap="none" normalizeH="0" baseline="0">
+                <a:ln>
+                  <a:noFill/>
+                </a:ln>
+                <a:solidFill>
+                  <a:srgbClr val="A9B7C6"/>
+                </a:solidFill>
+                <a:effectLst/>
+                <a:latin typeface="Courier New" panose="02070309020205020404" pitchFamily="49" charset="0"/>
+                <a:cs typeface="Courier New" panose="02070309020205020404" pitchFamily="49" charset="0"/>
+              </a:rPr>
+              <a:t>        pygame.sprite.Sprite.</a:t>
+            </a:r>
+            <a:r>
+              <a:rPr kumimoji="0" lang="ko-KR" altLang="ko-KR" sz="1200" b="0" i="0" u="none" strike="noStrike" cap="none" normalizeH="0" baseline="0">
+                <a:ln>
+                  <a:noFill/>
+                </a:ln>
+                <a:solidFill>
+                  <a:srgbClr val="B200B2"/>
+                </a:solidFill>
+                <a:effectLst/>
+                <a:latin typeface="Courier New" panose="02070309020205020404" pitchFamily="49" charset="0"/>
+                <a:cs typeface="Courier New" panose="02070309020205020404" pitchFamily="49" charset="0"/>
+              </a:rPr>
+              <a:t>__init__</a:t>
+            </a:r>
+            <a:r>
+              <a:rPr kumimoji="0" lang="ko-KR" altLang="ko-KR" sz="1200" b="0" i="0" u="none" strike="noStrike" cap="none" normalizeH="0" baseline="0">
+                <a:ln>
+                  <a:noFill/>
+                </a:ln>
+                <a:solidFill>
+                  <a:srgbClr val="A9B7C6"/>
+                </a:solidFill>
+                <a:effectLst/>
+                <a:latin typeface="Courier New" panose="02070309020205020404" pitchFamily="49" charset="0"/>
+                <a:cs typeface="Courier New" panose="02070309020205020404" pitchFamily="49" charset="0"/>
+              </a:rPr>
+              <a:t>(</a:t>
+            </a:r>
+            <a:r>
+              <a:rPr kumimoji="0" lang="ko-KR" altLang="ko-KR" sz="1200" b="0" i="0" u="none" strike="noStrike" cap="none" normalizeH="0" baseline="0">
+                <a:ln>
+                  <a:noFill/>
+                </a:ln>
+                <a:solidFill>
+                  <a:srgbClr val="94558D"/>
+                </a:solidFill>
+                <a:effectLst/>
+                <a:latin typeface="Courier New" panose="02070309020205020404" pitchFamily="49" charset="0"/>
+                <a:cs typeface="Courier New" panose="02070309020205020404" pitchFamily="49" charset="0"/>
+              </a:rPr>
+              <a:t>self</a:t>
+            </a:r>
+            <a:r>
+              <a:rPr kumimoji="0" lang="ko-KR" altLang="ko-KR" sz="1200" b="0" i="0" u="none" strike="noStrike" cap="none" normalizeH="0" baseline="0">
+                <a:ln>
+                  <a:noFill/>
+                </a:ln>
+                <a:solidFill>
+                  <a:srgbClr val="CC7832"/>
+                </a:solidFill>
+                <a:effectLst/>
+                <a:latin typeface="Courier New" panose="02070309020205020404" pitchFamily="49" charset="0"/>
+                <a:cs typeface="Courier New" panose="02070309020205020404" pitchFamily="49" charset="0"/>
+              </a:rPr>
+              <a:t>, </a:t>
+            </a:r>
+            <a:r>
+              <a:rPr kumimoji="0" lang="ko-KR" altLang="ko-KR" sz="1200" b="0" i="0" u="none" strike="noStrike" cap="none" normalizeH="0" baseline="0">
+                <a:ln>
+                  <a:noFill/>
+                </a:ln>
+                <a:solidFill>
+                  <a:srgbClr val="94558D"/>
+                </a:solidFill>
+                <a:effectLst/>
+                <a:latin typeface="Courier New" panose="02070309020205020404" pitchFamily="49" charset="0"/>
+                <a:cs typeface="Courier New" panose="02070309020205020404" pitchFamily="49" charset="0"/>
+              </a:rPr>
+              <a:t>self</a:t>
+            </a:r>
+            <a:r>
+              <a:rPr kumimoji="0" lang="ko-KR" altLang="ko-KR" sz="1200" b="0" i="0" u="none" strike="noStrike" cap="none" normalizeH="0" baseline="0">
+                <a:ln>
+                  <a:noFill/>
+                </a:ln>
+                <a:solidFill>
+                  <a:srgbClr val="A9B7C6"/>
+                </a:solidFill>
+                <a:effectLst/>
+                <a:latin typeface="Courier New" panose="02070309020205020404" pitchFamily="49" charset="0"/>
+                <a:cs typeface="Courier New" panose="02070309020205020404" pitchFamily="49" charset="0"/>
+              </a:rPr>
+              <a:t>.groups)</a:t>
+            </a:r>
+            <a:endParaRPr kumimoji="0" lang="ko-KR" altLang="ko-KR" sz="1800" b="0" i="0" u="none" strike="noStrike" cap="none" normalizeH="0" baseline="0">
+              <a:ln>
+                <a:noFill/>
+              </a:ln>
+              <a:solidFill>
+                <a:schemeClr val="tx1"/>
+              </a:solidFill>
+              <a:effectLst/>
+              <a:latin typeface="Arial" panose="020B0604020202020204" pitchFamily="34" charset="0"/>
+            </a:endParaRPr>
           </a:p>
         </p:txBody>
       </p:sp>
     </p:spTree>
+    <p:extLst>
+      <p:ext uri="{BB962C8B-B14F-4D97-AF65-F5344CB8AC3E}">
+        <p14:creationId xmlns:p14="http://schemas.microsoft.com/office/powerpoint/2010/main" val="3134853275"/>
+      </p:ext>
+    </p:extLst>
   </p:cSld>
   <p:clrMapOvr>
     <a:masterClrMapping/>
   </p:clrMapOvr>
-  <p:transition/>
+</p:sld>
+</file>
+
+<file path=ppt/slides/slide9.xml><?xml version="1.0" encoding="utf-8"?>
+<p:sld xmlns:a="http://schemas.openxmlformats.org/drawingml/2006/main" xmlns:r="http://schemas.openxmlformats.org/officeDocument/2006/relationships" xmlns:p="http://schemas.openxmlformats.org/presentationml/2006/main">
+  <p:cSld>
+    <p:spTree>
+      <p:nvGrpSpPr>
+        <p:cNvPr id="1" name=""/>
+        <p:cNvGrpSpPr/>
+        <p:nvPr/>
+      </p:nvGrpSpPr>
+      <p:grpSpPr>
+        <a:xfrm>
+          <a:off x="0" y="0"/>
+          <a:ext cx="0" cy="0"/>
+          <a:chOff x="0" y="0"/>
+          <a:chExt cx="0" cy="0"/>
+        </a:xfrm>
+      </p:grpSpPr>
+      <p:sp>
+        <p:nvSpPr>
+          <p:cNvPr id="2" name="제목 1">
+            <a:extLst>
+              <a:ext uri="{FF2B5EF4-FFF2-40B4-BE49-F238E27FC236}">
+                <a16:creationId xmlns:a16="http://schemas.microsoft.com/office/drawing/2014/main" id="{9BDF8151-8157-436D-AA0A-701A1A11D4F3}"/>
+              </a:ext>
+            </a:extLst>
+          </p:cNvPr>
+          <p:cNvSpPr>
+            <a:spLocks noGrp="1"/>
+          </p:cNvSpPr>
+          <p:nvPr>
+            <p:ph type="title"/>
+          </p:nvPr>
+        </p:nvSpPr>
+        <p:spPr/>
+        <p:txBody>
+          <a:bodyPr/>
+          <a:lstStyle/>
+          <a:p>
+            <a:r>
+              <a:rPr lang="ko-KR" altLang="en-US" dirty="0"/>
+              <a:t>실습</a:t>
+            </a:r>
+            <a:r>
+              <a:rPr lang="en-US" altLang="ko-KR" dirty="0"/>
+              <a:t>( </a:t>
+            </a:r>
+            <a:r>
+              <a:rPr lang="ko-KR" altLang="en-US" dirty="0"/>
+              <a:t>기본 게임 코드에 사각형 만들기</a:t>
+            </a:r>
+            <a:r>
+              <a:rPr lang="en-US" altLang="ko-KR" dirty="0"/>
+              <a:t>)</a:t>
+            </a:r>
+            <a:endParaRPr lang="ko-KR" altLang="en-US" dirty="0"/>
+          </a:p>
+        </p:txBody>
+      </p:sp>
+      <p:sp>
+        <p:nvSpPr>
+          <p:cNvPr id="3" name="내용 개체 틀 2">
+            <a:extLst>
+              <a:ext uri="{FF2B5EF4-FFF2-40B4-BE49-F238E27FC236}">
+                <a16:creationId xmlns:a16="http://schemas.microsoft.com/office/drawing/2014/main" id="{AD81E570-FED1-4278-8A53-2FEFF38DFF93}"/>
+              </a:ext>
+            </a:extLst>
+          </p:cNvPr>
+          <p:cNvSpPr>
+            <a:spLocks noGrp="1"/>
+          </p:cNvSpPr>
+          <p:nvPr>
+            <p:ph idx="1"/>
+          </p:nvPr>
+        </p:nvSpPr>
+        <p:spPr/>
+        <p:txBody>
+          <a:bodyPr/>
+          <a:lstStyle/>
+          <a:p>
+            <a:endParaRPr lang="ko-KR" altLang="en-US"/>
+          </a:p>
+        </p:txBody>
+      </p:sp>
+      <p:sp>
+        <p:nvSpPr>
+          <p:cNvPr id="4" name="Rectangle 1">
+            <a:extLst>
+              <a:ext uri="{FF2B5EF4-FFF2-40B4-BE49-F238E27FC236}">
+                <a16:creationId xmlns:a16="http://schemas.microsoft.com/office/drawing/2014/main" id="{4C1EF6F2-0C49-4124-A305-8FEEDC78D256}"/>
+              </a:ext>
+            </a:extLst>
+          </p:cNvPr>
+          <p:cNvSpPr>
+            <a:spLocks noChangeArrowheads="1"/>
+          </p:cNvSpPr>
+          <p:nvPr/>
+        </p:nvSpPr>
+        <p:spPr bwMode="auto">
+          <a:xfrm>
+            <a:off x="467544" y="1071"/>
+            <a:ext cx="8464062" cy="6719316"/>
+          </a:xfrm>
+          <a:prstGeom prst="rect">
+            <a:avLst/>
+          </a:prstGeom>
+          <a:solidFill>
+            <a:srgbClr val="2B2B2B"/>
+          </a:solidFill>
+          <a:ln>
+            <a:noFill/>
+          </a:ln>
+          <a:effectLst/>
+          <a:extLst>
+            <a:ext uri="{91240B29-F687-4F45-9708-019B960494DF}">
+              <a14:hiddenLine xmlns:a14="http://schemas.microsoft.com/office/drawing/2010/main" w="9525">
+                <a:solidFill>
+                  <a:schemeClr val="tx1"/>
+                </a:solidFill>
+                <a:miter lim="800000"/>
+                <a:headEnd/>
+                <a:tailEnd/>
+              </a14:hiddenLine>
+            </a:ext>
+            <a:ext uri="{AF507438-7753-43E0-B8FC-AC1667EBCBE1}">
+              <a14:hiddenEffects xmlns:a14="http://schemas.microsoft.com/office/drawing/2010/main">
+                <a:effectLst>
+                  <a:outerShdw dist="35921" dir="2700000" algn="ctr" rotWithShape="0">
+                    <a:schemeClr val="bg2"/>
+                  </a:outerShdw>
+                </a:effectLst>
+              </a14:hiddenEffects>
+            </a:ext>
+          </a:extLst>
+        </p:spPr>
+        <p:txBody>
+          <a:bodyPr vert="horz" wrap="square" lIns="91440" tIns="45720" rIns="91440" bIns="45720" numCol="1" anchor="ctr" anchorCtr="0" compatLnSpc="1">
+            <a:prstTxWarp prst="textNoShape">
+              <a:avLst/>
+            </a:prstTxWarp>
+            <a:spAutoFit/>
+          </a:bodyPr>
+          <a:lstStyle/>
+          <a:p>
+            <a:pPr marL="0" marR="0" lvl="0" indent="0" algn="l" defTabSz="914400" rtl="0" eaLnBrk="0" fontAlgn="base" latinLnBrk="0" hangingPunct="0">
+              <a:lnSpc>
+                <a:spcPct val="100000"/>
+              </a:lnSpc>
+              <a:spcBef>
+                <a:spcPct val="0"/>
+              </a:spcBef>
+              <a:spcAft>
+                <a:spcPct val="0"/>
+              </a:spcAft>
+              <a:buClrTx/>
+              <a:buSzTx/>
+              <a:buFontTx/>
+              <a:buNone/>
+              <a:tabLst/>
+            </a:pPr>
+            <a:r>
+              <a:rPr kumimoji="0" lang="ko-KR" altLang="ko-KR" sz="1200" b="0" i="0" u="none" strike="noStrike" cap="none" normalizeH="0" baseline="0" dirty="0" err="1">
+                <a:ln>
+                  <a:noFill/>
+                </a:ln>
+                <a:solidFill>
+                  <a:srgbClr val="CC7832"/>
+                </a:solidFill>
+                <a:effectLst/>
+                <a:latin typeface="Courier New" panose="02070309020205020404" pitchFamily="49" charset="0"/>
+                <a:cs typeface="Courier New" panose="02070309020205020404" pitchFamily="49" charset="0"/>
+              </a:rPr>
+              <a:t>class</a:t>
+            </a:r>
+            <a:r>
+              <a:rPr kumimoji="0" lang="ko-KR" altLang="ko-KR" sz="1200" b="0" i="0" u="none" strike="noStrike" cap="none" normalizeH="0" baseline="0" dirty="0">
+                <a:ln>
+                  <a:noFill/>
+                </a:ln>
+                <a:solidFill>
+                  <a:srgbClr val="CC7832"/>
+                </a:solidFill>
+                <a:effectLst/>
+                <a:latin typeface="Courier New" panose="02070309020205020404" pitchFamily="49" charset="0"/>
+                <a:cs typeface="Courier New" panose="02070309020205020404" pitchFamily="49" charset="0"/>
+              </a:rPr>
+              <a:t> </a:t>
+            </a:r>
+            <a:r>
+              <a:rPr kumimoji="0" lang="ko-KR" altLang="ko-KR" sz="1200" b="0" i="0" u="none" strike="noStrike" cap="none" normalizeH="0" baseline="0" dirty="0" err="1">
+                <a:ln>
+                  <a:noFill/>
+                </a:ln>
+                <a:solidFill>
+                  <a:srgbClr val="A9B7C6"/>
+                </a:solidFill>
+                <a:effectLst/>
+                <a:latin typeface="Courier New" panose="02070309020205020404" pitchFamily="49" charset="0"/>
+                <a:cs typeface="Courier New" panose="02070309020205020404" pitchFamily="49" charset="0"/>
+              </a:rPr>
+              <a:t>Game</a:t>
+            </a:r>
+            <a:r>
+              <a:rPr kumimoji="0" lang="ko-KR" altLang="ko-KR" sz="1200" b="0" i="0" u="none" strike="noStrike" cap="none" normalizeH="0" baseline="0" dirty="0">
+                <a:ln>
+                  <a:noFill/>
+                </a:ln>
+                <a:solidFill>
+                  <a:srgbClr val="A9B7C6"/>
+                </a:solidFill>
+                <a:effectLst/>
+                <a:latin typeface="Courier New" panose="02070309020205020404" pitchFamily="49" charset="0"/>
+                <a:cs typeface="Courier New" panose="02070309020205020404" pitchFamily="49" charset="0"/>
+              </a:rPr>
+              <a:t>:</a:t>
+            </a:r>
+            <a:br>
+              <a:rPr kumimoji="0" lang="ko-KR" altLang="ko-KR" sz="1200" b="0" i="0" u="none" strike="noStrike" cap="none" normalizeH="0" baseline="0" dirty="0">
+                <a:ln>
+                  <a:noFill/>
+                </a:ln>
+                <a:solidFill>
+                  <a:srgbClr val="A9B7C6"/>
+                </a:solidFill>
+                <a:effectLst/>
+                <a:latin typeface="Courier New" panose="02070309020205020404" pitchFamily="49" charset="0"/>
+                <a:cs typeface="Courier New" panose="02070309020205020404" pitchFamily="49" charset="0"/>
+              </a:rPr>
+            </a:br>
+            <a:r>
+              <a:rPr kumimoji="0" lang="ko-KR" altLang="ko-KR" sz="1200" b="0" i="0" u="none" strike="noStrike" cap="none" normalizeH="0" baseline="0" dirty="0">
+                <a:ln>
+                  <a:noFill/>
+                </a:ln>
+                <a:solidFill>
+                  <a:srgbClr val="A9B7C6"/>
+                </a:solidFill>
+                <a:effectLst/>
+                <a:latin typeface="Courier New" panose="02070309020205020404" pitchFamily="49" charset="0"/>
+                <a:cs typeface="Courier New" panose="02070309020205020404" pitchFamily="49" charset="0"/>
+              </a:rPr>
+              <a:t>    </a:t>
+            </a:r>
+            <a:r>
+              <a:rPr kumimoji="0" lang="ko-KR" altLang="ko-KR" sz="1200" b="0" i="0" u="none" strike="noStrike" cap="none" normalizeH="0" baseline="0" dirty="0" err="1">
+                <a:ln>
+                  <a:noFill/>
+                </a:ln>
+                <a:solidFill>
+                  <a:srgbClr val="CC7832"/>
+                </a:solidFill>
+                <a:effectLst/>
+                <a:latin typeface="Courier New" panose="02070309020205020404" pitchFamily="49" charset="0"/>
+                <a:cs typeface="Courier New" panose="02070309020205020404" pitchFamily="49" charset="0"/>
+              </a:rPr>
+              <a:t>def</a:t>
+            </a:r>
+            <a:r>
+              <a:rPr kumimoji="0" lang="ko-KR" altLang="ko-KR" sz="1200" b="0" i="0" u="none" strike="noStrike" cap="none" normalizeH="0" baseline="0" dirty="0">
+                <a:ln>
+                  <a:noFill/>
+                </a:ln>
+                <a:solidFill>
+                  <a:srgbClr val="CC7832"/>
+                </a:solidFill>
+                <a:effectLst/>
+                <a:latin typeface="Courier New" panose="02070309020205020404" pitchFamily="49" charset="0"/>
+                <a:cs typeface="Courier New" panose="02070309020205020404" pitchFamily="49" charset="0"/>
+              </a:rPr>
+              <a:t> </a:t>
+            </a:r>
+            <a:r>
+              <a:rPr kumimoji="0" lang="ko-KR" altLang="ko-KR" sz="1200" b="0" i="0" u="none" strike="noStrike" cap="none" normalizeH="0" baseline="0" dirty="0">
+                <a:ln>
+                  <a:noFill/>
+                </a:ln>
+                <a:solidFill>
+                  <a:srgbClr val="B200B2"/>
+                </a:solidFill>
+                <a:effectLst/>
+                <a:latin typeface="Courier New" panose="02070309020205020404" pitchFamily="49" charset="0"/>
+                <a:cs typeface="Courier New" panose="02070309020205020404" pitchFamily="49" charset="0"/>
+              </a:rPr>
+              <a:t>__</a:t>
+            </a:r>
+            <a:r>
+              <a:rPr kumimoji="0" lang="ko-KR" altLang="ko-KR" sz="1200" b="0" i="0" u="none" strike="noStrike" cap="none" normalizeH="0" baseline="0" dirty="0" err="1">
+                <a:ln>
+                  <a:noFill/>
+                </a:ln>
+                <a:solidFill>
+                  <a:srgbClr val="B200B2"/>
+                </a:solidFill>
+                <a:effectLst/>
+                <a:latin typeface="Courier New" panose="02070309020205020404" pitchFamily="49" charset="0"/>
+                <a:cs typeface="Courier New" panose="02070309020205020404" pitchFamily="49" charset="0"/>
+              </a:rPr>
+              <a:t>init</a:t>
+            </a:r>
+            <a:r>
+              <a:rPr kumimoji="0" lang="ko-KR" altLang="ko-KR" sz="1200" b="0" i="0" u="none" strike="noStrike" cap="none" normalizeH="0" baseline="0" dirty="0">
+                <a:ln>
+                  <a:noFill/>
+                </a:ln>
+                <a:solidFill>
+                  <a:srgbClr val="B200B2"/>
+                </a:solidFill>
+                <a:effectLst/>
+                <a:latin typeface="Courier New" panose="02070309020205020404" pitchFamily="49" charset="0"/>
+                <a:cs typeface="Courier New" panose="02070309020205020404" pitchFamily="49" charset="0"/>
+              </a:rPr>
+              <a:t>__</a:t>
+            </a:r>
+            <a:r>
+              <a:rPr kumimoji="0" lang="ko-KR" altLang="ko-KR" sz="1200" b="0" i="0" u="none" strike="noStrike" cap="none" normalizeH="0" baseline="0" dirty="0">
+                <a:ln>
+                  <a:noFill/>
+                </a:ln>
+                <a:solidFill>
+                  <a:srgbClr val="A9B7C6"/>
+                </a:solidFill>
+                <a:effectLst/>
+                <a:latin typeface="Courier New" panose="02070309020205020404" pitchFamily="49" charset="0"/>
+                <a:cs typeface="Courier New" panose="02070309020205020404" pitchFamily="49" charset="0"/>
+              </a:rPr>
+              <a:t>(</a:t>
+            </a:r>
+            <a:r>
+              <a:rPr kumimoji="0" lang="ko-KR" altLang="ko-KR" sz="1200" b="0" i="0" u="none" strike="noStrike" cap="none" normalizeH="0" baseline="0" dirty="0" err="1">
+                <a:ln>
+                  <a:noFill/>
+                </a:ln>
+                <a:solidFill>
+                  <a:srgbClr val="94558D"/>
+                </a:solidFill>
+                <a:effectLst/>
+                <a:latin typeface="Courier New" panose="02070309020205020404" pitchFamily="49" charset="0"/>
+                <a:cs typeface="Courier New" panose="02070309020205020404" pitchFamily="49" charset="0"/>
+              </a:rPr>
+              <a:t>self</a:t>
+            </a:r>
+            <a:r>
+              <a:rPr kumimoji="0" lang="ko-KR" altLang="ko-KR" sz="1200" b="0" i="0" u="none" strike="noStrike" cap="none" normalizeH="0" baseline="0" dirty="0">
+                <a:ln>
+                  <a:noFill/>
+                </a:ln>
+                <a:solidFill>
+                  <a:srgbClr val="A9B7C6"/>
+                </a:solidFill>
+                <a:effectLst/>
+                <a:latin typeface="Courier New" panose="02070309020205020404" pitchFamily="49" charset="0"/>
+                <a:cs typeface="Courier New" panose="02070309020205020404" pitchFamily="49" charset="0"/>
+              </a:rPr>
+              <a:t>):</a:t>
+            </a:r>
+            <a:br>
+              <a:rPr kumimoji="0" lang="ko-KR" altLang="ko-KR" sz="1200" b="0" i="0" u="none" strike="noStrike" cap="none" normalizeH="0" baseline="0" dirty="0">
+                <a:ln>
+                  <a:noFill/>
+                </a:ln>
+                <a:solidFill>
+                  <a:srgbClr val="A9B7C6"/>
+                </a:solidFill>
+                <a:effectLst/>
+                <a:latin typeface="Courier New" panose="02070309020205020404" pitchFamily="49" charset="0"/>
+                <a:cs typeface="Courier New" panose="02070309020205020404" pitchFamily="49" charset="0"/>
+              </a:rPr>
+            </a:br>
+            <a:r>
+              <a:rPr kumimoji="0" lang="ko-KR" altLang="ko-KR" sz="1200" b="0" i="0" u="none" strike="noStrike" cap="none" normalizeH="0" baseline="0" dirty="0">
+                <a:ln>
+                  <a:noFill/>
+                </a:ln>
+                <a:solidFill>
+                  <a:srgbClr val="A9B7C6"/>
+                </a:solidFill>
+                <a:effectLst/>
+                <a:latin typeface="Courier New" panose="02070309020205020404" pitchFamily="49" charset="0"/>
+                <a:cs typeface="Courier New" panose="02070309020205020404" pitchFamily="49" charset="0"/>
+              </a:rPr>
+              <a:t>        </a:t>
+            </a:r>
+            <a:r>
+              <a:rPr kumimoji="0" lang="ko-KR" altLang="ko-KR" sz="1200" b="0" i="0" u="none" strike="noStrike" cap="none" normalizeH="0" baseline="0" dirty="0" err="1">
+                <a:ln>
+                  <a:noFill/>
+                </a:ln>
+                <a:solidFill>
+                  <a:srgbClr val="A9B7C6"/>
+                </a:solidFill>
+                <a:effectLst/>
+                <a:latin typeface="Courier New" panose="02070309020205020404" pitchFamily="49" charset="0"/>
+                <a:cs typeface="Courier New" panose="02070309020205020404" pitchFamily="49" charset="0"/>
+              </a:rPr>
+              <a:t>pygame.init</a:t>
+            </a:r>
+            <a:r>
+              <a:rPr kumimoji="0" lang="ko-KR" altLang="ko-KR" sz="1200" b="0" i="0" u="none" strike="noStrike" cap="none" normalizeH="0" baseline="0" dirty="0">
+                <a:ln>
+                  <a:noFill/>
+                </a:ln>
+                <a:solidFill>
+                  <a:srgbClr val="A9B7C6"/>
+                </a:solidFill>
+                <a:effectLst/>
+                <a:latin typeface="Courier New" panose="02070309020205020404" pitchFamily="49" charset="0"/>
+                <a:cs typeface="Courier New" panose="02070309020205020404" pitchFamily="49" charset="0"/>
+              </a:rPr>
+              <a:t>()</a:t>
+            </a:r>
+            <a:br>
+              <a:rPr kumimoji="0" lang="ko-KR" altLang="ko-KR" sz="1200" b="0" i="0" u="none" strike="noStrike" cap="none" normalizeH="0" baseline="0" dirty="0">
+                <a:ln>
+                  <a:noFill/>
+                </a:ln>
+                <a:solidFill>
+                  <a:srgbClr val="A9B7C6"/>
+                </a:solidFill>
+                <a:effectLst/>
+                <a:latin typeface="Courier New" panose="02070309020205020404" pitchFamily="49" charset="0"/>
+                <a:cs typeface="Courier New" panose="02070309020205020404" pitchFamily="49" charset="0"/>
+              </a:rPr>
+            </a:br>
+            <a:r>
+              <a:rPr kumimoji="0" lang="ko-KR" altLang="ko-KR" sz="1200" b="0" i="0" u="none" strike="noStrike" cap="none" normalizeH="0" baseline="0" dirty="0">
+                <a:ln>
+                  <a:noFill/>
+                </a:ln>
+                <a:solidFill>
+                  <a:srgbClr val="A9B7C6"/>
+                </a:solidFill>
+                <a:effectLst/>
+                <a:latin typeface="Courier New" panose="02070309020205020404" pitchFamily="49" charset="0"/>
+                <a:cs typeface="Courier New" panose="02070309020205020404" pitchFamily="49" charset="0"/>
+              </a:rPr>
+              <a:t>        </a:t>
+            </a:r>
+            <a:r>
+              <a:rPr kumimoji="0" lang="ko-KR" altLang="ko-KR" sz="1200" b="0" i="0" u="none" strike="noStrike" cap="none" normalizeH="0" baseline="0" dirty="0" err="1">
+                <a:ln>
+                  <a:noFill/>
+                </a:ln>
+                <a:solidFill>
+                  <a:srgbClr val="A9B7C6"/>
+                </a:solidFill>
+                <a:effectLst/>
+                <a:latin typeface="Courier New" panose="02070309020205020404" pitchFamily="49" charset="0"/>
+                <a:cs typeface="Courier New" panose="02070309020205020404" pitchFamily="49" charset="0"/>
+              </a:rPr>
+              <a:t>pygame.display.set_caption</a:t>
+            </a:r>
+            <a:r>
+              <a:rPr kumimoji="0" lang="ko-KR" altLang="ko-KR" sz="1200" b="0" i="0" u="none" strike="noStrike" cap="none" normalizeH="0" baseline="0" dirty="0">
+                <a:ln>
+                  <a:noFill/>
+                </a:ln>
+                <a:solidFill>
+                  <a:srgbClr val="A9B7C6"/>
+                </a:solidFill>
+                <a:effectLst/>
+                <a:latin typeface="Courier New" panose="02070309020205020404" pitchFamily="49" charset="0"/>
+                <a:cs typeface="Courier New" panose="02070309020205020404" pitchFamily="49" charset="0"/>
+              </a:rPr>
+              <a:t>(</a:t>
+            </a:r>
+            <a:r>
+              <a:rPr kumimoji="0" lang="ko-KR" altLang="ko-KR" sz="1200" b="0" i="0" u="none" strike="noStrike" cap="none" normalizeH="0" baseline="0" dirty="0">
+                <a:ln>
+                  <a:noFill/>
+                </a:ln>
+                <a:solidFill>
+                  <a:srgbClr val="6A8759"/>
+                </a:solidFill>
+                <a:effectLst/>
+                <a:latin typeface="Courier New" panose="02070309020205020404" pitchFamily="49" charset="0"/>
+                <a:cs typeface="Courier New" panose="02070309020205020404" pitchFamily="49" charset="0"/>
+              </a:rPr>
+              <a:t>'</a:t>
+            </a:r>
+            <a:r>
+              <a:rPr kumimoji="0" lang="ko-KR" altLang="ko-KR" sz="1200" b="0" i="0" u="none" strike="noStrike" cap="none" normalizeH="0" baseline="0" dirty="0">
+                <a:ln>
+                  <a:noFill/>
+                </a:ln>
+                <a:solidFill>
+                  <a:srgbClr val="6A8759"/>
+                </a:solidFill>
+                <a:effectLst/>
+                <a:latin typeface="맑은 고딕" panose="020B0503020000020004" pitchFamily="50" charset="-127"/>
+                <a:ea typeface="맑은 고딕" panose="020B0503020000020004" pitchFamily="50" charset="-127"/>
+                <a:cs typeface="Courier New" panose="02070309020205020404" pitchFamily="49" charset="0"/>
+              </a:rPr>
+              <a:t>게임 제목</a:t>
+            </a:r>
+            <a:r>
+              <a:rPr kumimoji="0" lang="ko-KR" altLang="ko-KR" sz="1200" b="0" i="0" u="none" strike="noStrike" cap="none" normalizeH="0" baseline="0" dirty="0">
+                <a:ln>
+                  <a:noFill/>
+                </a:ln>
+                <a:solidFill>
+                  <a:srgbClr val="6A8759"/>
+                </a:solidFill>
+                <a:effectLst/>
+                <a:latin typeface="Courier New" panose="02070309020205020404" pitchFamily="49" charset="0"/>
+                <a:cs typeface="Courier New" panose="02070309020205020404" pitchFamily="49" charset="0"/>
+              </a:rPr>
+              <a:t>'</a:t>
+            </a:r>
+            <a:r>
+              <a:rPr kumimoji="0" lang="ko-KR" altLang="ko-KR" sz="1200" b="0" i="0" u="none" strike="noStrike" cap="none" normalizeH="0" baseline="0" dirty="0">
+                <a:ln>
+                  <a:noFill/>
+                </a:ln>
+                <a:solidFill>
+                  <a:srgbClr val="A9B7C6"/>
+                </a:solidFill>
+                <a:effectLst/>
+                <a:latin typeface="Courier New" panose="02070309020205020404" pitchFamily="49" charset="0"/>
+                <a:cs typeface="Courier New" panose="02070309020205020404" pitchFamily="49" charset="0"/>
+              </a:rPr>
+              <a:t>)</a:t>
+            </a:r>
+            <a:br>
+              <a:rPr kumimoji="0" lang="ko-KR" altLang="ko-KR" sz="1200" b="0" i="0" u="none" strike="noStrike" cap="none" normalizeH="0" baseline="0" dirty="0">
+                <a:ln>
+                  <a:noFill/>
+                </a:ln>
+                <a:solidFill>
+                  <a:srgbClr val="A9B7C6"/>
+                </a:solidFill>
+                <a:effectLst/>
+                <a:latin typeface="Courier New" panose="02070309020205020404" pitchFamily="49" charset="0"/>
+                <a:cs typeface="Courier New" panose="02070309020205020404" pitchFamily="49" charset="0"/>
+              </a:rPr>
+            </a:br>
+            <a:r>
+              <a:rPr kumimoji="0" lang="ko-KR" altLang="ko-KR" sz="1200" b="0" i="0" u="none" strike="noStrike" cap="none" normalizeH="0" baseline="0" dirty="0">
+                <a:ln>
+                  <a:noFill/>
+                </a:ln>
+                <a:solidFill>
+                  <a:srgbClr val="A9B7C6"/>
+                </a:solidFill>
+                <a:effectLst/>
+                <a:latin typeface="Courier New" panose="02070309020205020404" pitchFamily="49" charset="0"/>
+                <a:cs typeface="Courier New" panose="02070309020205020404" pitchFamily="49" charset="0"/>
+              </a:rPr>
+              <a:t>        </a:t>
+            </a:r>
+            <a:r>
+              <a:rPr kumimoji="0" lang="ko-KR" altLang="ko-KR" sz="1200" b="0" i="0" u="none" strike="noStrike" cap="none" normalizeH="0" baseline="0" dirty="0" err="1">
+                <a:ln>
+                  <a:noFill/>
+                </a:ln>
+                <a:solidFill>
+                  <a:srgbClr val="94558D"/>
+                </a:solidFill>
+                <a:effectLst/>
+                <a:latin typeface="Courier New" panose="02070309020205020404" pitchFamily="49" charset="0"/>
+                <a:cs typeface="Courier New" panose="02070309020205020404" pitchFamily="49" charset="0"/>
+              </a:rPr>
+              <a:t>self</a:t>
+            </a:r>
+            <a:r>
+              <a:rPr kumimoji="0" lang="ko-KR" altLang="ko-KR" sz="1200" b="0" i="0" u="none" strike="noStrike" cap="none" normalizeH="0" baseline="0" dirty="0" err="1">
+                <a:ln>
+                  <a:noFill/>
+                </a:ln>
+                <a:solidFill>
+                  <a:srgbClr val="A9B7C6"/>
+                </a:solidFill>
+                <a:effectLst/>
+                <a:latin typeface="Courier New" panose="02070309020205020404" pitchFamily="49" charset="0"/>
+                <a:cs typeface="Courier New" panose="02070309020205020404" pitchFamily="49" charset="0"/>
+              </a:rPr>
+              <a:t>.screen</a:t>
+            </a:r>
+            <a:r>
+              <a:rPr kumimoji="0" lang="ko-KR" altLang="ko-KR" sz="1200" b="0" i="0" u="none" strike="noStrike" cap="none" normalizeH="0" baseline="0" dirty="0">
+                <a:ln>
+                  <a:noFill/>
+                </a:ln>
+                <a:solidFill>
+                  <a:srgbClr val="A9B7C6"/>
+                </a:solidFill>
+                <a:effectLst/>
+                <a:latin typeface="Courier New" panose="02070309020205020404" pitchFamily="49" charset="0"/>
+                <a:cs typeface="Courier New" panose="02070309020205020404" pitchFamily="49" charset="0"/>
+              </a:rPr>
+              <a:t> = </a:t>
+            </a:r>
+            <a:r>
+              <a:rPr kumimoji="0" lang="ko-KR" altLang="ko-KR" sz="1200" b="0" i="0" u="none" strike="noStrike" cap="none" normalizeH="0" baseline="0" dirty="0" err="1">
+                <a:ln>
+                  <a:noFill/>
+                </a:ln>
+                <a:solidFill>
+                  <a:srgbClr val="A9B7C6"/>
+                </a:solidFill>
+                <a:effectLst/>
+                <a:latin typeface="Courier New" panose="02070309020205020404" pitchFamily="49" charset="0"/>
+                <a:cs typeface="Courier New" panose="02070309020205020404" pitchFamily="49" charset="0"/>
+              </a:rPr>
+              <a:t>pygame.display.set_mode</a:t>
+            </a:r>
+            <a:r>
+              <a:rPr kumimoji="0" lang="ko-KR" altLang="ko-KR" sz="1200" b="0" i="0" u="none" strike="noStrike" cap="none" normalizeH="0" baseline="0" dirty="0">
+                <a:ln>
+                  <a:noFill/>
+                </a:ln>
+                <a:solidFill>
+                  <a:srgbClr val="A9B7C6"/>
+                </a:solidFill>
+                <a:effectLst/>
+                <a:latin typeface="Courier New" panose="02070309020205020404" pitchFamily="49" charset="0"/>
+                <a:cs typeface="Courier New" panose="02070309020205020404" pitchFamily="49" charset="0"/>
+              </a:rPr>
+              <a:t>((SCREEN_X</a:t>
+            </a:r>
+            <a:r>
+              <a:rPr kumimoji="0" lang="ko-KR" altLang="ko-KR" sz="1200" b="0" i="0" u="none" strike="noStrike" cap="none" normalizeH="0" baseline="0" dirty="0">
+                <a:ln>
+                  <a:noFill/>
+                </a:ln>
+                <a:solidFill>
+                  <a:srgbClr val="CC7832"/>
+                </a:solidFill>
+                <a:effectLst/>
+                <a:latin typeface="Courier New" panose="02070309020205020404" pitchFamily="49" charset="0"/>
+                <a:cs typeface="Courier New" panose="02070309020205020404" pitchFamily="49" charset="0"/>
+              </a:rPr>
+              <a:t>, </a:t>
+            </a:r>
+            <a:r>
+              <a:rPr kumimoji="0" lang="ko-KR" altLang="ko-KR" sz="1200" b="0" i="0" u="none" strike="noStrike" cap="none" normalizeH="0" baseline="0" dirty="0">
+                <a:ln>
+                  <a:noFill/>
+                </a:ln>
+                <a:solidFill>
+                  <a:srgbClr val="A9B7C6"/>
+                </a:solidFill>
+                <a:effectLst/>
+                <a:latin typeface="Courier New" panose="02070309020205020404" pitchFamily="49" charset="0"/>
+                <a:cs typeface="Courier New" panose="02070309020205020404" pitchFamily="49" charset="0"/>
+              </a:rPr>
+              <a:t>SCREEN_Y))  </a:t>
+            </a:r>
+            <a:r>
+              <a:rPr kumimoji="0" lang="ko-KR" altLang="ko-KR" sz="1200" b="0" i="0" u="none" strike="noStrike" cap="none" normalizeH="0" baseline="0" dirty="0">
+                <a:ln>
+                  <a:noFill/>
+                </a:ln>
+                <a:solidFill>
+                  <a:srgbClr val="808080"/>
+                </a:solidFill>
+                <a:effectLst/>
+                <a:latin typeface="Courier New" panose="02070309020205020404" pitchFamily="49" charset="0"/>
+                <a:cs typeface="Courier New" panose="02070309020205020404" pitchFamily="49" charset="0"/>
+              </a:rPr>
+              <a:t># </a:t>
+            </a:r>
+            <a:r>
+              <a:rPr kumimoji="0" lang="ko-KR" altLang="ko-KR" sz="1200" b="0" i="0" u="none" strike="noStrike" cap="none" normalizeH="0" baseline="0" dirty="0">
+                <a:ln>
+                  <a:noFill/>
+                </a:ln>
+                <a:solidFill>
+                  <a:srgbClr val="808080"/>
+                </a:solidFill>
+                <a:effectLst/>
+                <a:latin typeface="맑은 고딕" panose="020B0503020000020004" pitchFamily="50" charset="-127"/>
+                <a:ea typeface="맑은 고딕" panose="020B0503020000020004" pitchFamily="50" charset="-127"/>
+                <a:cs typeface="Courier New" panose="02070309020205020404" pitchFamily="49" charset="0"/>
+              </a:rPr>
+              <a:t>화면 세팅</a:t>
+            </a:r>
+            <a:br>
+              <a:rPr kumimoji="0" lang="ko-KR" altLang="ko-KR" sz="1200" b="0" i="0" u="none" strike="noStrike" cap="none" normalizeH="0" baseline="0" dirty="0">
+                <a:ln>
+                  <a:noFill/>
+                </a:ln>
+                <a:solidFill>
+                  <a:srgbClr val="808080"/>
+                </a:solidFill>
+                <a:effectLst/>
+                <a:latin typeface="맑은 고딕" panose="020B0503020000020004" pitchFamily="50" charset="-127"/>
+                <a:ea typeface="맑은 고딕" panose="020B0503020000020004" pitchFamily="50" charset="-127"/>
+                <a:cs typeface="Courier New" panose="02070309020205020404" pitchFamily="49" charset="0"/>
+              </a:rPr>
+            </a:br>
+            <a:r>
+              <a:rPr kumimoji="0" lang="ko-KR" altLang="ko-KR" sz="1200" b="0" i="0" u="none" strike="noStrike" cap="none" normalizeH="0" baseline="0" dirty="0">
+                <a:ln>
+                  <a:noFill/>
+                </a:ln>
+                <a:solidFill>
+                  <a:srgbClr val="808080"/>
+                </a:solidFill>
+                <a:effectLst/>
+                <a:latin typeface="맑은 고딕" panose="020B0503020000020004" pitchFamily="50" charset="-127"/>
+                <a:ea typeface="맑은 고딕" panose="020B0503020000020004" pitchFamily="50" charset="-127"/>
+                <a:cs typeface="Courier New" panose="02070309020205020404" pitchFamily="49" charset="0"/>
+              </a:rPr>
+              <a:t>        </a:t>
+            </a:r>
+            <a:r>
+              <a:rPr kumimoji="0" lang="ko-KR" altLang="ko-KR" sz="1200" b="0" i="0" u="none" strike="noStrike" cap="none" normalizeH="0" baseline="0" dirty="0" err="1">
+                <a:ln>
+                  <a:noFill/>
+                </a:ln>
+                <a:solidFill>
+                  <a:srgbClr val="94558D"/>
+                </a:solidFill>
+                <a:effectLst/>
+                <a:latin typeface="Courier New" panose="02070309020205020404" pitchFamily="49" charset="0"/>
+                <a:cs typeface="Courier New" panose="02070309020205020404" pitchFamily="49" charset="0"/>
+              </a:rPr>
+              <a:t>self</a:t>
+            </a:r>
+            <a:r>
+              <a:rPr kumimoji="0" lang="ko-KR" altLang="ko-KR" sz="1200" b="0" i="0" u="none" strike="noStrike" cap="none" normalizeH="0" baseline="0" dirty="0" err="1">
+                <a:ln>
+                  <a:noFill/>
+                </a:ln>
+                <a:solidFill>
+                  <a:srgbClr val="A9B7C6"/>
+                </a:solidFill>
+                <a:effectLst/>
+                <a:latin typeface="Courier New" panose="02070309020205020404" pitchFamily="49" charset="0"/>
+                <a:cs typeface="Courier New" panose="02070309020205020404" pitchFamily="49" charset="0"/>
+              </a:rPr>
+              <a:t>.clock</a:t>
+            </a:r>
+            <a:r>
+              <a:rPr kumimoji="0" lang="ko-KR" altLang="ko-KR" sz="1200" b="0" i="0" u="none" strike="noStrike" cap="none" normalizeH="0" baseline="0" dirty="0">
+                <a:ln>
+                  <a:noFill/>
+                </a:ln>
+                <a:solidFill>
+                  <a:srgbClr val="A9B7C6"/>
+                </a:solidFill>
+                <a:effectLst/>
+                <a:latin typeface="Courier New" panose="02070309020205020404" pitchFamily="49" charset="0"/>
+                <a:cs typeface="Courier New" panose="02070309020205020404" pitchFamily="49" charset="0"/>
+              </a:rPr>
+              <a:t> = </a:t>
+            </a:r>
+            <a:r>
+              <a:rPr kumimoji="0" lang="ko-KR" altLang="ko-KR" sz="1200" b="0" i="0" u="none" strike="noStrike" cap="none" normalizeH="0" baseline="0" dirty="0" err="1">
+                <a:ln>
+                  <a:noFill/>
+                </a:ln>
+                <a:solidFill>
+                  <a:srgbClr val="A9B7C6"/>
+                </a:solidFill>
+                <a:effectLst/>
+                <a:latin typeface="Courier New" panose="02070309020205020404" pitchFamily="49" charset="0"/>
+                <a:cs typeface="Courier New" panose="02070309020205020404" pitchFamily="49" charset="0"/>
+              </a:rPr>
+              <a:t>pygame.time.Clock</a:t>
+            </a:r>
+            <a:r>
+              <a:rPr kumimoji="0" lang="ko-KR" altLang="ko-KR" sz="1200" b="0" i="0" u="none" strike="noStrike" cap="none" normalizeH="0" baseline="0" dirty="0">
+                <a:ln>
+                  <a:noFill/>
+                </a:ln>
+                <a:solidFill>
+                  <a:srgbClr val="A9B7C6"/>
+                </a:solidFill>
+                <a:effectLst/>
+                <a:latin typeface="Courier New" panose="02070309020205020404" pitchFamily="49" charset="0"/>
+                <a:cs typeface="Courier New" panose="02070309020205020404" pitchFamily="49" charset="0"/>
+              </a:rPr>
+              <a:t>()  </a:t>
+            </a:r>
+            <a:r>
+              <a:rPr kumimoji="0" lang="ko-KR" altLang="ko-KR" sz="1200" b="0" i="0" u="none" strike="noStrike" cap="none" normalizeH="0" baseline="0" dirty="0">
+                <a:ln>
+                  <a:noFill/>
+                </a:ln>
+                <a:solidFill>
+                  <a:srgbClr val="808080"/>
+                </a:solidFill>
+                <a:effectLst/>
+                <a:latin typeface="Courier New" panose="02070309020205020404" pitchFamily="49" charset="0"/>
+                <a:cs typeface="Courier New" panose="02070309020205020404" pitchFamily="49" charset="0"/>
+              </a:rPr>
+              <a:t># </a:t>
+            </a:r>
+            <a:r>
+              <a:rPr kumimoji="0" lang="ko-KR" altLang="ko-KR" sz="1200" b="0" i="0" u="none" strike="noStrike" cap="none" normalizeH="0" baseline="0" dirty="0">
+                <a:ln>
+                  <a:noFill/>
+                </a:ln>
+                <a:solidFill>
+                  <a:srgbClr val="808080"/>
+                </a:solidFill>
+                <a:effectLst/>
+                <a:latin typeface="맑은 고딕" panose="020B0503020000020004" pitchFamily="50" charset="-127"/>
+                <a:ea typeface="맑은 고딕" panose="020B0503020000020004" pitchFamily="50" charset="-127"/>
+                <a:cs typeface="Courier New" panose="02070309020205020404" pitchFamily="49" charset="0"/>
+              </a:rPr>
+              <a:t>시계 지정</a:t>
+            </a:r>
+            <a:br>
+              <a:rPr kumimoji="0" lang="ko-KR" altLang="ko-KR" sz="1200" b="0" i="0" u="none" strike="noStrike" cap="none" normalizeH="0" baseline="0" dirty="0">
+                <a:ln>
+                  <a:noFill/>
+                </a:ln>
+                <a:solidFill>
+                  <a:srgbClr val="808080"/>
+                </a:solidFill>
+                <a:effectLst/>
+                <a:latin typeface="맑은 고딕" panose="020B0503020000020004" pitchFamily="50" charset="-127"/>
+                <a:ea typeface="맑은 고딕" panose="020B0503020000020004" pitchFamily="50" charset="-127"/>
+                <a:cs typeface="Courier New" panose="02070309020205020404" pitchFamily="49" charset="0"/>
+              </a:rPr>
+            </a:br>
+            <a:r>
+              <a:rPr kumimoji="0" lang="ko-KR" altLang="ko-KR" sz="1200" b="0" i="0" u="none" strike="noStrike" cap="none" normalizeH="0" baseline="0" dirty="0">
+                <a:ln>
+                  <a:noFill/>
+                </a:ln>
+                <a:solidFill>
+                  <a:srgbClr val="808080"/>
+                </a:solidFill>
+                <a:effectLst/>
+                <a:latin typeface="맑은 고딕" panose="020B0503020000020004" pitchFamily="50" charset="-127"/>
+                <a:ea typeface="맑은 고딕" panose="020B0503020000020004" pitchFamily="50" charset="-127"/>
+                <a:cs typeface="Courier New" panose="02070309020205020404" pitchFamily="49" charset="0"/>
+              </a:rPr>
+              <a:t>        </a:t>
+            </a:r>
+            <a:r>
+              <a:rPr kumimoji="0" lang="ko-KR" altLang="ko-KR" sz="1200" b="0" i="0" u="none" strike="noStrike" cap="none" normalizeH="0" baseline="0" dirty="0" err="1">
+                <a:ln>
+                  <a:noFill/>
+                </a:ln>
+                <a:solidFill>
+                  <a:srgbClr val="94558D"/>
+                </a:solidFill>
+                <a:effectLst/>
+                <a:latin typeface="Courier New" panose="02070309020205020404" pitchFamily="49" charset="0"/>
+                <a:cs typeface="Courier New" panose="02070309020205020404" pitchFamily="49" charset="0"/>
+              </a:rPr>
+              <a:t>self</a:t>
+            </a:r>
+            <a:r>
+              <a:rPr kumimoji="0" lang="ko-KR" altLang="ko-KR" sz="1200" b="0" i="0" u="none" strike="noStrike" cap="none" normalizeH="0" baseline="0" dirty="0" err="1">
+                <a:ln>
+                  <a:noFill/>
+                </a:ln>
+                <a:solidFill>
+                  <a:srgbClr val="A9B7C6"/>
+                </a:solidFill>
+                <a:effectLst/>
+                <a:latin typeface="Courier New" panose="02070309020205020404" pitchFamily="49" charset="0"/>
+                <a:cs typeface="Courier New" panose="02070309020205020404" pitchFamily="49" charset="0"/>
+              </a:rPr>
+              <a:t>.playing</a:t>
+            </a:r>
+            <a:r>
+              <a:rPr kumimoji="0" lang="ko-KR" altLang="ko-KR" sz="1200" b="0" i="0" u="none" strike="noStrike" cap="none" normalizeH="0" baseline="0" dirty="0">
+                <a:ln>
+                  <a:noFill/>
+                </a:ln>
+                <a:solidFill>
+                  <a:srgbClr val="A9B7C6"/>
+                </a:solidFill>
+                <a:effectLst/>
+                <a:latin typeface="Courier New" panose="02070309020205020404" pitchFamily="49" charset="0"/>
+                <a:cs typeface="Courier New" panose="02070309020205020404" pitchFamily="49" charset="0"/>
+              </a:rPr>
+              <a:t> = </a:t>
+            </a:r>
+            <a:r>
+              <a:rPr kumimoji="0" lang="ko-KR" altLang="ko-KR" sz="1200" b="0" i="0" u="none" strike="noStrike" cap="none" normalizeH="0" baseline="0" dirty="0" err="1">
+                <a:ln>
+                  <a:noFill/>
+                </a:ln>
+                <a:solidFill>
+                  <a:srgbClr val="CC7832"/>
+                </a:solidFill>
+                <a:effectLst/>
+                <a:latin typeface="Courier New" panose="02070309020205020404" pitchFamily="49" charset="0"/>
+                <a:cs typeface="Courier New" panose="02070309020205020404" pitchFamily="49" charset="0"/>
+              </a:rPr>
+              <a:t>True</a:t>
+            </a:r>
+            <a:br>
+              <a:rPr kumimoji="0" lang="ko-KR" altLang="ko-KR" sz="1200" b="0" i="0" u="none" strike="noStrike" cap="none" normalizeH="0" baseline="0" dirty="0">
+                <a:ln>
+                  <a:noFill/>
+                </a:ln>
+                <a:solidFill>
+                  <a:srgbClr val="CC7832"/>
+                </a:solidFill>
+                <a:effectLst/>
+                <a:latin typeface="Courier New" panose="02070309020205020404" pitchFamily="49" charset="0"/>
+                <a:cs typeface="Courier New" panose="02070309020205020404" pitchFamily="49" charset="0"/>
+              </a:rPr>
+            </a:br>
+            <a:r>
+              <a:rPr kumimoji="0" lang="ko-KR" altLang="ko-KR" sz="1200" b="0" i="0" u="none" strike="noStrike" cap="none" normalizeH="0" baseline="0" dirty="0">
+                <a:ln>
+                  <a:noFill/>
+                </a:ln>
+                <a:solidFill>
+                  <a:srgbClr val="CC7832"/>
+                </a:solidFill>
+                <a:effectLst/>
+                <a:latin typeface="Courier New" panose="02070309020205020404" pitchFamily="49" charset="0"/>
+                <a:cs typeface="Courier New" panose="02070309020205020404" pitchFamily="49" charset="0"/>
+              </a:rPr>
+              <a:t>        </a:t>
+            </a:r>
+            <a:r>
+              <a:rPr kumimoji="0" lang="ko-KR" altLang="ko-KR" sz="1200" b="0" i="0" u="none" strike="noStrike" cap="none" normalizeH="0" baseline="0" dirty="0" err="1">
+                <a:ln>
+                  <a:noFill/>
+                </a:ln>
+                <a:solidFill>
+                  <a:srgbClr val="94558D"/>
+                </a:solidFill>
+                <a:effectLst/>
+                <a:latin typeface="Courier New" panose="02070309020205020404" pitchFamily="49" charset="0"/>
+                <a:cs typeface="Courier New" panose="02070309020205020404" pitchFamily="49" charset="0"/>
+              </a:rPr>
+              <a:t>self</a:t>
+            </a:r>
+            <a:r>
+              <a:rPr kumimoji="0" lang="ko-KR" altLang="ko-KR" sz="1200" b="0" i="0" u="none" strike="noStrike" cap="none" normalizeH="0" baseline="0" dirty="0" err="1">
+                <a:ln>
+                  <a:noFill/>
+                </a:ln>
+                <a:solidFill>
+                  <a:srgbClr val="A9B7C6"/>
+                </a:solidFill>
+                <a:effectLst/>
+                <a:latin typeface="Courier New" panose="02070309020205020404" pitchFamily="49" charset="0"/>
+                <a:cs typeface="Courier New" panose="02070309020205020404" pitchFamily="49" charset="0"/>
+              </a:rPr>
+              <a:t>.all_sprites</a:t>
+            </a:r>
+            <a:r>
+              <a:rPr kumimoji="0" lang="ko-KR" altLang="ko-KR" sz="1200" b="0" i="0" u="none" strike="noStrike" cap="none" normalizeH="0" baseline="0" dirty="0">
+                <a:ln>
+                  <a:noFill/>
+                </a:ln>
+                <a:solidFill>
+                  <a:srgbClr val="A9B7C6"/>
+                </a:solidFill>
+                <a:effectLst/>
+                <a:latin typeface="Courier New" panose="02070309020205020404" pitchFamily="49" charset="0"/>
+                <a:cs typeface="Courier New" panose="02070309020205020404" pitchFamily="49" charset="0"/>
+              </a:rPr>
+              <a:t> = </a:t>
+            </a:r>
+            <a:r>
+              <a:rPr kumimoji="0" lang="ko-KR" altLang="ko-KR" sz="1200" b="0" i="0" u="none" strike="noStrike" cap="none" normalizeH="0" baseline="0" dirty="0" err="1">
+                <a:ln>
+                  <a:noFill/>
+                </a:ln>
+                <a:solidFill>
+                  <a:srgbClr val="A9B7C6"/>
+                </a:solidFill>
+                <a:effectLst/>
+                <a:latin typeface="Courier New" panose="02070309020205020404" pitchFamily="49" charset="0"/>
+                <a:cs typeface="Courier New" panose="02070309020205020404" pitchFamily="49" charset="0"/>
+              </a:rPr>
+              <a:t>pygame.sprite.LayeredUpdates</a:t>
+            </a:r>
+            <a:r>
+              <a:rPr kumimoji="0" lang="ko-KR" altLang="ko-KR" sz="1200" b="0" i="0" u="none" strike="noStrike" cap="none" normalizeH="0" baseline="0" dirty="0">
+                <a:ln>
+                  <a:noFill/>
+                </a:ln>
+                <a:solidFill>
+                  <a:srgbClr val="A9B7C6"/>
+                </a:solidFill>
+                <a:effectLst/>
+                <a:latin typeface="Courier New" panose="02070309020205020404" pitchFamily="49" charset="0"/>
+                <a:cs typeface="Courier New" panose="02070309020205020404" pitchFamily="49" charset="0"/>
+              </a:rPr>
+              <a:t>()</a:t>
+            </a:r>
+            <a:br>
+              <a:rPr kumimoji="0" lang="ko-KR" altLang="ko-KR" sz="1200" b="0" i="0" u="none" strike="noStrike" cap="none" normalizeH="0" baseline="0" dirty="0">
+                <a:ln>
+                  <a:noFill/>
+                </a:ln>
+                <a:solidFill>
+                  <a:srgbClr val="A9B7C6"/>
+                </a:solidFill>
+                <a:effectLst/>
+                <a:latin typeface="Courier New" panose="02070309020205020404" pitchFamily="49" charset="0"/>
+                <a:cs typeface="Courier New" panose="02070309020205020404" pitchFamily="49" charset="0"/>
+              </a:rPr>
+            </a:br>
+            <a:br>
+              <a:rPr kumimoji="0" lang="ko-KR" altLang="ko-KR" sz="1200" b="0" i="0" u="none" strike="noStrike" cap="none" normalizeH="0" baseline="0" dirty="0">
+                <a:ln>
+                  <a:noFill/>
+                </a:ln>
+                <a:solidFill>
+                  <a:srgbClr val="A9B7C6"/>
+                </a:solidFill>
+                <a:effectLst/>
+                <a:latin typeface="Courier New" panose="02070309020205020404" pitchFamily="49" charset="0"/>
+                <a:cs typeface="Courier New" panose="02070309020205020404" pitchFamily="49" charset="0"/>
+              </a:rPr>
+            </a:br>
+            <a:r>
+              <a:rPr kumimoji="0" lang="ko-KR" altLang="ko-KR" sz="1200" b="0" i="0" u="none" strike="noStrike" cap="none" normalizeH="0" baseline="0" dirty="0">
+                <a:ln>
+                  <a:noFill/>
+                </a:ln>
+                <a:solidFill>
+                  <a:srgbClr val="A9B7C6"/>
+                </a:solidFill>
+                <a:effectLst/>
+                <a:latin typeface="Courier New" panose="02070309020205020404" pitchFamily="49" charset="0"/>
+                <a:cs typeface="Courier New" panose="02070309020205020404" pitchFamily="49" charset="0"/>
+              </a:rPr>
+              <a:t>    </a:t>
+            </a:r>
+            <a:r>
+              <a:rPr kumimoji="0" lang="ko-KR" altLang="ko-KR" sz="1200" b="0" i="0" u="none" strike="noStrike" cap="none" normalizeH="0" baseline="0" dirty="0" err="1">
+                <a:ln>
+                  <a:noFill/>
+                </a:ln>
+                <a:solidFill>
+                  <a:srgbClr val="CC7832"/>
+                </a:solidFill>
+                <a:effectLst/>
+                <a:latin typeface="Courier New" panose="02070309020205020404" pitchFamily="49" charset="0"/>
+                <a:cs typeface="Courier New" panose="02070309020205020404" pitchFamily="49" charset="0"/>
+              </a:rPr>
+              <a:t>def</a:t>
+            </a:r>
+            <a:r>
+              <a:rPr kumimoji="0" lang="ko-KR" altLang="ko-KR" sz="1200" b="0" i="0" u="none" strike="noStrike" cap="none" normalizeH="0" baseline="0" dirty="0">
+                <a:ln>
+                  <a:noFill/>
+                </a:ln>
+                <a:solidFill>
+                  <a:srgbClr val="CC7832"/>
+                </a:solidFill>
+                <a:effectLst/>
+                <a:latin typeface="Courier New" panose="02070309020205020404" pitchFamily="49" charset="0"/>
+                <a:cs typeface="Courier New" panose="02070309020205020404" pitchFamily="49" charset="0"/>
+              </a:rPr>
+              <a:t> </a:t>
+            </a:r>
+            <a:r>
+              <a:rPr kumimoji="0" lang="ko-KR" altLang="ko-KR" sz="1200" b="0" i="0" u="none" strike="noStrike" cap="none" normalizeH="0" baseline="0" dirty="0" err="1">
+                <a:ln>
+                  <a:noFill/>
+                </a:ln>
+                <a:solidFill>
+                  <a:srgbClr val="FFC66D"/>
+                </a:solidFill>
+                <a:effectLst/>
+                <a:latin typeface="Courier New" panose="02070309020205020404" pitchFamily="49" charset="0"/>
+                <a:cs typeface="Courier New" panose="02070309020205020404" pitchFamily="49" charset="0"/>
+              </a:rPr>
+              <a:t>run</a:t>
+            </a:r>
+            <a:r>
+              <a:rPr kumimoji="0" lang="ko-KR" altLang="ko-KR" sz="1200" b="0" i="0" u="none" strike="noStrike" cap="none" normalizeH="0" baseline="0" dirty="0">
+                <a:ln>
+                  <a:noFill/>
+                </a:ln>
+                <a:solidFill>
+                  <a:srgbClr val="A9B7C6"/>
+                </a:solidFill>
+                <a:effectLst/>
+                <a:latin typeface="Courier New" panose="02070309020205020404" pitchFamily="49" charset="0"/>
+                <a:cs typeface="Courier New" panose="02070309020205020404" pitchFamily="49" charset="0"/>
+              </a:rPr>
+              <a:t>(</a:t>
+            </a:r>
+            <a:r>
+              <a:rPr kumimoji="0" lang="ko-KR" altLang="ko-KR" sz="1200" b="0" i="0" u="none" strike="noStrike" cap="none" normalizeH="0" baseline="0" dirty="0" err="1">
+                <a:ln>
+                  <a:noFill/>
+                </a:ln>
+                <a:solidFill>
+                  <a:srgbClr val="94558D"/>
+                </a:solidFill>
+                <a:effectLst/>
+                <a:latin typeface="Courier New" panose="02070309020205020404" pitchFamily="49" charset="0"/>
+                <a:cs typeface="Courier New" panose="02070309020205020404" pitchFamily="49" charset="0"/>
+              </a:rPr>
+              <a:t>self</a:t>
+            </a:r>
+            <a:r>
+              <a:rPr kumimoji="0" lang="ko-KR" altLang="ko-KR" sz="1200" b="0" i="0" u="none" strike="noStrike" cap="none" normalizeH="0" baseline="0" dirty="0">
+                <a:ln>
+                  <a:noFill/>
+                </a:ln>
+                <a:solidFill>
+                  <a:srgbClr val="A9B7C6"/>
+                </a:solidFill>
+                <a:effectLst/>
+                <a:latin typeface="Courier New" panose="02070309020205020404" pitchFamily="49" charset="0"/>
+                <a:cs typeface="Courier New" panose="02070309020205020404" pitchFamily="49" charset="0"/>
+              </a:rPr>
+              <a:t>):</a:t>
+            </a:r>
+            <a:br>
+              <a:rPr kumimoji="0" lang="ko-KR" altLang="ko-KR" sz="1200" b="0" i="0" u="none" strike="noStrike" cap="none" normalizeH="0" baseline="0" dirty="0">
+                <a:ln>
+                  <a:noFill/>
+                </a:ln>
+                <a:solidFill>
+                  <a:srgbClr val="A9B7C6"/>
+                </a:solidFill>
+                <a:effectLst/>
+                <a:latin typeface="Courier New" panose="02070309020205020404" pitchFamily="49" charset="0"/>
+                <a:cs typeface="Courier New" panose="02070309020205020404" pitchFamily="49" charset="0"/>
+              </a:rPr>
+            </a:br>
+            <a:br>
+              <a:rPr kumimoji="0" lang="ko-KR" altLang="ko-KR" sz="1200" b="0" i="0" u="none" strike="noStrike" cap="none" normalizeH="0" baseline="0" dirty="0">
+                <a:ln>
+                  <a:noFill/>
+                </a:ln>
+                <a:solidFill>
+                  <a:srgbClr val="A9B7C6"/>
+                </a:solidFill>
+                <a:effectLst/>
+                <a:latin typeface="Courier New" panose="02070309020205020404" pitchFamily="49" charset="0"/>
+                <a:cs typeface="Courier New" panose="02070309020205020404" pitchFamily="49" charset="0"/>
+              </a:rPr>
+            </a:br>
+            <a:r>
+              <a:rPr kumimoji="0" lang="ko-KR" altLang="ko-KR" sz="1200" b="0" i="0" u="none" strike="noStrike" cap="none" normalizeH="0" baseline="0" dirty="0">
+                <a:ln>
+                  <a:noFill/>
+                </a:ln>
+                <a:solidFill>
+                  <a:srgbClr val="A9B7C6"/>
+                </a:solidFill>
+                <a:effectLst/>
+                <a:latin typeface="Courier New" panose="02070309020205020404" pitchFamily="49" charset="0"/>
+                <a:cs typeface="Courier New" panose="02070309020205020404" pitchFamily="49" charset="0"/>
+              </a:rPr>
+              <a:t>        </a:t>
+            </a:r>
+            <a:r>
+              <a:rPr kumimoji="0" lang="ko-KR" altLang="ko-KR" sz="1200" b="0" i="0" u="none" strike="noStrike" cap="none" normalizeH="0" baseline="0" dirty="0" err="1">
+                <a:ln>
+                  <a:noFill/>
+                </a:ln>
+                <a:solidFill>
+                  <a:srgbClr val="CC7832"/>
+                </a:solidFill>
+                <a:effectLst/>
+                <a:latin typeface="Courier New" panose="02070309020205020404" pitchFamily="49" charset="0"/>
+                <a:cs typeface="Courier New" panose="02070309020205020404" pitchFamily="49" charset="0"/>
+              </a:rPr>
+              <a:t>for</a:t>
+            </a:r>
+            <a:r>
+              <a:rPr kumimoji="0" lang="ko-KR" altLang="ko-KR" sz="1200" b="0" i="0" u="none" strike="noStrike" cap="none" normalizeH="0" baseline="0" dirty="0">
+                <a:ln>
+                  <a:noFill/>
+                </a:ln>
+                <a:solidFill>
+                  <a:srgbClr val="CC7832"/>
+                </a:solidFill>
+                <a:effectLst/>
+                <a:latin typeface="Courier New" panose="02070309020205020404" pitchFamily="49" charset="0"/>
+                <a:cs typeface="Courier New" panose="02070309020205020404" pitchFamily="49" charset="0"/>
+              </a:rPr>
+              <a:t> </a:t>
+            </a:r>
+            <a:r>
+              <a:rPr kumimoji="0" lang="ko-KR" altLang="ko-KR" sz="1200" b="0" i="0" u="none" strike="noStrike" cap="none" normalizeH="0" baseline="0" dirty="0">
+                <a:ln>
+                  <a:noFill/>
+                </a:ln>
+                <a:solidFill>
+                  <a:srgbClr val="A9B7C6"/>
+                </a:solidFill>
+                <a:effectLst/>
+                <a:latin typeface="Courier New" panose="02070309020205020404" pitchFamily="49" charset="0"/>
+                <a:cs typeface="Courier New" panose="02070309020205020404" pitchFamily="49" charset="0"/>
+              </a:rPr>
+              <a:t>_ </a:t>
+            </a:r>
+            <a:r>
+              <a:rPr kumimoji="0" lang="ko-KR" altLang="ko-KR" sz="1200" b="0" i="0" u="none" strike="noStrike" cap="none" normalizeH="0" baseline="0" dirty="0" err="1">
+                <a:ln>
+                  <a:noFill/>
+                </a:ln>
+                <a:solidFill>
+                  <a:srgbClr val="CC7832"/>
+                </a:solidFill>
+                <a:effectLst/>
+                <a:latin typeface="Courier New" panose="02070309020205020404" pitchFamily="49" charset="0"/>
+                <a:cs typeface="Courier New" panose="02070309020205020404" pitchFamily="49" charset="0"/>
+              </a:rPr>
+              <a:t>in</a:t>
+            </a:r>
+            <a:r>
+              <a:rPr kumimoji="0" lang="ko-KR" altLang="ko-KR" sz="1200" b="0" i="0" u="none" strike="noStrike" cap="none" normalizeH="0" baseline="0" dirty="0">
+                <a:ln>
+                  <a:noFill/>
+                </a:ln>
+                <a:solidFill>
+                  <a:srgbClr val="CC7832"/>
+                </a:solidFill>
+                <a:effectLst/>
+                <a:latin typeface="Courier New" panose="02070309020205020404" pitchFamily="49" charset="0"/>
+                <a:cs typeface="Courier New" panose="02070309020205020404" pitchFamily="49" charset="0"/>
+              </a:rPr>
+              <a:t> </a:t>
+            </a:r>
+            <a:r>
+              <a:rPr kumimoji="0" lang="ko-KR" altLang="ko-KR" sz="1200" b="0" i="0" u="none" strike="noStrike" cap="none" normalizeH="0" baseline="0" dirty="0" err="1">
+                <a:ln>
+                  <a:noFill/>
+                </a:ln>
+                <a:solidFill>
+                  <a:srgbClr val="8888C6"/>
+                </a:solidFill>
+                <a:effectLst/>
+                <a:latin typeface="Courier New" panose="02070309020205020404" pitchFamily="49" charset="0"/>
+                <a:cs typeface="Courier New" panose="02070309020205020404" pitchFamily="49" charset="0"/>
+              </a:rPr>
+              <a:t>range</a:t>
+            </a:r>
+            <a:r>
+              <a:rPr kumimoji="0" lang="ko-KR" altLang="ko-KR" sz="1200" b="0" i="0" u="none" strike="noStrike" cap="none" normalizeH="0" baseline="0" dirty="0">
+                <a:ln>
+                  <a:noFill/>
+                </a:ln>
+                <a:solidFill>
+                  <a:srgbClr val="A9B7C6"/>
+                </a:solidFill>
+                <a:effectLst/>
+                <a:latin typeface="Courier New" panose="02070309020205020404" pitchFamily="49" charset="0"/>
+                <a:cs typeface="Courier New" panose="02070309020205020404" pitchFamily="49" charset="0"/>
+              </a:rPr>
+              <a:t>(</a:t>
+            </a:r>
+            <a:r>
+              <a:rPr kumimoji="0" lang="ko-KR" altLang="ko-KR" sz="1200" b="0" i="0" u="none" strike="noStrike" cap="none" normalizeH="0" baseline="0" dirty="0">
+                <a:ln>
+                  <a:noFill/>
+                </a:ln>
+                <a:solidFill>
+                  <a:srgbClr val="6897BB"/>
+                </a:solidFill>
+                <a:effectLst/>
+                <a:latin typeface="Courier New" panose="02070309020205020404" pitchFamily="49" charset="0"/>
+                <a:cs typeface="Courier New" panose="02070309020205020404" pitchFamily="49" charset="0"/>
+              </a:rPr>
+              <a:t>10</a:t>
+            </a:r>
+            <a:r>
+              <a:rPr kumimoji="0" lang="ko-KR" altLang="ko-KR" sz="1200" b="0" i="0" u="none" strike="noStrike" cap="none" normalizeH="0" baseline="0" dirty="0">
+                <a:ln>
+                  <a:noFill/>
+                </a:ln>
+                <a:solidFill>
+                  <a:srgbClr val="A9B7C6"/>
+                </a:solidFill>
+                <a:effectLst/>
+                <a:latin typeface="Courier New" panose="02070309020205020404" pitchFamily="49" charset="0"/>
+                <a:cs typeface="Courier New" panose="02070309020205020404" pitchFamily="49" charset="0"/>
+              </a:rPr>
+              <a:t>):</a:t>
+            </a:r>
+            <a:br>
+              <a:rPr kumimoji="0" lang="ko-KR" altLang="ko-KR" sz="1200" b="0" i="0" u="none" strike="noStrike" cap="none" normalizeH="0" baseline="0" dirty="0">
+                <a:ln>
+                  <a:noFill/>
+                </a:ln>
+                <a:solidFill>
+                  <a:srgbClr val="A9B7C6"/>
+                </a:solidFill>
+                <a:effectLst/>
+                <a:latin typeface="Courier New" panose="02070309020205020404" pitchFamily="49" charset="0"/>
+                <a:cs typeface="Courier New" panose="02070309020205020404" pitchFamily="49" charset="0"/>
+              </a:rPr>
+            </a:br>
+            <a:r>
+              <a:rPr kumimoji="0" lang="ko-KR" altLang="ko-KR" sz="1200" b="0" i="0" u="none" strike="noStrike" cap="none" normalizeH="0" baseline="0" dirty="0">
+                <a:ln>
+                  <a:noFill/>
+                </a:ln>
+                <a:solidFill>
+                  <a:srgbClr val="A9B7C6"/>
+                </a:solidFill>
+                <a:effectLst/>
+                <a:latin typeface="Courier New" panose="02070309020205020404" pitchFamily="49" charset="0"/>
+                <a:cs typeface="Courier New" panose="02070309020205020404" pitchFamily="49" charset="0"/>
+              </a:rPr>
+              <a:t>            </a:t>
+            </a:r>
+            <a:r>
+              <a:rPr kumimoji="0" lang="ko-KR" altLang="ko-KR" sz="1200" b="0" i="0" u="none" strike="noStrike" cap="none" normalizeH="0" baseline="0" dirty="0" err="1">
+                <a:ln>
+                  <a:noFill/>
+                </a:ln>
+                <a:solidFill>
+                  <a:srgbClr val="94558D"/>
+                </a:solidFill>
+                <a:effectLst/>
+                <a:latin typeface="Courier New" panose="02070309020205020404" pitchFamily="49" charset="0"/>
+                <a:cs typeface="Courier New" panose="02070309020205020404" pitchFamily="49" charset="0"/>
+              </a:rPr>
+              <a:t>self</a:t>
+            </a:r>
+            <a:r>
+              <a:rPr kumimoji="0" lang="ko-KR" altLang="ko-KR" sz="1200" b="0" i="0" u="none" strike="noStrike" cap="none" normalizeH="0" baseline="0" dirty="0" err="1">
+                <a:ln>
+                  <a:noFill/>
+                </a:ln>
+                <a:solidFill>
+                  <a:srgbClr val="A9B7C6"/>
+                </a:solidFill>
+                <a:effectLst/>
+                <a:latin typeface="Courier New" panose="02070309020205020404" pitchFamily="49" charset="0"/>
+                <a:cs typeface="Courier New" panose="02070309020205020404" pitchFamily="49" charset="0"/>
+              </a:rPr>
+              <a:t>.all_sprites.add</a:t>
+            </a:r>
+            <a:r>
+              <a:rPr kumimoji="0" lang="ko-KR" altLang="ko-KR" sz="1200" b="0" i="0" u="none" strike="noStrike" cap="none" normalizeH="0" baseline="0" dirty="0">
+                <a:ln>
+                  <a:noFill/>
+                </a:ln>
+                <a:solidFill>
+                  <a:srgbClr val="A9B7C6"/>
+                </a:solidFill>
+                <a:effectLst/>
+                <a:latin typeface="Courier New" panose="02070309020205020404" pitchFamily="49" charset="0"/>
+                <a:cs typeface="Courier New" panose="02070309020205020404" pitchFamily="49" charset="0"/>
+              </a:rPr>
+              <a:t>(Rect1(</a:t>
+            </a:r>
+            <a:r>
+              <a:rPr kumimoji="0" lang="ko-KR" altLang="ko-KR" sz="1200" b="0" i="0" u="none" strike="noStrike" cap="none" normalizeH="0" baseline="0" dirty="0" err="1">
+                <a:ln>
+                  <a:noFill/>
+                </a:ln>
+                <a:solidFill>
+                  <a:srgbClr val="94558D"/>
+                </a:solidFill>
+                <a:effectLst/>
+                <a:latin typeface="Courier New" panose="02070309020205020404" pitchFamily="49" charset="0"/>
+                <a:cs typeface="Courier New" panose="02070309020205020404" pitchFamily="49" charset="0"/>
+              </a:rPr>
+              <a:t>self</a:t>
+            </a:r>
+            <a:r>
+              <a:rPr kumimoji="0" lang="ko-KR" altLang="ko-KR" sz="1200" b="0" i="0" u="none" strike="noStrike" cap="none" normalizeH="0" baseline="0" dirty="0">
+                <a:ln>
+                  <a:noFill/>
+                </a:ln>
+                <a:solidFill>
+                  <a:srgbClr val="CC7832"/>
+                </a:solidFill>
+                <a:effectLst/>
+                <a:latin typeface="Courier New" panose="02070309020205020404" pitchFamily="49" charset="0"/>
+                <a:cs typeface="Courier New" panose="02070309020205020404" pitchFamily="49" charset="0"/>
+              </a:rPr>
+              <a:t>, </a:t>
+            </a:r>
+            <a:r>
+              <a:rPr kumimoji="0" lang="ko-KR" altLang="ko-KR" sz="1200" b="0" i="0" u="none" strike="noStrike" cap="none" normalizeH="0" baseline="0" dirty="0" err="1">
+                <a:ln>
+                  <a:noFill/>
+                </a:ln>
+                <a:solidFill>
+                  <a:srgbClr val="A9B7C6"/>
+                </a:solidFill>
+                <a:effectLst/>
+                <a:latin typeface="Courier New" panose="02070309020205020404" pitchFamily="49" charset="0"/>
+                <a:cs typeface="Courier New" panose="02070309020205020404" pitchFamily="49" charset="0"/>
+              </a:rPr>
+              <a:t>vec</a:t>
+            </a:r>
+            <a:r>
+              <a:rPr kumimoji="0" lang="ko-KR" altLang="ko-KR" sz="1200" b="0" i="0" u="none" strike="noStrike" cap="none" normalizeH="0" baseline="0" dirty="0">
+                <a:ln>
+                  <a:noFill/>
+                </a:ln>
+                <a:solidFill>
+                  <a:srgbClr val="A9B7C6"/>
+                </a:solidFill>
+                <a:effectLst/>
+                <a:latin typeface="Courier New" panose="02070309020205020404" pitchFamily="49" charset="0"/>
+                <a:cs typeface="Courier New" panose="02070309020205020404" pitchFamily="49" charset="0"/>
+              </a:rPr>
+              <a:t>(</a:t>
+            </a:r>
+            <a:r>
+              <a:rPr kumimoji="0" lang="ko-KR" altLang="ko-KR" sz="1200" b="0" i="0" u="none" strike="noStrike" cap="none" normalizeH="0" baseline="0" dirty="0">
+                <a:ln>
+                  <a:noFill/>
+                </a:ln>
+                <a:solidFill>
+                  <a:srgbClr val="6897BB"/>
+                </a:solidFill>
+                <a:effectLst/>
+                <a:latin typeface="Courier New" panose="02070309020205020404" pitchFamily="49" charset="0"/>
+                <a:cs typeface="Courier New" panose="02070309020205020404" pitchFamily="49" charset="0"/>
+              </a:rPr>
+              <a:t>0</a:t>
+            </a:r>
+            <a:r>
+              <a:rPr kumimoji="0" lang="ko-KR" altLang="ko-KR" sz="1200" b="0" i="0" u="none" strike="noStrike" cap="none" normalizeH="0" baseline="0" dirty="0">
+                <a:ln>
+                  <a:noFill/>
+                </a:ln>
+                <a:solidFill>
+                  <a:srgbClr val="CC7832"/>
+                </a:solidFill>
+                <a:effectLst/>
+                <a:latin typeface="Courier New" panose="02070309020205020404" pitchFamily="49" charset="0"/>
+                <a:cs typeface="Courier New" panose="02070309020205020404" pitchFamily="49" charset="0"/>
+              </a:rPr>
+              <a:t>,</a:t>
+            </a:r>
+            <a:r>
+              <a:rPr kumimoji="0" lang="ko-KR" altLang="ko-KR" sz="1200" b="0" i="0" u="none" strike="noStrike" cap="none" normalizeH="0" baseline="0" dirty="0">
+                <a:ln>
+                  <a:noFill/>
+                </a:ln>
+                <a:solidFill>
+                  <a:srgbClr val="6897BB"/>
+                </a:solidFill>
+                <a:effectLst/>
+                <a:latin typeface="Courier New" panose="02070309020205020404" pitchFamily="49" charset="0"/>
+                <a:cs typeface="Courier New" panose="02070309020205020404" pitchFamily="49" charset="0"/>
+              </a:rPr>
+              <a:t>0</a:t>
+            </a:r>
+            <a:r>
+              <a:rPr kumimoji="0" lang="ko-KR" altLang="ko-KR" sz="1200" b="0" i="0" u="none" strike="noStrike" cap="none" normalizeH="0" baseline="0" dirty="0">
+                <a:ln>
+                  <a:noFill/>
+                </a:ln>
+                <a:solidFill>
+                  <a:srgbClr val="A9B7C6"/>
+                </a:solidFill>
+                <a:effectLst/>
+                <a:latin typeface="Courier New" panose="02070309020205020404" pitchFamily="49" charset="0"/>
+                <a:cs typeface="Courier New" panose="02070309020205020404" pitchFamily="49" charset="0"/>
+              </a:rPr>
+              <a:t>)</a:t>
+            </a:r>
+            <a:r>
+              <a:rPr kumimoji="0" lang="ko-KR" altLang="ko-KR" sz="1200" b="0" i="0" u="none" strike="noStrike" cap="none" normalizeH="0" baseline="0" dirty="0">
+                <a:ln>
+                  <a:noFill/>
+                </a:ln>
+                <a:solidFill>
+                  <a:srgbClr val="CC7832"/>
+                </a:solidFill>
+                <a:effectLst/>
+                <a:latin typeface="Courier New" panose="02070309020205020404" pitchFamily="49" charset="0"/>
+                <a:cs typeface="Courier New" panose="02070309020205020404" pitchFamily="49" charset="0"/>
+              </a:rPr>
+              <a:t>, </a:t>
+            </a:r>
+            <a:r>
+              <a:rPr kumimoji="0" lang="en-US" altLang="ko-KR" sz="1200" b="0" i="0" u="none" strike="noStrike" cap="none" normalizeH="0" baseline="0" dirty="0">
+                <a:ln>
+                  <a:noFill/>
+                </a:ln>
+                <a:solidFill>
+                  <a:srgbClr val="CC7832"/>
+                </a:solidFill>
+                <a:effectLst/>
+                <a:latin typeface="Courier New" panose="02070309020205020404" pitchFamily="49" charset="0"/>
+                <a:cs typeface="Courier New" panose="02070309020205020404" pitchFamily="49" charset="0"/>
+              </a:rPr>
+              <a:t>   	  		</a:t>
+            </a:r>
+            <a:r>
+              <a:rPr kumimoji="0" lang="ko-KR" altLang="ko-KR" sz="1200" b="0" i="0" u="none" strike="noStrike" cap="none" normalizeH="0" baseline="0" dirty="0">
+                <a:ln>
+                  <a:noFill/>
+                </a:ln>
+                <a:solidFill>
+                  <a:srgbClr val="A9B7C6"/>
+                </a:solidFill>
+                <a:effectLst/>
+                <a:latin typeface="Courier New" panose="02070309020205020404" pitchFamily="49" charset="0"/>
+                <a:cs typeface="Courier New" panose="02070309020205020404" pitchFamily="49" charset="0"/>
+              </a:rPr>
+              <a:t>(</a:t>
+            </a:r>
+            <a:r>
+              <a:rPr kumimoji="0" lang="ko-KR" altLang="ko-KR" sz="1200" b="0" i="0" u="none" strike="noStrike" cap="none" normalizeH="0" baseline="0" dirty="0" err="1">
+                <a:ln>
+                  <a:noFill/>
+                </a:ln>
+                <a:solidFill>
+                  <a:srgbClr val="A9B7C6"/>
+                </a:solidFill>
+                <a:effectLst/>
+                <a:latin typeface="Courier New" panose="02070309020205020404" pitchFamily="49" charset="0"/>
+                <a:cs typeface="Courier New" panose="02070309020205020404" pitchFamily="49" charset="0"/>
+              </a:rPr>
+              <a:t>random.randint</a:t>
+            </a:r>
+            <a:r>
+              <a:rPr kumimoji="0" lang="ko-KR" altLang="ko-KR" sz="1200" b="0" i="0" u="none" strike="noStrike" cap="none" normalizeH="0" baseline="0" dirty="0">
+                <a:ln>
+                  <a:noFill/>
+                </a:ln>
+                <a:solidFill>
+                  <a:srgbClr val="A9B7C6"/>
+                </a:solidFill>
+                <a:effectLst/>
+                <a:latin typeface="Courier New" panose="02070309020205020404" pitchFamily="49" charset="0"/>
+                <a:cs typeface="Courier New" panose="02070309020205020404" pitchFamily="49" charset="0"/>
+              </a:rPr>
+              <a:t>(</a:t>
+            </a:r>
+            <a:r>
+              <a:rPr kumimoji="0" lang="ko-KR" altLang="ko-KR" sz="1200" b="0" i="0" u="none" strike="noStrike" cap="none" normalizeH="0" baseline="0" dirty="0">
+                <a:ln>
+                  <a:noFill/>
+                </a:ln>
+                <a:solidFill>
+                  <a:srgbClr val="6897BB"/>
+                </a:solidFill>
+                <a:effectLst/>
+                <a:latin typeface="Courier New" panose="02070309020205020404" pitchFamily="49" charset="0"/>
+                <a:cs typeface="Courier New" panose="02070309020205020404" pitchFamily="49" charset="0"/>
+              </a:rPr>
+              <a:t>0</a:t>
+            </a:r>
+            <a:r>
+              <a:rPr kumimoji="0" lang="ko-KR" altLang="ko-KR" sz="1200" b="0" i="0" u="none" strike="noStrike" cap="none" normalizeH="0" baseline="0" dirty="0">
+                <a:ln>
+                  <a:noFill/>
+                </a:ln>
+                <a:solidFill>
+                  <a:srgbClr val="CC7832"/>
+                </a:solidFill>
+                <a:effectLst/>
+                <a:latin typeface="Courier New" panose="02070309020205020404" pitchFamily="49" charset="0"/>
+                <a:cs typeface="Courier New" panose="02070309020205020404" pitchFamily="49" charset="0"/>
+              </a:rPr>
+              <a:t>,</a:t>
+            </a:r>
+            <a:r>
+              <a:rPr kumimoji="0" lang="ko-KR" altLang="ko-KR" sz="1200" b="0" i="0" u="none" strike="noStrike" cap="none" normalizeH="0" baseline="0" dirty="0">
+                <a:ln>
+                  <a:noFill/>
+                </a:ln>
+                <a:solidFill>
+                  <a:srgbClr val="6897BB"/>
+                </a:solidFill>
+                <a:effectLst/>
+                <a:latin typeface="Courier New" panose="02070309020205020404" pitchFamily="49" charset="0"/>
+                <a:cs typeface="Courier New" panose="02070309020205020404" pitchFamily="49" charset="0"/>
+              </a:rPr>
+              <a:t>255</a:t>
+            </a:r>
+            <a:r>
+              <a:rPr kumimoji="0" lang="ko-KR" altLang="ko-KR" sz="1200" b="0" i="0" u="none" strike="noStrike" cap="none" normalizeH="0" baseline="0" dirty="0">
+                <a:ln>
+                  <a:noFill/>
+                </a:ln>
+                <a:solidFill>
+                  <a:srgbClr val="A9B7C6"/>
+                </a:solidFill>
+                <a:effectLst/>
+                <a:latin typeface="Courier New" panose="02070309020205020404" pitchFamily="49" charset="0"/>
+                <a:cs typeface="Courier New" panose="02070309020205020404" pitchFamily="49" charset="0"/>
+              </a:rPr>
+              <a:t>)</a:t>
+            </a:r>
+            <a:r>
+              <a:rPr kumimoji="0" lang="ko-KR" altLang="ko-KR" sz="1200" b="0" i="0" u="none" strike="noStrike" cap="none" normalizeH="0" baseline="0" dirty="0">
+                <a:ln>
+                  <a:noFill/>
+                </a:ln>
+                <a:solidFill>
+                  <a:srgbClr val="CC7832"/>
+                </a:solidFill>
+                <a:effectLst/>
+                <a:latin typeface="Courier New" panose="02070309020205020404" pitchFamily="49" charset="0"/>
+                <a:cs typeface="Courier New" panose="02070309020205020404" pitchFamily="49" charset="0"/>
+              </a:rPr>
+              <a:t>,</a:t>
+            </a:r>
+            <a:r>
+              <a:rPr kumimoji="0" lang="ko-KR" altLang="ko-KR" sz="1200" b="0" i="0" u="none" strike="noStrike" cap="none" normalizeH="0" baseline="0" dirty="0" err="1">
+                <a:ln>
+                  <a:noFill/>
+                </a:ln>
+                <a:solidFill>
+                  <a:srgbClr val="A9B7C6"/>
+                </a:solidFill>
+                <a:effectLst/>
+                <a:latin typeface="Courier New" panose="02070309020205020404" pitchFamily="49" charset="0"/>
+                <a:cs typeface="Courier New" panose="02070309020205020404" pitchFamily="49" charset="0"/>
+              </a:rPr>
+              <a:t>random.randint</a:t>
+            </a:r>
+            <a:r>
+              <a:rPr kumimoji="0" lang="ko-KR" altLang="ko-KR" sz="1200" b="0" i="0" u="none" strike="noStrike" cap="none" normalizeH="0" baseline="0" dirty="0">
+                <a:ln>
+                  <a:noFill/>
+                </a:ln>
+                <a:solidFill>
+                  <a:srgbClr val="A9B7C6"/>
+                </a:solidFill>
+                <a:effectLst/>
+                <a:latin typeface="Courier New" panose="02070309020205020404" pitchFamily="49" charset="0"/>
+                <a:cs typeface="Courier New" panose="02070309020205020404" pitchFamily="49" charset="0"/>
+              </a:rPr>
+              <a:t>(</a:t>
+            </a:r>
+            <a:r>
+              <a:rPr kumimoji="0" lang="ko-KR" altLang="ko-KR" sz="1200" b="0" i="0" u="none" strike="noStrike" cap="none" normalizeH="0" baseline="0" dirty="0">
+                <a:ln>
+                  <a:noFill/>
+                </a:ln>
+                <a:solidFill>
+                  <a:srgbClr val="6897BB"/>
+                </a:solidFill>
+                <a:effectLst/>
+                <a:latin typeface="Courier New" panose="02070309020205020404" pitchFamily="49" charset="0"/>
+                <a:cs typeface="Courier New" panose="02070309020205020404" pitchFamily="49" charset="0"/>
+              </a:rPr>
+              <a:t>0</a:t>
+            </a:r>
+            <a:r>
+              <a:rPr kumimoji="0" lang="ko-KR" altLang="ko-KR" sz="1200" b="0" i="0" u="none" strike="noStrike" cap="none" normalizeH="0" baseline="0" dirty="0">
+                <a:ln>
+                  <a:noFill/>
+                </a:ln>
+                <a:solidFill>
+                  <a:srgbClr val="CC7832"/>
+                </a:solidFill>
+                <a:effectLst/>
+                <a:latin typeface="Courier New" panose="02070309020205020404" pitchFamily="49" charset="0"/>
+                <a:cs typeface="Courier New" panose="02070309020205020404" pitchFamily="49" charset="0"/>
+              </a:rPr>
+              <a:t>,</a:t>
+            </a:r>
+            <a:r>
+              <a:rPr kumimoji="0" lang="ko-KR" altLang="ko-KR" sz="1200" b="0" i="0" u="none" strike="noStrike" cap="none" normalizeH="0" baseline="0" dirty="0">
+                <a:ln>
+                  <a:noFill/>
+                </a:ln>
+                <a:solidFill>
+                  <a:srgbClr val="6897BB"/>
+                </a:solidFill>
+                <a:effectLst/>
+                <a:latin typeface="Courier New" panose="02070309020205020404" pitchFamily="49" charset="0"/>
+                <a:cs typeface="Courier New" panose="02070309020205020404" pitchFamily="49" charset="0"/>
+              </a:rPr>
+              <a:t>255</a:t>
+            </a:r>
+            <a:r>
+              <a:rPr kumimoji="0" lang="ko-KR" altLang="ko-KR" sz="1200" b="0" i="0" u="none" strike="noStrike" cap="none" normalizeH="0" baseline="0" dirty="0">
+                <a:ln>
+                  <a:noFill/>
+                </a:ln>
+                <a:solidFill>
+                  <a:srgbClr val="A9B7C6"/>
+                </a:solidFill>
+                <a:effectLst/>
+                <a:latin typeface="Courier New" panose="02070309020205020404" pitchFamily="49" charset="0"/>
+                <a:cs typeface="Courier New" panose="02070309020205020404" pitchFamily="49" charset="0"/>
+              </a:rPr>
+              <a:t>)</a:t>
+            </a:r>
+            <a:r>
+              <a:rPr kumimoji="0" lang="ko-KR" altLang="ko-KR" sz="1200" b="0" i="0" u="none" strike="noStrike" cap="none" normalizeH="0" baseline="0" dirty="0">
+                <a:ln>
+                  <a:noFill/>
+                </a:ln>
+                <a:solidFill>
+                  <a:srgbClr val="CC7832"/>
+                </a:solidFill>
+                <a:effectLst/>
+                <a:latin typeface="Courier New" panose="02070309020205020404" pitchFamily="49" charset="0"/>
+                <a:cs typeface="Courier New" panose="02070309020205020404" pitchFamily="49" charset="0"/>
+              </a:rPr>
+              <a:t>,</a:t>
+            </a:r>
+            <a:r>
+              <a:rPr kumimoji="0" lang="ko-KR" altLang="ko-KR" sz="1200" b="0" i="0" u="none" strike="noStrike" cap="none" normalizeH="0" baseline="0" dirty="0" err="1">
+                <a:ln>
+                  <a:noFill/>
+                </a:ln>
+                <a:solidFill>
+                  <a:srgbClr val="A9B7C6"/>
+                </a:solidFill>
+                <a:effectLst/>
+                <a:latin typeface="Courier New" panose="02070309020205020404" pitchFamily="49" charset="0"/>
+                <a:cs typeface="Courier New" panose="02070309020205020404" pitchFamily="49" charset="0"/>
+              </a:rPr>
+              <a:t>random.randint</a:t>
+            </a:r>
+            <a:r>
+              <a:rPr kumimoji="0" lang="ko-KR" altLang="ko-KR" sz="1200" b="0" i="0" u="none" strike="noStrike" cap="none" normalizeH="0" baseline="0" dirty="0">
+                <a:ln>
+                  <a:noFill/>
+                </a:ln>
+                <a:solidFill>
+                  <a:srgbClr val="A9B7C6"/>
+                </a:solidFill>
+                <a:effectLst/>
+                <a:latin typeface="Courier New" panose="02070309020205020404" pitchFamily="49" charset="0"/>
+                <a:cs typeface="Courier New" panose="02070309020205020404" pitchFamily="49" charset="0"/>
+              </a:rPr>
+              <a:t>(</a:t>
+            </a:r>
+            <a:r>
+              <a:rPr kumimoji="0" lang="ko-KR" altLang="ko-KR" sz="1200" b="0" i="0" u="none" strike="noStrike" cap="none" normalizeH="0" baseline="0" dirty="0">
+                <a:ln>
+                  <a:noFill/>
+                </a:ln>
+                <a:solidFill>
+                  <a:srgbClr val="6897BB"/>
+                </a:solidFill>
+                <a:effectLst/>
+                <a:latin typeface="Courier New" panose="02070309020205020404" pitchFamily="49" charset="0"/>
+                <a:cs typeface="Courier New" panose="02070309020205020404" pitchFamily="49" charset="0"/>
+              </a:rPr>
+              <a:t>0</a:t>
+            </a:r>
+            <a:r>
+              <a:rPr kumimoji="0" lang="ko-KR" altLang="ko-KR" sz="1200" b="0" i="0" u="none" strike="noStrike" cap="none" normalizeH="0" baseline="0" dirty="0">
+                <a:ln>
+                  <a:noFill/>
+                </a:ln>
+                <a:solidFill>
+                  <a:srgbClr val="CC7832"/>
+                </a:solidFill>
+                <a:effectLst/>
+                <a:latin typeface="Courier New" panose="02070309020205020404" pitchFamily="49" charset="0"/>
+                <a:cs typeface="Courier New" panose="02070309020205020404" pitchFamily="49" charset="0"/>
+              </a:rPr>
+              <a:t>,</a:t>
+            </a:r>
+            <a:r>
+              <a:rPr kumimoji="0" lang="ko-KR" altLang="ko-KR" sz="1200" b="0" i="0" u="none" strike="noStrike" cap="none" normalizeH="0" baseline="0" dirty="0">
+                <a:ln>
+                  <a:noFill/>
+                </a:ln>
+                <a:solidFill>
+                  <a:srgbClr val="6897BB"/>
+                </a:solidFill>
+                <a:effectLst/>
+                <a:latin typeface="Courier New" panose="02070309020205020404" pitchFamily="49" charset="0"/>
+                <a:cs typeface="Courier New" panose="02070309020205020404" pitchFamily="49" charset="0"/>
+              </a:rPr>
+              <a:t>255</a:t>
+            </a:r>
+            <a:r>
+              <a:rPr kumimoji="0" lang="ko-KR" altLang="ko-KR" sz="1200" b="0" i="0" u="none" strike="noStrike" cap="none" normalizeH="0" baseline="0" dirty="0">
+                <a:ln>
+                  <a:noFill/>
+                </a:ln>
+                <a:solidFill>
+                  <a:srgbClr val="A9B7C6"/>
+                </a:solidFill>
+                <a:effectLst/>
+                <a:latin typeface="Courier New" panose="02070309020205020404" pitchFamily="49" charset="0"/>
+                <a:cs typeface="Courier New" panose="02070309020205020404" pitchFamily="49" charset="0"/>
+              </a:rPr>
+              <a:t>))</a:t>
+            </a:r>
+            <a:r>
+              <a:rPr kumimoji="0" lang="ko-KR" altLang="ko-KR" sz="1200" b="0" i="0" u="none" strike="noStrike" cap="none" normalizeH="0" baseline="0" dirty="0">
+                <a:ln>
+                  <a:noFill/>
+                </a:ln>
+                <a:solidFill>
+                  <a:srgbClr val="CC7832"/>
+                </a:solidFill>
+                <a:effectLst/>
+                <a:latin typeface="Courier New" panose="02070309020205020404" pitchFamily="49" charset="0"/>
+                <a:cs typeface="Courier New" panose="02070309020205020404" pitchFamily="49" charset="0"/>
+              </a:rPr>
+              <a:t>, </a:t>
+            </a:r>
+            <a:r>
+              <a:rPr kumimoji="0" lang="ko-KR" altLang="ko-KR" sz="1200" b="0" i="0" u="none" strike="noStrike" cap="none" normalizeH="0" baseline="0" dirty="0">
+                <a:ln>
+                  <a:noFill/>
+                </a:ln>
+                <a:solidFill>
+                  <a:srgbClr val="6897BB"/>
+                </a:solidFill>
+                <a:effectLst/>
+                <a:latin typeface="Courier New" panose="02070309020205020404" pitchFamily="49" charset="0"/>
+                <a:cs typeface="Courier New" panose="02070309020205020404" pitchFamily="49" charset="0"/>
+              </a:rPr>
+              <a:t>0</a:t>
+            </a:r>
+            <a:r>
+              <a:rPr kumimoji="0" lang="ko-KR" altLang="ko-KR" sz="1200" b="0" i="0" u="none" strike="noStrike" cap="none" normalizeH="0" baseline="0" dirty="0">
+                <a:ln>
+                  <a:noFill/>
+                </a:ln>
+                <a:solidFill>
+                  <a:srgbClr val="A9B7C6"/>
+                </a:solidFill>
+                <a:effectLst/>
+                <a:latin typeface="Courier New" panose="02070309020205020404" pitchFamily="49" charset="0"/>
+                <a:cs typeface="Courier New" panose="02070309020205020404" pitchFamily="49" charset="0"/>
+              </a:rPr>
+              <a:t>))</a:t>
+            </a:r>
+            <a:br>
+              <a:rPr kumimoji="0" lang="ko-KR" altLang="ko-KR" sz="1200" b="0" i="0" u="none" strike="noStrike" cap="none" normalizeH="0" baseline="0" dirty="0">
+                <a:ln>
+                  <a:noFill/>
+                </a:ln>
+                <a:solidFill>
+                  <a:srgbClr val="A9B7C6"/>
+                </a:solidFill>
+                <a:effectLst/>
+                <a:latin typeface="Courier New" panose="02070309020205020404" pitchFamily="49" charset="0"/>
+                <a:cs typeface="Courier New" panose="02070309020205020404" pitchFamily="49" charset="0"/>
+              </a:rPr>
+            </a:br>
+            <a:r>
+              <a:rPr kumimoji="0" lang="ko-KR" altLang="ko-KR" sz="1200" b="0" i="0" u="none" strike="noStrike" cap="none" normalizeH="0" baseline="0" dirty="0">
+                <a:ln>
+                  <a:noFill/>
+                </a:ln>
+                <a:solidFill>
+                  <a:srgbClr val="A9B7C6"/>
+                </a:solidFill>
+                <a:effectLst/>
+                <a:latin typeface="Courier New" panose="02070309020205020404" pitchFamily="49" charset="0"/>
+                <a:cs typeface="Courier New" panose="02070309020205020404" pitchFamily="49" charset="0"/>
+              </a:rPr>
+              <a:t>        </a:t>
+            </a:r>
+            <a:r>
+              <a:rPr kumimoji="0" lang="ko-KR" altLang="ko-KR" sz="1200" b="0" i="0" u="none" strike="noStrike" cap="none" normalizeH="0" baseline="0" dirty="0" err="1">
+                <a:ln>
+                  <a:noFill/>
+                </a:ln>
+                <a:solidFill>
+                  <a:srgbClr val="CC7832"/>
+                </a:solidFill>
+                <a:effectLst/>
+                <a:latin typeface="Courier New" panose="02070309020205020404" pitchFamily="49" charset="0"/>
+                <a:cs typeface="Courier New" panose="02070309020205020404" pitchFamily="49" charset="0"/>
+              </a:rPr>
+              <a:t>while</a:t>
+            </a:r>
+            <a:r>
+              <a:rPr kumimoji="0" lang="ko-KR" altLang="ko-KR" sz="1200" b="0" i="0" u="none" strike="noStrike" cap="none" normalizeH="0" baseline="0" dirty="0">
+                <a:ln>
+                  <a:noFill/>
+                </a:ln>
+                <a:solidFill>
+                  <a:srgbClr val="CC7832"/>
+                </a:solidFill>
+                <a:effectLst/>
+                <a:latin typeface="Courier New" panose="02070309020205020404" pitchFamily="49" charset="0"/>
+                <a:cs typeface="Courier New" panose="02070309020205020404" pitchFamily="49" charset="0"/>
+              </a:rPr>
+              <a:t> </a:t>
+            </a:r>
+            <a:r>
+              <a:rPr kumimoji="0" lang="ko-KR" altLang="ko-KR" sz="1200" b="0" i="0" u="none" strike="noStrike" cap="none" normalizeH="0" baseline="0" dirty="0" err="1">
+                <a:ln>
+                  <a:noFill/>
+                </a:ln>
+                <a:solidFill>
+                  <a:srgbClr val="94558D"/>
+                </a:solidFill>
+                <a:effectLst/>
+                <a:latin typeface="Courier New" panose="02070309020205020404" pitchFamily="49" charset="0"/>
+                <a:cs typeface="Courier New" panose="02070309020205020404" pitchFamily="49" charset="0"/>
+              </a:rPr>
+              <a:t>self</a:t>
+            </a:r>
+            <a:r>
+              <a:rPr kumimoji="0" lang="ko-KR" altLang="ko-KR" sz="1200" b="0" i="0" u="none" strike="noStrike" cap="none" normalizeH="0" baseline="0" dirty="0" err="1">
+                <a:ln>
+                  <a:noFill/>
+                </a:ln>
+                <a:solidFill>
+                  <a:srgbClr val="A9B7C6"/>
+                </a:solidFill>
+                <a:effectLst/>
+                <a:latin typeface="Courier New" panose="02070309020205020404" pitchFamily="49" charset="0"/>
+                <a:cs typeface="Courier New" panose="02070309020205020404" pitchFamily="49" charset="0"/>
+              </a:rPr>
+              <a:t>.playing</a:t>
+            </a:r>
+            <a:r>
+              <a:rPr kumimoji="0" lang="ko-KR" altLang="ko-KR" sz="1200" b="0" i="0" u="none" strike="noStrike" cap="none" normalizeH="0" baseline="0" dirty="0">
+                <a:ln>
+                  <a:noFill/>
+                </a:ln>
+                <a:solidFill>
+                  <a:srgbClr val="A9B7C6"/>
+                </a:solidFill>
+                <a:effectLst/>
+                <a:latin typeface="Courier New" panose="02070309020205020404" pitchFamily="49" charset="0"/>
+                <a:cs typeface="Courier New" panose="02070309020205020404" pitchFamily="49" charset="0"/>
+              </a:rPr>
+              <a:t>:</a:t>
+            </a:r>
+            <a:br>
+              <a:rPr kumimoji="0" lang="ko-KR" altLang="ko-KR" sz="1200" b="0" i="0" u="none" strike="noStrike" cap="none" normalizeH="0" baseline="0" dirty="0">
+                <a:ln>
+                  <a:noFill/>
+                </a:ln>
+                <a:solidFill>
+                  <a:srgbClr val="A9B7C6"/>
+                </a:solidFill>
+                <a:effectLst/>
+                <a:latin typeface="Courier New" panose="02070309020205020404" pitchFamily="49" charset="0"/>
+                <a:cs typeface="Courier New" panose="02070309020205020404" pitchFamily="49" charset="0"/>
+              </a:rPr>
+            </a:br>
+            <a:r>
+              <a:rPr kumimoji="0" lang="ko-KR" altLang="ko-KR" sz="1200" b="0" i="0" u="none" strike="noStrike" cap="none" normalizeH="0" baseline="0" dirty="0">
+                <a:ln>
+                  <a:noFill/>
+                </a:ln>
+                <a:solidFill>
+                  <a:srgbClr val="A9B7C6"/>
+                </a:solidFill>
+                <a:effectLst/>
+                <a:latin typeface="Courier New" panose="02070309020205020404" pitchFamily="49" charset="0"/>
+                <a:cs typeface="Courier New" panose="02070309020205020404" pitchFamily="49" charset="0"/>
+              </a:rPr>
+              <a:t>            </a:t>
+            </a:r>
+            <a:r>
+              <a:rPr kumimoji="0" lang="ko-KR" altLang="ko-KR" sz="1200" b="0" i="0" u="none" strike="noStrike" cap="none" normalizeH="0" baseline="0" dirty="0" err="1">
+                <a:ln>
+                  <a:noFill/>
+                </a:ln>
+                <a:solidFill>
+                  <a:srgbClr val="94558D"/>
+                </a:solidFill>
+                <a:effectLst/>
+                <a:latin typeface="Courier New" panose="02070309020205020404" pitchFamily="49" charset="0"/>
+                <a:cs typeface="Courier New" panose="02070309020205020404" pitchFamily="49" charset="0"/>
+              </a:rPr>
+              <a:t>self</a:t>
+            </a:r>
+            <a:r>
+              <a:rPr kumimoji="0" lang="ko-KR" altLang="ko-KR" sz="1200" b="0" i="0" u="none" strike="noStrike" cap="none" normalizeH="0" baseline="0" dirty="0" err="1">
+                <a:ln>
+                  <a:noFill/>
+                </a:ln>
+                <a:solidFill>
+                  <a:srgbClr val="A9B7C6"/>
+                </a:solidFill>
+                <a:effectLst/>
+                <a:latin typeface="Courier New" panose="02070309020205020404" pitchFamily="49" charset="0"/>
+                <a:cs typeface="Courier New" panose="02070309020205020404" pitchFamily="49" charset="0"/>
+              </a:rPr>
+              <a:t>.clock.tick</a:t>
+            </a:r>
+            <a:r>
+              <a:rPr kumimoji="0" lang="ko-KR" altLang="ko-KR" sz="1200" b="0" i="0" u="none" strike="noStrike" cap="none" normalizeH="0" baseline="0" dirty="0">
+                <a:ln>
+                  <a:noFill/>
+                </a:ln>
+                <a:solidFill>
+                  <a:srgbClr val="A9B7C6"/>
+                </a:solidFill>
+                <a:effectLst/>
+                <a:latin typeface="Courier New" panose="02070309020205020404" pitchFamily="49" charset="0"/>
+                <a:cs typeface="Courier New" panose="02070309020205020404" pitchFamily="49" charset="0"/>
+              </a:rPr>
+              <a:t>(FPS)</a:t>
+            </a:r>
+            <a:br>
+              <a:rPr kumimoji="0" lang="ko-KR" altLang="ko-KR" sz="1200" b="0" i="0" u="none" strike="noStrike" cap="none" normalizeH="0" baseline="0" dirty="0">
+                <a:ln>
+                  <a:noFill/>
+                </a:ln>
+                <a:solidFill>
+                  <a:srgbClr val="A9B7C6"/>
+                </a:solidFill>
+                <a:effectLst/>
+                <a:latin typeface="Courier New" panose="02070309020205020404" pitchFamily="49" charset="0"/>
+                <a:cs typeface="Courier New" panose="02070309020205020404" pitchFamily="49" charset="0"/>
+              </a:rPr>
+            </a:br>
+            <a:r>
+              <a:rPr kumimoji="0" lang="ko-KR" altLang="ko-KR" sz="1200" b="0" i="0" u="none" strike="noStrike" cap="none" normalizeH="0" baseline="0" dirty="0">
+                <a:ln>
+                  <a:noFill/>
+                </a:ln>
+                <a:solidFill>
+                  <a:srgbClr val="A9B7C6"/>
+                </a:solidFill>
+                <a:effectLst/>
+                <a:latin typeface="Courier New" panose="02070309020205020404" pitchFamily="49" charset="0"/>
+                <a:cs typeface="Courier New" panose="02070309020205020404" pitchFamily="49" charset="0"/>
+              </a:rPr>
+              <a:t>            </a:t>
+            </a:r>
+            <a:r>
+              <a:rPr kumimoji="0" lang="ko-KR" altLang="ko-KR" sz="1200" b="0" i="0" u="none" strike="noStrike" cap="none" normalizeH="0" baseline="0" dirty="0" err="1">
+                <a:ln>
+                  <a:noFill/>
+                </a:ln>
+                <a:solidFill>
+                  <a:srgbClr val="94558D"/>
+                </a:solidFill>
+                <a:effectLst/>
+                <a:latin typeface="Courier New" panose="02070309020205020404" pitchFamily="49" charset="0"/>
+                <a:cs typeface="Courier New" panose="02070309020205020404" pitchFamily="49" charset="0"/>
+              </a:rPr>
+              <a:t>self</a:t>
+            </a:r>
+            <a:r>
+              <a:rPr kumimoji="0" lang="ko-KR" altLang="ko-KR" sz="1200" b="0" i="0" u="none" strike="noStrike" cap="none" normalizeH="0" baseline="0" dirty="0" err="1">
+                <a:ln>
+                  <a:noFill/>
+                </a:ln>
+                <a:solidFill>
+                  <a:srgbClr val="A9B7C6"/>
+                </a:solidFill>
+                <a:effectLst/>
+                <a:latin typeface="Courier New" panose="02070309020205020404" pitchFamily="49" charset="0"/>
+                <a:cs typeface="Courier New" panose="02070309020205020404" pitchFamily="49" charset="0"/>
+              </a:rPr>
+              <a:t>.event</a:t>
+            </a:r>
+            <a:r>
+              <a:rPr kumimoji="0" lang="ko-KR" altLang="ko-KR" sz="1200" b="0" i="0" u="none" strike="noStrike" cap="none" normalizeH="0" baseline="0" dirty="0">
+                <a:ln>
+                  <a:noFill/>
+                </a:ln>
+                <a:solidFill>
+                  <a:srgbClr val="A9B7C6"/>
+                </a:solidFill>
+                <a:effectLst/>
+                <a:latin typeface="Courier New" panose="02070309020205020404" pitchFamily="49" charset="0"/>
+                <a:cs typeface="Courier New" panose="02070309020205020404" pitchFamily="49" charset="0"/>
+              </a:rPr>
+              <a:t>()</a:t>
+            </a:r>
+            <a:br>
+              <a:rPr kumimoji="0" lang="ko-KR" altLang="ko-KR" sz="1200" b="0" i="0" u="none" strike="noStrike" cap="none" normalizeH="0" baseline="0" dirty="0">
+                <a:ln>
+                  <a:noFill/>
+                </a:ln>
+                <a:solidFill>
+                  <a:srgbClr val="A9B7C6"/>
+                </a:solidFill>
+                <a:effectLst/>
+                <a:latin typeface="Courier New" panose="02070309020205020404" pitchFamily="49" charset="0"/>
+                <a:cs typeface="Courier New" panose="02070309020205020404" pitchFamily="49" charset="0"/>
+              </a:rPr>
+            </a:br>
+            <a:r>
+              <a:rPr kumimoji="0" lang="ko-KR" altLang="ko-KR" sz="1200" b="0" i="0" u="none" strike="noStrike" cap="none" normalizeH="0" baseline="0" dirty="0">
+                <a:ln>
+                  <a:noFill/>
+                </a:ln>
+                <a:solidFill>
+                  <a:srgbClr val="A9B7C6"/>
+                </a:solidFill>
+                <a:effectLst/>
+                <a:latin typeface="Courier New" panose="02070309020205020404" pitchFamily="49" charset="0"/>
+                <a:cs typeface="Courier New" panose="02070309020205020404" pitchFamily="49" charset="0"/>
+              </a:rPr>
+              <a:t>            </a:t>
+            </a:r>
+            <a:r>
+              <a:rPr kumimoji="0" lang="ko-KR" altLang="ko-KR" sz="1200" b="0" i="0" u="none" strike="noStrike" cap="none" normalizeH="0" baseline="0" dirty="0" err="1">
+                <a:ln>
+                  <a:noFill/>
+                </a:ln>
+                <a:solidFill>
+                  <a:srgbClr val="94558D"/>
+                </a:solidFill>
+                <a:effectLst/>
+                <a:latin typeface="Courier New" panose="02070309020205020404" pitchFamily="49" charset="0"/>
+                <a:cs typeface="Courier New" panose="02070309020205020404" pitchFamily="49" charset="0"/>
+              </a:rPr>
+              <a:t>self</a:t>
+            </a:r>
+            <a:r>
+              <a:rPr kumimoji="0" lang="ko-KR" altLang="ko-KR" sz="1200" b="0" i="0" u="none" strike="noStrike" cap="none" normalizeH="0" baseline="0" dirty="0" err="1">
+                <a:ln>
+                  <a:noFill/>
+                </a:ln>
+                <a:solidFill>
+                  <a:srgbClr val="A9B7C6"/>
+                </a:solidFill>
+                <a:effectLst/>
+                <a:latin typeface="Courier New" panose="02070309020205020404" pitchFamily="49" charset="0"/>
+                <a:cs typeface="Courier New" panose="02070309020205020404" pitchFamily="49" charset="0"/>
+              </a:rPr>
+              <a:t>.draw</a:t>
+            </a:r>
+            <a:r>
+              <a:rPr kumimoji="0" lang="ko-KR" altLang="ko-KR" sz="1200" b="0" i="0" u="none" strike="noStrike" cap="none" normalizeH="0" baseline="0" dirty="0">
+                <a:ln>
+                  <a:noFill/>
+                </a:ln>
+                <a:solidFill>
+                  <a:srgbClr val="A9B7C6"/>
+                </a:solidFill>
+                <a:effectLst/>
+                <a:latin typeface="Courier New" panose="02070309020205020404" pitchFamily="49" charset="0"/>
+                <a:cs typeface="Courier New" panose="02070309020205020404" pitchFamily="49" charset="0"/>
+              </a:rPr>
+              <a:t>()</a:t>
+            </a:r>
+            <a:br>
+              <a:rPr kumimoji="0" lang="ko-KR" altLang="ko-KR" sz="1200" b="0" i="0" u="none" strike="noStrike" cap="none" normalizeH="0" baseline="0" dirty="0">
+                <a:ln>
+                  <a:noFill/>
+                </a:ln>
+                <a:solidFill>
+                  <a:srgbClr val="A9B7C6"/>
+                </a:solidFill>
+                <a:effectLst/>
+                <a:latin typeface="Courier New" panose="02070309020205020404" pitchFamily="49" charset="0"/>
+                <a:cs typeface="Courier New" panose="02070309020205020404" pitchFamily="49" charset="0"/>
+              </a:rPr>
+            </a:br>
+            <a:r>
+              <a:rPr kumimoji="0" lang="ko-KR" altLang="ko-KR" sz="1200" b="0" i="0" u="none" strike="noStrike" cap="none" normalizeH="0" baseline="0" dirty="0">
+                <a:ln>
+                  <a:noFill/>
+                </a:ln>
+                <a:solidFill>
+                  <a:srgbClr val="A9B7C6"/>
+                </a:solidFill>
+                <a:effectLst/>
+                <a:latin typeface="Courier New" panose="02070309020205020404" pitchFamily="49" charset="0"/>
+                <a:cs typeface="Courier New" panose="02070309020205020404" pitchFamily="49" charset="0"/>
+              </a:rPr>
+              <a:t>            </a:t>
+            </a:r>
+            <a:r>
+              <a:rPr kumimoji="0" lang="ko-KR" altLang="ko-KR" sz="1200" b="0" i="0" u="none" strike="noStrike" cap="none" normalizeH="0" baseline="0" dirty="0" err="1">
+                <a:ln>
+                  <a:noFill/>
+                </a:ln>
+                <a:solidFill>
+                  <a:srgbClr val="A9B7C6"/>
+                </a:solidFill>
+                <a:effectLst/>
+                <a:latin typeface="Courier New" panose="02070309020205020404" pitchFamily="49" charset="0"/>
+                <a:cs typeface="Courier New" panose="02070309020205020404" pitchFamily="49" charset="0"/>
+              </a:rPr>
+              <a:t>pygame.display.update</a:t>
+            </a:r>
+            <a:r>
+              <a:rPr kumimoji="0" lang="ko-KR" altLang="ko-KR" sz="1200" b="0" i="0" u="none" strike="noStrike" cap="none" normalizeH="0" baseline="0" dirty="0">
+                <a:ln>
+                  <a:noFill/>
+                </a:ln>
+                <a:solidFill>
+                  <a:srgbClr val="A9B7C6"/>
+                </a:solidFill>
+                <a:effectLst/>
+                <a:latin typeface="Courier New" panose="02070309020205020404" pitchFamily="49" charset="0"/>
+                <a:cs typeface="Courier New" panose="02070309020205020404" pitchFamily="49" charset="0"/>
+              </a:rPr>
+              <a:t>()</a:t>
+            </a:r>
+            <a:br>
+              <a:rPr kumimoji="0" lang="ko-KR" altLang="ko-KR" sz="1200" b="0" i="0" u="none" strike="noStrike" cap="none" normalizeH="0" baseline="0" dirty="0">
+                <a:ln>
+                  <a:noFill/>
+                </a:ln>
+                <a:solidFill>
+                  <a:srgbClr val="A9B7C6"/>
+                </a:solidFill>
+                <a:effectLst/>
+                <a:latin typeface="Courier New" panose="02070309020205020404" pitchFamily="49" charset="0"/>
+                <a:cs typeface="Courier New" panose="02070309020205020404" pitchFamily="49" charset="0"/>
+              </a:rPr>
+            </a:br>
+            <a:br>
+              <a:rPr kumimoji="0" lang="ko-KR" altLang="ko-KR" sz="1200" b="0" i="0" u="none" strike="noStrike" cap="none" normalizeH="0" baseline="0" dirty="0">
+                <a:ln>
+                  <a:noFill/>
+                </a:ln>
+                <a:solidFill>
+                  <a:srgbClr val="A9B7C6"/>
+                </a:solidFill>
+                <a:effectLst/>
+                <a:latin typeface="Courier New" panose="02070309020205020404" pitchFamily="49" charset="0"/>
+                <a:cs typeface="Courier New" panose="02070309020205020404" pitchFamily="49" charset="0"/>
+              </a:rPr>
+            </a:br>
+            <a:r>
+              <a:rPr kumimoji="0" lang="ko-KR" altLang="ko-KR" sz="1200" b="0" i="0" u="none" strike="noStrike" cap="none" normalizeH="0" baseline="0" dirty="0">
+                <a:ln>
+                  <a:noFill/>
+                </a:ln>
+                <a:solidFill>
+                  <a:srgbClr val="A9B7C6"/>
+                </a:solidFill>
+                <a:effectLst/>
+                <a:latin typeface="Courier New" panose="02070309020205020404" pitchFamily="49" charset="0"/>
+                <a:cs typeface="Courier New" panose="02070309020205020404" pitchFamily="49" charset="0"/>
+              </a:rPr>
+              <a:t>    </a:t>
+            </a:r>
+            <a:r>
+              <a:rPr kumimoji="0" lang="ko-KR" altLang="ko-KR" sz="1200" b="0" i="0" u="none" strike="noStrike" cap="none" normalizeH="0" baseline="0" dirty="0" err="1">
+                <a:ln>
+                  <a:noFill/>
+                </a:ln>
+                <a:solidFill>
+                  <a:srgbClr val="CC7832"/>
+                </a:solidFill>
+                <a:effectLst/>
+                <a:latin typeface="Courier New" panose="02070309020205020404" pitchFamily="49" charset="0"/>
+                <a:cs typeface="Courier New" panose="02070309020205020404" pitchFamily="49" charset="0"/>
+              </a:rPr>
+              <a:t>def</a:t>
+            </a:r>
+            <a:r>
+              <a:rPr kumimoji="0" lang="ko-KR" altLang="ko-KR" sz="1200" b="0" i="0" u="none" strike="noStrike" cap="none" normalizeH="0" baseline="0" dirty="0">
+                <a:ln>
+                  <a:noFill/>
+                </a:ln>
+                <a:solidFill>
+                  <a:srgbClr val="CC7832"/>
+                </a:solidFill>
+                <a:effectLst/>
+                <a:latin typeface="Courier New" panose="02070309020205020404" pitchFamily="49" charset="0"/>
+                <a:cs typeface="Courier New" panose="02070309020205020404" pitchFamily="49" charset="0"/>
+              </a:rPr>
+              <a:t> </a:t>
+            </a:r>
+            <a:r>
+              <a:rPr kumimoji="0" lang="ko-KR" altLang="ko-KR" sz="1200" b="0" i="0" u="none" strike="noStrike" cap="none" normalizeH="0" baseline="0" dirty="0" err="1">
+                <a:ln>
+                  <a:noFill/>
+                </a:ln>
+                <a:solidFill>
+                  <a:srgbClr val="FFC66D"/>
+                </a:solidFill>
+                <a:effectLst/>
+                <a:latin typeface="Courier New" panose="02070309020205020404" pitchFamily="49" charset="0"/>
+                <a:cs typeface="Courier New" panose="02070309020205020404" pitchFamily="49" charset="0"/>
+              </a:rPr>
+              <a:t>event</a:t>
+            </a:r>
+            <a:r>
+              <a:rPr kumimoji="0" lang="ko-KR" altLang="ko-KR" sz="1200" b="0" i="0" u="none" strike="noStrike" cap="none" normalizeH="0" baseline="0" dirty="0">
+                <a:ln>
+                  <a:noFill/>
+                </a:ln>
+                <a:solidFill>
+                  <a:srgbClr val="A9B7C6"/>
+                </a:solidFill>
+                <a:effectLst/>
+                <a:latin typeface="Courier New" panose="02070309020205020404" pitchFamily="49" charset="0"/>
+                <a:cs typeface="Courier New" panose="02070309020205020404" pitchFamily="49" charset="0"/>
+              </a:rPr>
+              <a:t>(</a:t>
+            </a:r>
+            <a:r>
+              <a:rPr kumimoji="0" lang="ko-KR" altLang="ko-KR" sz="1200" b="0" i="0" u="none" strike="noStrike" cap="none" normalizeH="0" baseline="0" dirty="0" err="1">
+                <a:ln>
+                  <a:noFill/>
+                </a:ln>
+                <a:solidFill>
+                  <a:srgbClr val="94558D"/>
+                </a:solidFill>
+                <a:effectLst/>
+                <a:latin typeface="Courier New" panose="02070309020205020404" pitchFamily="49" charset="0"/>
+                <a:cs typeface="Courier New" panose="02070309020205020404" pitchFamily="49" charset="0"/>
+              </a:rPr>
+              <a:t>self</a:t>
+            </a:r>
+            <a:r>
+              <a:rPr kumimoji="0" lang="ko-KR" altLang="ko-KR" sz="1200" b="0" i="0" u="none" strike="noStrike" cap="none" normalizeH="0" baseline="0" dirty="0">
+                <a:ln>
+                  <a:noFill/>
+                </a:ln>
+                <a:solidFill>
+                  <a:srgbClr val="A9B7C6"/>
+                </a:solidFill>
+                <a:effectLst/>
+                <a:latin typeface="Courier New" panose="02070309020205020404" pitchFamily="49" charset="0"/>
+                <a:cs typeface="Courier New" panose="02070309020205020404" pitchFamily="49" charset="0"/>
+              </a:rPr>
+              <a:t>):</a:t>
+            </a:r>
+            <a:br>
+              <a:rPr kumimoji="0" lang="ko-KR" altLang="ko-KR" sz="1200" b="0" i="0" u="none" strike="noStrike" cap="none" normalizeH="0" baseline="0" dirty="0">
+                <a:ln>
+                  <a:noFill/>
+                </a:ln>
+                <a:solidFill>
+                  <a:srgbClr val="A9B7C6"/>
+                </a:solidFill>
+                <a:effectLst/>
+                <a:latin typeface="Courier New" panose="02070309020205020404" pitchFamily="49" charset="0"/>
+                <a:cs typeface="Courier New" panose="02070309020205020404" pitchFamily="49" charset="0"/>
+              </a:rPr>
+            </a:br>
+            <a:r>
+              <a:rPr kumimoji="0" lang="ko-KR" altLang="ko-KR" sz="1200" b="0" i="0" u="none" strike="noStrike" cap="none" normalizeH="0" baseline="0" dirty="0">
+                <a:ln>
+                  <a:noFill/>
+                </a:ln>
+                <a:solidFill>
+                  <a:srgbClr val="A9B7C6"/>
+                </a:solidFill>
+                <a:effectLst/>
+                <a:latin typeface="Courier New" panose="02070309020205020404" pitchFamily="49" charset="0"/>
+                <a:cs typeface="Courier New" panose="02070309020205020404" pitchFamily="49" charset="0"/>
+              </a:rPr>
+              <a:t>        </a:t>
+            </a:r>
+            <a:r>
+              <a:rPr kumimoji="0" lang="ko-KR" altLang="ko-KR" sz="1200" b="0" i="0" u="none" strike="noStrike" cap="none" normalizeH="0" baseline="0" dirty="0">
+                <a:ln>
+                  <a:noFill/>
+                </a:ln>
+                <a:solidFill>
+                  <a:srgbClr val="808080"/>
+                </a:solidFill>
+                <a:effectLst/>
+                <a:latin typeface="Courier New" panose="02070309020205020404" pitchFamily="49" charset="0"/>
+                <a:cs typeface="Courier New" panose="02070309020205020404" pitchFamily="49" charset="0"/>
+              </a:rPr>
+              <a:t># </a:t>
+            </a:r>
+            <a:r>
+              <a:rPr kumimoji="0" lang="ko-KR" altLang="ko-KR" sz="1200" b="0" i="0" u="none" strike="noStrike" cap="none" normalizeH="0" baseline="0" dirty="0">
+                <a:ln>
+                  <a:noFill/>
+                </a:ln>
+                <a:solidFill>
+                  <a:srgbClr val="808080"/>
+                </a:solidFill>
+                <a:effectLst/>
+                <a:latin typeface="맑은 고딕" panose="020B0503020000020004" pitchFamily="50" charset="-127"/>
+                <a:ea typeface="맑은 고딕" panose="020B0503020000020004" pitchFamily="50" charset="-127"/>
+                <a:cs typeface="Courier New" panose="02070309020205020404" pitchFamily="49" charset="0"/>
+              </a:rPr>
+              <a:t>종료 코드</a:t>
+            </a:r>
+            <a:br>
+              <a:rPr kumimoji="0" lang="ko-KR" altLang="ko-KR" sz="1200" b="0" i="0" u="none" strike="noStrike" cap="none" normalizeH="0" baseline="0" dirty="0">
+                <a:ln>
+                  <a:noFill/>
+                </a:ln>
+                <a:solidFill>
+                  <a:srgbClr val="808080"/>
+                </a:solidFill>
+                <a:effectLst/>
+                <a:latin typeface="맑은 고딕" panose="020B0503020000020004" pitchFamily="50" charset="-127"/>
+                <a:ea typeface="맑은 고딕" panose="020B0503020000020004" pitchFamily="50" charset="-127"/>
+                <a:cs typeface="Courier New" panose="02070309020205020404" pitchFamily="49" charset="0"/>
+              </a:rPr>
+            </a:br>
+            <a:r>
+              <a:rPr kumimoji="0" lang="ko-KR" altLang="ko-KR" sz="1200" b="0" i="0" u="none" strike="noStrike" cap="none" normalizeH="0" baseline="0" dirty="0">
+                <a:ln>
+                  <a:noFill/>
+                </a:ln>
+                <a:solidFill>
+                  <a:srgbClr val="808080"/>
+                </a:solidFill>
+                <a:effectLst/>
+                <a:latin typeface="맑은 고딕" panose="020B0503020000020004" pitchFamily="50" charset="-127"/>
+                <a:ea typeface="맑은 고딕" panose="020B0503020000020004" pitchFamily="50" charset="-127"/>
+                <a:cs typeface="Courier New" panose="02070309020205020404" pitchFamily="49" charset="0"/>
+              </a:rPr>
+              <a:t>        </a:t>
+            </a:r>
+            <a:r>
+              <a:rPr kumimoji="0" lang="ko-KR" altLang="ko-KR" sz="1200" b="0" i="0" u="none" strike="noStrike" cap="none" normalizeH="0" baseline="0" dirty="0" err="1">
+                <a:ln>
+                  <a:noFill/>
+                </a:ln>
+                <a:solidFill>
+                  <a:srgbClr val="CC7832"/>
+                </a:solidFill>
+                <a:effectLst/>
+                <a:latin typeface="Courier New" panose="02070309020205020404" pitchFamily="49" charset="0"/>
+                <a:cs typeface="Courier New" panose="02070309020205020404" pitchFamily="49" charset="0"/>
+              </a:rPr>
+              <a:t>for</a:t>
+            </a:r>
+            <a:r>
+              <a:rPr kumimoji="0" lang="ko-KR" altLang="ko-KR" sz="1200" b="0" i="0" u="none" strike="noStrike" cap="none" normalizeH="0" baseline="0" dirty="0">
+                <a:ln>
+                  <a:noFill/>
+                </a:ln>
+                <a:solidFill>
+                  <a:srgbClr val="CC7832"/>
+                </a:solidFill>
+                <a:effectLst/>
+                <a:latin typeface="Courier New" panose="02070309020205020404" pitchFamily="49" charset="0"/>
+                <a:cs typeface="Courier New" panose="02070309020205020404" pitchFamily="49" charset="0"/>
+              </a:rPr>
+              <a:t> </a:t>
+            </a:r>
+            <a:r>
+              <a:rPr kumimoji="0" lang="ko-KR" altLang="ko-KR" sz="1200" b="0" i="0" u="none" strike="noStrike" cap="none" normalizeH="0" baseline="0" dirty="0" err="1">
+                <a:ln>
+                  <a:noFill/>
+                </a:ln>
+                <a:solidFill>
+                  <a:srgbClr val="A9B7C6"/>
+                </a:solidFill>
+                <a:effectLst/>
+                <a:latin typeface="Courier New" panose="02070309020205020404" pitchFamily="49" charset="0"/>
+                <a:cs typeface="Courier New" panose="02070309020205020404" pitchFamily="49" charset="0"/>
+              </a:rPr>
+              <a:t>event</a:t>
+            </a:r>
+            <a:r>
+              <a:rPr kumimoji="0" lang="ko-KR" altLang="ko-KR" sz="1200" b="0" i="0" u="none" strike="noStrike" cap="none" normalizeH="0" baseline="0" dirty="0">
+                <a:ln>
+                  <a:noFill/>
+                </a:ln>
+                <a:solidFill>
+                  <a:srgbClr val="A9B7C6"/>
+                </a:solidFill>
+                <a:effectLst/>
+                <a:latin typeface="Courier New" panose="02070309020205020404" pitchFamily="49" charset="0"/>
+                <a:cs typeface="Courier New" panose="02070309020205020404" pitchFamily="49" charset="0"/>
+              </a:rPr>
+              <a:t> </a:t>
+            </a:r>
+            <a:r>
+              <a:rPr kumimoji="0" lang="ko-KR" altLang="ko-KR" sz="1200" b="0" i="0" u="none" strike="noStrike" cap="none" normalizeH="0" baseline="0" dirty="0" err="1">
+                <a:ln>
+                  <a:noFill/>
+                </a:ln>
+                <a:solidFill>
+                  <a:srgbClr val="CC7832"/>
+                </a:solidFill>
+                <a:effectLst/>
+                <a:latin typeface="Courier New" panose="02070309020205020404" pitchFamily="49" charset="0"/>
+                <a:cs typeface="Courier New" panose="02070309020205020404" pitchFamily="49" charset="0"/>
+              </a:rPr>
+              <a:t>in</a:t>
+            </a:r>
+            <a:r>
+              <a:rPr kumimoji="0" lang="ko-KR" altLang="ko-KR" sz="1200" b="0" i="0" u="none" strike="noStrike" cap="none" normalizeH="0" baseline="0" dirty="0">
+                <a:ln>
+                  <a:noFill/>
+                </a:ln>
+                <a:solidFill>
+                  <a:srgbClr val="CC7832"/>
+                </a:solidFill>
+                <a:effectLst/>
+                <a:latin typeface="Courier New" panose="02070309020205020404" pitchFamily="49" charset="0"/>
+                <a:cs typeface="Courier New" panose="02070309020205020404" pitchFamily="49" charset="0"/>
+              </a:rPr>
+              <a:t> </a:t>
+            </a:r>
+            <a:r>
+              <a:rPr kumimoji="0" lang="ko-KR" altLang="ko-KR" sz="1200" b="0" i="0" u="none" strike="noStrike" cap="none" normalizeH="0" baseline="0" dirty="0" err="1">
+                <a:ln>
+                  <a:noFill/>
+                </a:ln>
+                <a:solidFill>
+                  <a:srgbClr val="A9B7C6"/>
+                </a:solidFill>
+                <a:effectLst/>
+                <a:latin typeface="Courier New" panose="02070309020205020404" pitchFamily="49" charset="0"/>
+                <a:cs typeface="Courier New" panose="02070309020205020404" pitchFamily="49" charset="0"/>
+              </a:rPr>
+              <a:t>pygame.event.get</a:t>
+            </a:r>
+            <a:r>
+              <a:rPr kumimoji="0" lang="ko-KR" altLang="ko-KR" sz="1200" b="0" i="0" u="none" strike="noStrike" cap="none" normalizeH="0" baseline="0" dirty="0">
+                <a:ln>
+                  <a:noFill/>
+                </a:ln>
+                <a:solidFill>
+                  <a:srgbClr val="A9B7C6"/>
+                </a:solidFill>
+                <a:effectLst/>
+                <a:latin typeface="Courier New" panose="02070309020205020404" pitchFamily="49" charset="0"/>
+                <a:cs typeface="Courier New" panose="02070309020205020404" pitchFamily="49" charset="0"/>
+              </a:rPr>
+              <a:t>():</a:t>
+            </a:r>
+            <a:br>
+              <a:rPr kumimoji="0" lang="ko-KR" altLang="ko-KR" sz="1200" b="0" i="0" u="none" strike="noStrike" cap="none" normalizeH="0" baseline="0" dirty="0">
+                <a:ln>
+                  <a:noFill/>
+                </a:ln>
+                <a:solidFill>
+                  <a:srgbClr val="A9B7C6"/>
+                </a:solidFill>
+                <a:effectLst/>
+                <a:latin typeface="Courier New" panose="02070309020205020404" pitchFamily="49" charset="0"/>
+                <a:cs typeface="Courier New" panose="02070309020205020404" pitchFamily="49" charset="0"/>
+              </a:rPr>
+            </a:br>
+            <a:r>
+              <a:rPr kumimoji="0" lang="ko-KR" altLang="ko-KR" sz="1200" b="0" i="0" u="none" strike="noStrike" cap="none" normalizeH="0" baseline="0" dirty="0">
+                <a:ln>
+                  <a:noFill/>
+                </a:ln>
+                <a:solidFill>
+                  <a:srgbClr val="A9B7C6"/>
+                </a:solidFill>
+                <a:effectLst/>
+                <a:latin typeface="Courier New" panose="02070309020205020404" pitchFamily="49" charset="0"/>
+                <a:cs typeface="Courier New" panose="02070309020205020404" pitchFamily="49" charset="0"/>
+              </a:rPr>
+              <a:t>            </a:t>
+            </a:r>
+            <a:r>
+              <a:rPr kumimoji="0" lang="ko-KR" altLang="ko-KR" sz="1200" b="0" i="0" u="none" strike="noStrike" cap="none" normalizeH="0" baseline="0" dirty="0" err="1">
+                <a:ln>
+                  <a:noFill/>
+                </a:ln>
+                <a:solidFill>
+                  <a:srgbClr val="CC7832"/>
+                </a:solidFill>
+                <a:effectLst/>
+                <a:latin typeface="Courier New" panose="02070309020205020404" pitchFamily="49" charset="0"/>
+                <a:cs typeface="Courier New" panose="02070309020205020404" pitchFamily="49" charset="0"/>
+              </a:rPr>
+              <a:t>if</a:t>
+            </a:r>
+            <a:r>
+              <a:rPr kumimoji="0" lang="ko-KR" altLang="ko-KR" sz="1200" b="0" i="0" u="none" strike="noStrike" cap="none" normalizeH="0" baseline="0" dirty="0">
+                <a:ln>
+                  <a:noFill/>
+                </a:ln>
+                <a:solidFill>
+                  <a:srgbClr val="CC7832"/>
+                </a:solidFill>
+                <a:effectLst/>
+                <a:latin typeface="Courier New" panose="02070309020205020404" pitchFamily="49" charset="0"/>
+                <a:cs typeface="Courier New" panose="02070309020205020404" pitchFamily="49" charset="0"/>
+              </a:rPr>
+              <a:t> </a:t>
+            </a:r>
+            <a:r>
+              <a:rPr kumimoji="0" lang="ko-KR" altLang="ko-KR" sz="1200" b="0" i="0" u="none" strike="noStrike" cap="none" normalizeH="0" baseline="0" dirty="0" err="1">
+                <a:ln>
+                  <a:noFill/>
+                </a:ln>
+                <a:solidFill>
+                  <a:srgbClr val="A9B7C6"/>
+                </a:solidFill>
+                <a:effectLst/>
+                <a:latin typeface="Courier New" panose="02070309020205020404" pitchFamily="49" charset="0"/>
+                <a:cs typeface="Courier New" panose="02070309020205020404" pitchFamily="49" charset="0"/>
+              </a:rPr>
+              <a:t>event.type</a:t>
+            </a:r>
+            <a:r>
+              <a:rPr kumimoji="0" lang="ko-KR" altLang="ko-KR" sz="1200" b="0" i="0" u="none" strike="noStrike" cap="none" normalizeH="0" baseline="0" dirty="0">
+                <a:ln>
+                  <a:noFill/>
+                </a:ln>
+                <a:solidFill>
+                  <a:srgbClr val="A9B7C6"/>
+                </a:solidFill>
+                <a:effectLst/>
+                <a:latin typeface="Courier New" panose="02070309020205020404" pitchFamily="49" charset="0"/>
+                <a:cs typeface="Courier New" panose="02070309020205020404" pitchFamily="49" charset="0"/>
+              </a:rPr>
+              <a:t> == </a:t>
+            </a:r>
+            <a:r>
+              <a:rPr kumimoji="0" lang="ko-KR" altLang="ko-KR" sz="1200" b="0" i="0" u="none" strike="noStrike" cap="none" normalizeH="0" baseline="0" dirty="0" err="1">
+                <a:ln>
+                  <a:noFill/>
+                </a:ln>
+                <a:solidFill>
+                  <a:srgbClr val="A9B7C6"/>
+                </a:solidFill>
+                <a:effectLst/>
+                <a:latin typeface="Courier New" panose="02070309020205020404" pitchFamily="49" charset="0"/>
+                <a:cs typeface="Courier New" panose="02070309020205020404" pitchFamily="49" charset="0"/>
+              </a:rPr>
+              <a:t>pygame.QUIT</a:t>
+            </a:r>
+            <a:r>
+              <a:rPr kumimoji="0" lang="ko-KR" altLang="ko-KR" sz="1200" b="0" i="0" u="none" strike="noStrike" cap="none" normalizeH="0" baseline="0" dirty="0">
+                <a:ln>
+                  <a:noFill/>
+                </a:ln>
+                <a:solidFill>
+                  <a:srgbClr val="A9B7C6"/>
+                </a:solidFill>
+                <a:effectLst/>
+                <a:latin typeface="Courier New" panose="02070309020205020404" pitchFamily="49" charset="0"/>
+                <a:cs typeface="Courier New" panose="02070309020205020404" pitchFamily="49" charset="0"/>
+              </a:rPr>
+              <a:t>:</a:t>
+            </a:r>
+            <a:br>
+              <a:rPr kumimoji="0" lang="ko-KR" altLang="ko-KR" sz="1200" b="0" i="0" u="none" strike="noStrike" cap="none" normalizeH="0" baseline="0" dirty="0">
+                <a:ln>
+                  <a:noFill/>
+                </a:ln>
+                <a:solidFill>
+                  <a:srgbClr val="A9B7C6"/>
+                </a:solidFill>
+                <a:effectLst/>
+                <a:latin typeface="Courier New" panose="02070309020205020404" pitchFamily="49" charset="0"/>
+                <a:cs typeface="Courier New" panose="02070309020205020404" pitchFamily="49" charset="0"/>
+              </a:rPr>
+            </a:br>
+            <a:r>
+              <a:rPr kumimoji="0" lang="ko-KR" altLang="ko-KR" sz="1200" b="0" i="0" u="none" strike="noStrike" cap="none" normalizeH="0" baseline="0" dirty="0">
+                <a:ln>
+                  <a:noFill/>
+                </a:ln>
+                <a:solidFill>
+                  <a:srgbClr val="A9B7C6"/>
+                </a:solidFill>
+                <a:effectLst/>
+                <a:latin typeface="Courier New" panose="02070309020205020404" pitchFamily="49" charset="0"/>
+                <a:cs typeface="Courier New" panose="02070309020205020404" pitchFamily="49" charset="0"/>
+              </a:rPr>
+              <a:t>                </a:t>
+            </a:r>
+            <a:r>
+              <a:rPr kumimoji="0" lang="ko-KR" altLang="ko-KR" sz="1200" b="0" i="0" u="none" strike="noStrike" cap="none" normalizeH="0" baseline="0" dirty="0" err="1">
+                <a:ln>
+                  <a:noFill/>
+                </a:ln>
+                <a:solidFill>
+                  <a:srgbClr val="94558D"/>
+                </a:solidFill>
+                <a:effectLst/>
+                <a:latin typeface="Courier New" panose="02070309020205020404" pitchFamily="49" charset="0"/>
+                <a:cs typeface="Courier New" panose="02070309020205020404" pitchFamily="49" charset="0"/>
+              </a:rPr>
+              <a:t>self</a:t>
+            </a:r>
+            <a:r>
+              <a:rPr kumimoji="0" lang="ko-KR" altLang="ko-KR" sz="1200" b="0" i="0" u="none" strike="noStrike" cap="none" normalizeH="0" baseline="0" dirty="0" err="1">
+                <a:ln>
+                  <a:noFill/>
+                </a:ln>
+                <a:solidFill>
+                  <a:srgbClr val="A9B7C6"/>
+                </a:solidFill>
+                <a:effectLst/>
+                <a:latin typeface="Courier New" panose="02070309020205020404" pitchFamily="49" charset="0"/>
+                <a:cs typeface="Courier New" panose="02070309020205020404" pitchFamily="49" charset="0"/>
+              </a:rPr>
+              <a:t>.playing</a:t>
+            </a:r>
+            <a:r>
+              <a:rPr kumimoji="0" lang="ko-KR" altLang="ko-KR" sz="1200" b="0" i="0" u="none" strike="noStrike" cap="none" normalizeH="0" baseline="0" dirty="0">
+                <a:ln>
+                  <a:noFill/>
+                </a:ln>
+                <a:solidFill>
+                  <a:srgbClr val="A9B7C6"/>
+                </a:solidFill>
+                <a:effectLst/>
+                <a:latin typeface="Courier New" panose="02070309020205020404" pitchFamily="49" charset="0"/>
+                <a:cs typeface="Courier New" panose="02070309020205020404" pitchFamily="49" charset="0"/>
+              </a:rPr>
+              <a:t> = </a:t>
+            </a:r>
+            <a:r>
+              <a:rPr kumimoji="0" lang="ko-KR" altLang="ko-KR" sz="1200" b="0" i="0" u="none" strike="noStrike" cap="none" normalizeH="0" baseline="0" dirty="0" err="1">
+                <a:ln>
+                  <a:noFill/>
+                </a:ln>
+                <a:solidFill>
+                  <a:srgbClr val="CC7832"/>
+                </a:solidFill>
+                <a:effectLst/>
+                <a:latin typeface="Courier New" panose="02070309020205020404" pitchFamily="49" charset="0"/>
+                <a:cs typeface="Courier New" panose="02070309020205020404" pitchFamily="49" charset="0"/>
+              </a:rPr>
+              <a:t>False</a:t>
+            </a:r>
+            <a:br>
+              <a:rPr kumimoji="0" lang="ko-KR" altLang="ko-KR" sz="1200" b="0" i="0" u="none" strike="noStrike" cap="none" normalizeH="0" baseline="0" dirty="0">
+                <a:ln>
+                  <a:noFill/>
+                </a:ln>
+                <a:solidFill>
+                  <a:srgbClr val="CC7832"/>
+                </a:solidFill>
+                <a:effectLst/>
+                <a:latin typeface="Courier New" panose="02070309020205020404" pitchFamily="49" charset="0"/>
+                <a:cs typeface="Courier New" panose="02070309020205020404" pitchFamily="49" charset="0"/>
+              </a:rPr>
+            </a:br>
+            <a:br>
+              <a:rPr kumimoji="0" lang="ko-KR" altLang="ko-KR" sz="1200" b="0" i="0" u="none" strike="noStrike" cap="none" normalizeH="0" baseline="0" dirty="0">
+                <a:ln>
+                  <a:noFill/>
+                </a:ln>
+                <a:solidFill>
+                  <a:srgbClr val="CC7832"/>
+                </a:solidFill>
+                <a:effectLst/>
+                <a:latin typeface="Courier New" panose="02070309020205020404" pitchFamily="49" charset="0"/>
+                <a:cs typeface="Courier New" panose="02070309020205020404" pitchFamily="49" charset="0"/>
+              </a:rPr>
+            </a:br>
+            <a:r>
+              <a:rPr kumimoji="0" lang="ko-KR" altLang="ko-KR" sz="1200" b="0" i="0" u="none" strike="noStrike" cap="none" normalizeH="0" baseline="0" dirty="0">
+                <a:ln>
+                  <a:noFill/>
+                </a:ln>
+                <a:solidFill>
+                  <a:srgbClr val="CC7832"/>
+                </a:solidFill>
+                <a:effectLst/>
+                <a:latin typeface="Courier New" panose="02070309020205020404" pitchFamily="49" charset="0"/>
+                <a:cs typeface="Courier New" panose="02070309020205020404" pitchFamily="49" charset="0"/>
+              </a:rPr>
+              <a:t>        </a:t>
+            </a:r>
+            <a:r>
+              <a:rPr kumimoji="0" lang="ko-KR" altLang="ko-KR" sz="1200" b="0" i="0" u="none" strike="noStrike" cap="none" normalizeH="0" baseline="0" dirty="0" err="1">
+                <a:ln>
+                  <a:noFill/>
+                </a:ln>
+                <a:solidFill>
+                  <a:srgbClr val="94558D"/>
+                </a:solidFill>
+                <a:effectLst/>
+                <a:latin typeface="Courier New" panose="02070309020205020404" pitchFamily="49" charset="0"/>
+                <a:cs typeface="Courier New" panose="02070309020205020404" pitchFamily="49" charset="0"/>
+              </a:rPr>
+              <a:t>self</a:t>
+            </a:r>
+            <a:r>
+              <a:rPr kumimoji="0" lang="ko-KR" altLang="ko-KR" sz="1200" b="0" i="0" u="none" strike="noStrike" cap="none" normalizeH="0" baseline="0" dirty="0" err="1">
+                <a:ln>
+                  <a:noFill/>
+                </a:ln>
+                <a:solidFill>
+                  <a:srgbClr val="A9B7C6"/>
+                </a:solidFill>
+                <a:effectLst/>
+                <a:latin typeface="Courier New" panose="02070309020205020404" pitchFamily="49" charset="0"/>
+                <a:cs typeface="Courier New" panose="02070309020205020404" pitchFamily="49" charset="0"/>
+              </a:rPr>
+              <a:t>.all_sprites.update</a:t>
+            </a:r>
+            <a:r>
+              <a:rPr kumimoji="0" lang="ko-KR" altLang="ko-KR" sz="1200" b="0" i="0" u="none" strike="noStrike" cap="none" normalizeH="0" baseline="0" dirty="0">
+                <a:ln>
+                  <a:noFill/>
+                </a:ln>
+                <a:solidFill>
+                  <a:srgbClr val="A9B7C6"/>
+                </a:solidFill>
+                <a:effectLst/>
+                <a:latin typeface="Courier New" panose="02070309020205020404" pitchFamily="49" charset="0"/>
+                <a:cs typeface="Courier New" panose="02070309020205020404" pitchFamily="49" charset="0"/>
+              </a:rPr>
+              <a:t>()</a:t>
+            </a:r>
+            <a:br>
+              <a:rPr kumimoji="0" lang="ko-KR" altLang="ko-KR" sz="1200" b="0" i="0" u="none" strike="noStrike" cap="none" normalizeH="0" baseline="0" dirty="0">
+                <a:ln>
+                  <a:noFill/>
+                </a:ln>
+                <a:solidFill>
+                  <a:srgbClr val="A9B7C6"/>
+                </a:solidFill>
+                <a:effectLst/>
+                <a:latin typeface="Courier New" panose="02070309020205020404" pitchFamily="49" charset="0"/>
+                <a:cs typeface="Courier New" panose="02070309020205020404" pitchFamily="49" charset="0"/>
+              </a:rPr>
+            </a:br>
+            <a:br>
+              <a:rPr kumimoji="0" lang="ko-KR" altLang="ko-KR" sz="1200" b="0" i="0" u="none" strike="noStrike" cap="none" normalizeH="0" baseline="0" dirty="0">
+                <a:ln>
+                  <a:noFill/>
+                </a:ln>
+                <a:solidFill>
+                  <a:srgbClr val="A9B7C6"/>
+                </a:solidFill>
+                <a:effectLst/>
+                <a:latin typeface="Courier New" panose="02070309020205020404" pitchFamily="49" charset="0"/>
+                <a:cs typeface="Courier New" panose="02070309020205020404" pitchFamily="49" charset="0"/>
+              </a:rPr>
+            </a:br>
+            <a:r>
+              <a:rPr kumimoji="0" lang="ko-KR" altLang="ko-KR" sz="1200" b="0" i="0" u="none" strike="noStrike" cap="none" normalizeH="0" baseline="0" dirty="0">
+                <a:ln>
+                  <a:noFill/>
+                </a:ln>
+                <a:solidFill>
+                  <a:srgbClr val="A9B7C6"/>
+                </a:solidFill>
+                <a:effectLst/>
+                <a:latin typeface="Courier New" panose="02070309020205020404" pitchFamily="49" charset="0"/>
+                <a:cs typeface="Courier New" panose="02070309020205020404" pitchFamily="49" charset="0"/>
+              </a:rPr>
+              <a:t>    </a:t>
+            </a:r>
+            <a:r>
+              <a:rPr kumimoji="0" lang="ko-KR" altLang="ko-KR" sz="1200" b="0" i="0" u="none" strike="noStrike" cap="none" normalizeH="0" baseline="0" dirty="0" err="1">
+                <a:ln>
+                  <a:noFill/>
+                </a:ln>
+                <a:solidFill>
+                  <a:srgbClr val="CC7832"/>
+                </a:solidFill>
+                <a:effectLst/>
+                <a:latin typeface="Courier New" panose="02070309020205020404" pitchFamily="49" charset="0"/>
+                <a:cs typeface="Courier New" panose="02070309020205020404" pitchFamily="49" charset="0"/>
+              </a:rPr>
+              <a:t>def</a:t>
+            </a:r>
+            <a:r>
+              <a:rPr kumimoji="0" lang="ko-KR" altLang="ko-KR" sz="1200" b="0" i="0" u="none" strike="noStrike" cap="none" normalizeH="0" baseline="0" dirty="0">
+                <a:ln>
+                  <a:noFill/>
+                </a:ln>
+                <a:solidFill>
+                  <a:srgbClr val="CC7832"/>
+                </a:solidFill>
+                <a:effectLst/>
+                <a:latin typeface="Courier New" panose="02070309020205020404" pitchFamily="49" charset="0"/>
+                <a:cs typeface="Courier New" panose="02070309020205020404" pitchFamily="49" charset="0"/>
+              </a:rPr>
+              <a:t> </a:t>
+            </a:r>
+            <a:r>
+              <a:rPr kumimoji="0" lang="ko-KR" altLang="ko-KR" sz="1200" b="0" i="0" u="none" strike="noStrike" cap="none" normalizeH="0" baseline="0" dirty="0" err="1">
+                <a:ln>
+                  <a:noFill/>
+                </a:ln>
+                <a:solidFill>
+                  <a:srgbClr val="FFC66D"/>
+                </a:solidFill>
+                <a:effectLst/>
+                <a:latin typeface="Courier New" panose="02070309020205020404" pitchFamily="49" charset="0"/>
+                <a:cs typeface="Courier New" panose="02070309020205020404" pitchFamily="49" charset="0"/>
+              </a:rPr>
+              <a:t>draw</a:t>
+            </a:r>
+            <a:r>
+              <a:rPr kumimoji="0" lang="ko-KR" altLang="ko-KR" sz="1200" b="0" i="0" u="none" strike="noStrike" cap="none" normalizeH="0" baseline="0" dirty="0">
+                <a:ln>
+                  <a:noFill/>
+                </a:ln>
+                <a:solidFill>
+                  <a:srgbClr val="A9B7C6"/>
+                </a:solidFill>
+                <a:effectLst/>
+                <a:latin typeface="Courier New" panose="02070309020205020404" pitchFamily="49" charset="0"/>
+                <a:cs typeface="Courier New" panose="02070309020205020404" pitchFamily="49" charset="0"/>
+              </a:rPr>
+              <a:t>(</a:t>
+            </a:r>
+            <a:r>
+              <a:rPr kumimoji="0" lang="ko-KR" altLang="ko-KR" sz="1200" b="0" i="0" u="none" strike="noStrike" cap="none" normalizeH="0" baseline="0" dirty="0" err="1">
+                <a:ln>
+                  <a:noFill/>
+                </a:ln>
+                <a:solidFill>
+                  <a:srgbClr val="94558D"/>
+                </a:solidFill>
+                <a:effectLst/>
+                <a:latin typeface="Courier New" panose="02070309020205020404" pitchFamily="49" charset="0"/>
+                <a:cs typeface="Courier New" panose="02070309020205020404" pitchFamily="49" charset="0"/>
+              </a:rPr>
+              <a:t>self</a:t>
+            </a:r>
+            <a:r>
+              <a:rPr kumimoji="0" lang="ko-KR" altLang="ko-KR" sz="1200" b="0" i="0" u="none" strike="noStrike" cap="none" normalizeH="0" baseline="0" dirty="0">
+                <a:ln>
+                  <a:noFill/>
+                </a:ln>
+                <a:solidFill>
+                  <a:srgbClr val="A9B7C6"/>
+                </a:solidFill>
+                <a:effectLst/>
+                <a:latin typeface="Courier New" panose="02070309020205020404" pitchFamily="49" charset="0"/>
+                <a:cs typeface="Courier New" panose="02070309020205020404" pitchFamily="49" charset="0"/>
+              </a:rPr>
+              <a:t>):</a:t>
+            </a:r>
+            <a:br>
+              <a:rPr kumimoji="0" lang="ko-KR" altLang="ko-KR" sz="1200" b="0" i="0" u="none" strike="noStrike" cap="none" normalizeH="0" baseline="0" dirty="0">
+                <a:ln>
+                  <a:noFill/>
+                </a:ln>
+                <a:solidFill>
+                  <a:srgbClr val="A9B7C6"/>
+                </a:solidFill>
+                <a:effectLst/>
+                <a:latin typeface="Courier New" panose="02070309020205020404" pitchFamily="49" charset="0"/>
+                <a:cs typeface="Courier New" panose="02070309020205020404" pitchFamily="49" charset="0"/>
+              </a:rPr>
+            </a:br>
+            <a:r>
+              <a:rPr kumimoji="0" lang="ko-KR" altLang="ko-KR" sz="1200" b="0" i="0" u="none" strike="noStrike" cap="none" normalizeH="0" baseline="0" dirty="0">
+                <a:ln>
+                  <a:noFill/>
+                </a:ln>
+                <a:solidFill>
+                  <a:srgbClr val="A9B7C6"/>
+                </a:solidFill>
+                <a:effectLst/>
+                <a:latin typeface="Courier New" panose="02070309020205020404" pitchFamily="49" charset="0"/>
+                <a:cs typeface="Courier New" panose="02070309020205020404" pitchFamily="49" charset="0"/>
+              </a:rPr>
+              <a:t>        </a:t>
+            </a:r>
+            <a:r>
+              <a:rPr kumimoji="0" lang="ko-KR" altLang="ko-KR" sz="1200" b="0" i="0" u="none" strike="noStrike" cap="none" normalizeH="0" baseline="0" dirty="0" err="1">
+                <a:ln>
+                  <a:noFill/>
+                </a:ln>
+                <a:solidFill>
+                  <a:srgbClr val="94558D"/>
+                </a:solidFill>
+                <a:effectLst/>
+                <a:latin typeface="Courier New" panose="02070309020205020404" pitchFamily="49" charset="0"/>
+                <a:cs typeface="Courier New" panose="02070309020205020404" pitchFamily="49" charset="0"/>
+              </a:rPr>
+              <a:t>self</a:t>
+            </a:r>
+            <a:r>
+              <a:rPr kumimoji="0" lang="ko-KR" altLang="ko-KR" sz="1200" b="0" i="0" u="none" strike="noStrike" cap="none" normalizeH="0" baseline="0" dirty="0" err="1">
+                <a:ln>
+                  <a:noFill/>
+                </a:ln>
+                <a:solidFill>
+                  <a:srgbClr val="A9B7C6"/>
+                </a:solidFill>
+                <a:effectLst/>
+                <a:latin typeface="Courier New" panose="02070309020205020404" pitchFamily="49" charset="0"/>
+                <a:cs typeface="Courier New" panose="02070309020205020404" pitchFamily="49" charset="0"/>
+              </a:rPr>
+              <a:t>.screen.fill</a:t>
+            </a:r>
+            <a:r>
+              <a:rPr kumimoji="0" lang="ko-KR" altLang="ko-KR" sz="1200" b="0" i="0" u="none" strike="noStrike" cap="none" normalizeH="0" baseline="0" dirty="0">
+                <a:ln>
+                  <a:noFill/>
+                </a:ln>
+                <a:solidFill>
+                  <a:srgbClr val="A9B7C6"/>
+                </a:solidFill>
+                <a:effectLst/>
+                <a:latin typeface="Courier New" panose="02070309020205020404" pitchFamily="49" charset="0"/>
+                <a:cs typeface="Courier New" panose="02070309020205020404" pitchFamily="49" charset="0"/>
+              </a:rPr>
+              <a:t>(</a:t>
+            </a:r>
+            <a:r>
+              <a:rPr kumimoji="0" lang="ko-KR" altLang="ko-KR" sz="1200" b="0" i="0" u="none" strike="noStrike" cap="none" normalizeH="0" baseline="0" dirty="0">
+                <a:ln>
+                  <a:noFill/>
+                </a:ln>
+                <a:solidFill>
+                  <a:srgbClr val="6A8759"/>
+                </a:solidFill>
+                <a:effectLst/>
+                <a:latin typeface="Courier New" panose="02070309020205020404" pitchFamily="49" charset="0"/>
+                <a:cs typeface="Courier New" panose="02070309020205020404" pitchFamily="49" charset="0"/>
+              </a:rPr>
+              <a:t>'Black'</a:t>
+            </a:r>
+            <a:r>
+              <a:rPr kumimoji="0" lang="ko-KR" altLang="ko-KR" sz="1200" b="0" i="0" u="none" strike="noStrike" cap="none" normalizeH="0" baseline="0" dirty="0">
+                <a:ln>
+                  <a:noFill/>
+                </a:ln>
+                <a:solidFill>
+                  <a:srgbClr val="A9B7C6"/>
+                </a:solidFill>
+                <a:effectLst/>
+                <a:latin typeface="Courier New" panose="02070309020205020404" pitchFamily="49" charset="0"/>
+                <a:cs typeface="Courier New" panose="02070309020205020404" pitchFamily="49" charset="0"/>
+              </a:rPr>
+              <a:t>)</a:t>
+            </a:r>
+            <a:br>
+              <a:rPr kumimoji="0" lang="ko-KR" altLang="ko-KR" sz="1200" b="0" i="0" u="none" strike="noStrike" cap="none" normalizeH="0" baseline="0" dirty="0">
+                <a:ln>
+                  <a:noFill/>
+                </a:ln>
+                <a:solidFill>
+                  <a:srgbClr val="A9B7C6"/>
+                </a:solidFill>
+                <a:effectLst/>
+                <a:latin typeface="Courier New" panose="02070309020205020404" pitchFamily="49" charset="0"/>
+                <a:cs typeface="Courier New" panose="02070309020205020404" pitchFamily="49" charset="0"/>
+              </a:rPr>
+            </a:br>
+            <a:r>
+              <a:rPr kumimoji="0" lang="ko-KR" altLang="ko-KR" sz="1200" b="0" i="0" u="none" strike="noStrike" cap="none" normalizeH="0" baseline="0" dirty="0">
+                <a:ln>
+                  <a:noFill/>
+                </a:ln>
+                <a:solidFill>
+                  <a:srgbClr val="A9B7C6"/>
+                </a:solidFill>
+                <a:effectLst/>
+                <a:latin typeface="Courier New" panose="02070309020205020404" pitchFamily="49" charset="0"/>
+                <a:cs typeface="Courier New" panose="02070309020205020404" pitchFamily="49" charset="0"/>
+              </a:rPr>
+              <a:t>        </a:t>
+            </a:r>
+            <a:r>
+              <a:rPr kumimoji="0" lang="ko-KR" altLang="ko-KR" sz="1200" b="0" i="0" u="none" strike="noStrike" cap="none" normalizeH="0" baseline="0" dirty="0" err="1">
+                <a:ln>
+                  <a:noFill/>
+                </a:ln>
+                <a:solidFill>
+                  <a:srgbClr val="94558D"/>
+                </a:solidFill>
+                <a:effectLst/>
+                <a:latin typeface="Courier New" panose="02070309020205020404" pitchFamily="49" charset="0"/>
+                <a:cs typeface="Courier New" panose="02070309020205020404" pitchFamily="49" charset="0"/>
+              </a:rPr>
+              <a:t>self</a:t>
+            </a:r>
+            <a:r>
+              <a:rPr kumimoji="0" lang="ko-KR" altLang="ko-KR" sz="1200" b="0" i="0" u="none" strike="noStrike" cap="none" normalizeH="0" baseline="0" dirty="0" err="1">
+                <a:ln>
+                  <a:noFill/>
+                </a:ln>
+                <a:solidFill>
+                  <a:srgbClr val="A9B7C6"/>
+                </a:solidFill>
+                <a:effectLst/>
+                <a:latin typeface="Courier New" panose="02070309020205020404" pitchFamily="49" charset="0"/>
+                <a:cs typeface="Courier New" panose="02070309020205020404" pitchFamily="49" charset="0"/>
+              </a:rPr>
+              <a:t>.all_sprites.draw</a:t>
+            </a:r>
+            <a:r>
+              <a:rPr kumimoji="0" lang="ko-KR" altLang="ko-KR" sz="1200" b="0" i="0" u="none" strike="noStrike" cap="none" normalizeH="0" baseline="0" dirty="0">
+                <a:ln>
+                  <a:noFill/>
+                </a:ln>
+                <a:solidFill>
+                  <a:srgbClr val="A9B7C6"/>
+                </a:solidFill>
+                <a:effectLst/>
+                <a:latin typeface="Courier New" panose="02070309020205020404" pitchFamily="49" charset="0"/>
+                <a:cs typeface="Courier New" panose="02070309020205020404" pitchFamily="49" charset="0"/>
+              </a:rPr>
+              <a:t>(</a:t>
+            </a:r>
+            <a:r>
+              <a:rPr kumimoji="0" lang="ko-KR" altLang="ko-KR" sz="1200" b="0" i="0" u="none" strike="noStrike" cap="none" normalizeH="0" baseline="0" dirty="0" err="1">
+                <a:ln>
+                  <a:noFill/>
+                </a:ln>
+                <a:solidFill>
+                  <a:srgbClr val="94558D"/>
+                </a:solidFill>
+                <a:effectLst/>
+                <a:latin typeface="Courier New" panose="02070309020205020404" pitchFamily="49" charset="0"/>
+                <a:cs typeface="Courier New" panose="02070309020205020404" pitchFamily="49" charset="0"/>
+              </a:rPr>
+              <a:t>self</a:t>
+            </a:r>
+            <a:r>
+              <a:rPr kumimoji="0" lang="ko-KR" altLang="ko-KR" sz="1200" b="0" i="0" u="none" strike="noStrike" cap="none" normalizeH="0" baseline="0" dirty="0" err="1">
+                <a:ln>
+                  <a:noFill/>
+                </a:ln>
+                <a:solidFill>
+                  <a:srgbClr val="A9B7C6"/>
+                </a:solidFill>
+                <a:effectLst/>
+                <a:latin typeface="Courier New" panose="02070309020205020404" pitchFamily="49" charset="0"/>
+                <a:cs typeface="Courier New" panose="02070309020205020404" pitchFamily="49" charset="0"/>
+              </a:rPr>
+              <a:t>.screen</a:t>
+            </a:r>
+            <a:r>
+              <a:rPr kumimoji="0" lang="ko-KR" altLang="ko-KR" sz="1200" b="0" i="0" u="none" strike="noStrike" cap="none" normalizeH="0" baseline="0" dirty="0">
+                <a:ln>
+                  <a:noFill/>
+                </a:ln>
+                <a:solidFill>
+                  <a:srgbClr val="A9B7C6"/>
+                </a:solidFill>
+                <a:effectLst/>
+                <a:latin typeface="Courier New" panose="02070309020205020404" pitchFamily="49" charset="0"/>
+                <a:cs typeface="Courier New" panose="02070309020205020404" pitchFamily="49" charset="0"/>
+              </a:rPr>
+              <a:t>)</a:t>
+            </a:r>
+            <a:br>
+              <a:rPr kumimoji="0" lang="ko-KR" altLang="ko-KR" sz="1200" b="0" i="0" u="none" strike="noStrike" cap="none" normalizeH="0" baseline="0" dirty="0">
+                <a:ln>
+                  <a:noFill/>
+                </a:ln>
+                <a:solidFill>
+                  <a:srgbClr val="A9B7C6"/>
+                </a:solidFill>
+                <a:effectLst/>
+                <a:latin typeface="Courier New" panose="02070309020205020404" pitchFamily="49" charset="0"/>
+                <a:cs typeface="Courier New" panose="02070309020205020404" pitchFamily="49" charset="0"/>
+              </a:rPr>
+            </a:br>
+            <a:br>
+              <a:rPr kumimoji="0" lang="ko-KR" altLang="ko-KR" sz="1200" b="0" i="0" u="none" strike="noStrike" cap="none" normalizeH="0" baseline="0" dirty="0">
+                <a:ln>
+                  <a:noFill/>
+                </a:ln>
+                <a:solidFill>
+                  <a:srgbClr val="A9B7C6"/>
+                </a:solidFill>
+                <a:effectLst/>
+                <a:latin typeface="Courier New" panose="02070309020205020404" pitchFamily="49" charset="0"/>
+                <a:cs typeface="Courier New" panose="02070309020205020404" pitchFamily="49" charset="0"/>
+              </a:rPr>
+            </a:br>
+            <a:br>
+              <a:rPr kumimoji="0" lang="ko-KR" altLang="ko-KR" sz="1200" b="0" i="0" u="none" strike="noStrike" cap="none" normalizeH="0" baseline="0" dirty="0">
+                <a:ln>
+                  <a:noFill/>
+                </a:ln>
+                <a:solidFill>
+                  <a:srgbClr val="A9B7C6"/>
+                </a:solidFill>
+                <a:effectLst/>
+                <a:latin typeface="Courier New" panose="02070309020205020404" pitchFamily="49" charset="0"/>
+                <a:cs typeface="Courier New" panose="02070309020205020404" pitchFamily="49" charset="0"/>
+              </a:rPr>
+            </a:br>
+            <a:r>
+              <a:rPr kumimoji="0" lang="ko-KR" altLang="ko-KR" sz="1200" b="0" i="0" u="none" strike="noStrike" cap="none" normalizeH="0" baseline="0" dirty="0" err="1">
+                <a:ln>
+                  <a:noFill/>
+                </a:ln>
+                <a:solidFill>
+                  <a:srgbClr val="A9B7C6"/>
+                </a:solidFill>
+                <a:effectLst/>
+                <a:latin typeface="Courier New" panose="02070309020205020404" pitchFamily="49" charset="0"/>
+                <a:cs typeface="Courier New" panose="02070309020205020404" pitchFamily="49" charset="0"/>
+              </a:rPr>
+              <a:t>game</a:t>
+            </a:r>
+            <a:r>
+              <a:rPr kumimoji="0" lang="ko-KR" altLang="ko-KR" sz="1200" b="0" i="0" u="none" strike="noStrike" cap="none" normalizeH="0" baseline="0" dirty="0">
+                <a:ln>
+                  <a:noFill/>
+                </a:ln>
+                <a:solidFill>
+                  <a:srgbClr val="A9B7C6"/>
+                </a:solidFill>
+                <a:effectLst/>
+                <a:latin typeface="Courier New" panose="02070309020205020404" pitchFamily="49" charset="0"/>
+                <a:cs typeface="Courier New" panose="02070309020205020404" pitchFamily="49" charset="0"/>
+              </a:rPr>
+              <a:t> = </a:t>
+            </a:r>
+            <a:r>
+              <a:rPr kumimoji="0" lang="ko-KR" altLang="ko-KR" sz="1200" b="0" i="0" u="none" strike="noStrike" cap="none" normalizeH="0" baseline="0" dirty="0" err="1">
+                <a:ln>
+                  <a:noFill/>
+                </a:ln>
+                <a:solidFill>
+                  <a:srgbClr val="A9B7C6"/>
+                </a:solidFill>
+                <a:effectLst/>
+                <a:latin typeface="Courier New" panose="02070309020205020404" pitchFamily="49" charset="0"/>
+                <a:cs typeface="Courier New" panose="02070309020205020404" pitchFamily="49" charset="0"/>
+              </a:rPr>
+              <a:t>Game</a:t>
+            </a:r>
+            <a:r>
+              <a:rPr kumimoji="0" lang="ko-KR" altLang="ko-KR" sz="1200" b="0" i="0" u="none" strike="noStrike" cap="none" normalizeH="0" baseline="0" dirty="0">
+                <a:ln>
+                  <a:noFill/>
+                </a:ln>
+                <a:solidFill>
+                  <a:srgbClr val="A9B7C6"/>
+                </a:solidFill>
+                <a:effectLst/>
+                <a:latin typeface="Courier New" panose="02070309020205020404" pitchFamily="49" charset="0"/>
+                <a:cs typeface="Courier New" panose="02070309020205020404" pitchFamily="49" charset="0"/>
+              </a:rPr>
+              <a:t>()</a:t>
+            </a:r>
+            <a:br>
+              <a:rPr kumimoji="0" lang="ko-KR" altLang="ko-KR" sz="1200" b="0" i="0" u="none" strike="noStrike" cap="none" normalizeH="0" baseline="0" dirty="0">
+                <a:ln>
+                  <a:noFill/>
+                </a:ln>
+                <a:solidFill>
+                  <a:srgbClr val="A9B7C6"/>
+                </a:solidFill>
+                <a:effectLst/>
+                <a:latin typeface="Courier New" panose="02070309020205020404" pitchFamily="49" charset="0"/>
+                <a:cs typeface="Courier New" panose="02070309020205020404" pitchFamily="49" charset="0"/>
+              </a:rPr>
+            </a:br>
+            <a:r>
+              <a:rPr kumimoji="0" lang="ko-KR" altLang="ko-KR" sz="1200" b="0" i="0" u="none" strike="noStrike" cap="none" normalizeH="0" baseline="0" dirty="0" err="1">
+                <a:ln>
+                  <a:noFill/>
+                </a:ln>
+                <a:solidFill>
+                  <a:srgbClr val="A9B7C6"/>
+                </a:solidFill>
+                <a:effectLst/>
+                <a:latin typeface="Courier New" panose="02070309020205020404" pitchFamily="49" charset="0"/>
+                <a:cs typeface="Courier New" panose="02070309020205020404" pitchFamily="49" charset="0"/>
+              </a:rPr>
+              <a:t>game.run</a:t>
+            </a:r>
+            <a:r>
+              <a:rPr kumimoji="0" lang="ko-KR" altLang="ko-KR" sz="1200" b="0" i="0" u="none" strike="noStrike" cap="none" normalizeH="0" baseline="0" dirty="0">
+                <a:ln>
+                  <a:noFill/>
+                </a:ln>
+                <a:solidFill>
+                  <a:srgbClr val="A9B7C6"/>
+                </a:solidFill>
+                <a:effectLst/>
+                <a:latin typeface="Courier New" panose="02070309020205020404" pitchFamily="49" charset="0"/>
+                <a:cs typeface="Courier New" panose="02070309020205020404" pitchFamily="49" charset="0"/>
+              </a:rPr>
+              <a:t>()</a:t>
+            </a:r>
+            <a:br>
+              <a:rPr kumimoji="0" lang="ko-KR" altLang="ko-KR" sz="1200" b="0" i="0" u="none" strike="noStrike" cap="none" normalizeH="0" baseline="0" dirty="0">
+                <a:ln>
+                  <a:noFill/>
+                </a:ln>
+                <a:solidFill>
+                  <a:srgbClr val="A9B7C6"/>
+                </a:solidFill>
+                <a:effectLst/>
+                <a:latin typeface="Courier New" panose="02070309020205020404" pitchFamily="49" charset="0"/>
+                <a:cs typeface="Courier New" panose="02070309020205020404" pitchFamily="49" charset="0"/>
+              </a:rPr>
+            </a:br>
+            <a:r>
+              <a:rPr kumimoji="0" lang="ko-KR" altLang="ko-KR" sz="1200" b="0" i="0" u="none" strike="noStrike" cap="none" normalizeH="0" baseline="0" dirty="0" err="1">
+                <a:ln>
+                  <a:noFill/>
+                </a:ln>
+                <a:solidFill>
+                  <a:srgbClr val="A9B7C6"/>
+                </a:solidFill>
+                <a:effectLst/>
+                <a:latin typeface="Courier New" panose="02070309020205020404" pitchFamily="49" charset="0"/>
+                <a:cs typeface="Courier New" panose="02070309020205020404" pitchFamily="49" charset="0"/>
+              </a:rPr>
+              <a:t>pygame.quit</a:t>
+            </a:r>
+            <a:r>
+              <a:rPr kumimoji="0" lang="ko-KR" altLang="ko-KR" sz="1200" b="0" i="0" u="none" strike="noStrike" cap="none" normalizeH="0" baseline="0" dirty="0">
+                <a:ln>
+                  <a:noFill/>
+                </a:ln>
+                <a:solidFill>
+                  <a:srgbClr val="A9B7C6"/>
+                </a:solidFill>
+                <a:effectLst/>
+                <a:latin typeface="Courier New" panose="02070309020205020404" pitchFamily="49" charset="0"/>
+                <a:cs typeface="Courier New" panose="02070309020205020404" pitchFamily="49" charset="0"/>
+              </a:rPr>
+              <a:t>()</a:t>
+            </a:r>
+            <a:endParaRPr kumimoji="0" lang="ko-KR" altLang="ko-KR" sz="1800" b="0" i="0" u="none" strike="noStrike" cap="none" normalizeH="0" baseline="0" dirty="0">
+              <a:ln>
+                <a:noFill/>
+              </a:ln>
+              <a:solidFill>
+                <a:schemeClr val="tx1"/>
+              </a:solidFill>
+              <a:effectLst/>
+              <a:latin typeface="Arial" panose="020B0604020202020204" pitchFamily="34" charset="0"/>
+            </a:endParaRPr>
+          </a:p>
+        </p:txBody>
+      </p:sp>
+    </p:spTree>
+    <p:extLst>
+      <p:ext uri="{BB962C8B-B14F-4D97-AF65-F5344CB8AC3E}">
+        <p14:creationId xmlns:p14="http://schemas.microsoft.com/office/powerpoint/2010/main" val="2753508117"/>
+      </p:ext>
+    </p:extLst>
+  </p:cSld>
+  <p:clrMapOvr>
+    <a:masterClrMapping/>
+  </p:clrMapOvr>
 </p:sld>
 </file>
 
